--- a/src/diagrams.pptx
+++ b/src/diagrams.pptx
@@ -14,9 +14,14 @@
     <p:sldId id="261" r:id="rId8"/>
     <p:sldId id="262" r:id="rId9"/>
     <p:sldId id="267" r:id="rId10"/>
-    <p:sldId id="266" r:id="rId11"/>
-    <p:sldId id="263" r:id="rId12"/>
-    <p:sldId id="264" r:id="rId13"/>
+    <p:sldId id="263" r:id="rId11"/>
+    <p:sldId id="264" r:id="rId12"/>
+    <p:sldId id="268" r:id="rId13"/>
+    <p:sldId id="269" r:id="rId14"/>
+    <p:sldId id="270" r:id="rId15"/>
+    <p:sldId id="271" r:id="rId16"/>
+    <p:sldId id="272" r:id="rId17"/>
+    <p:sldId id="266" r:id="rId18"/>
   </p:sldIdLst>
   <p:sldSz cx="12192000" cy="6858000"/>
   <p:notesSz cx="6858000" cy="9144000"/>
@@ -3718,36 +3723,6 @@
   <p:cSld>
     <p:spTree>
       <p:nvGrpSpPr>
-        <p:cNvPr id="1" name=""/>
-        <p:cNvGrpSpPr/>
-        <p:nvPr/>
-      </p:nvGrpSpPr>
-      <p:grpSpPr>
-        <a:xfrm>
-          <a:off x="0" y="0"/>
-          <a:ext cx="0" cy="0"/>
-          <a:chOff x="0" y="0"/>
-          <a:chExt cx="0" cy="0"/>
-        </a:xfrm>
-      </p:grpSpPr>
-    </p:spTree>
-    <p:extLst>
-      <p:ext uri="{BB962C8B-B14F-4D97-AF65-F5344CB8AC3E}">
-        <p14:creationId xmlns:p14="http://schemas.microsoft.com/office/powerpoint/2010/main" val="4148496746"/>
-      </p:ext>
-    </p:extLst>
-  </p:cSld>
-  <p:clrMapOvr>
-    <a:masterClrMapping/>
-  </p:clrMapOvr>
-</p:sld>
-</file>
-
-<file path=ppt/slides/slide11.xml><?xml version="1.0" encoding="utf-8"?>
-<p:sld xmlns:a="http://schemas.openxmlformats.org/drawingml/2006/main" xmlns:r="http://schemas.openxmlformats.org/officeDocument/2006/relationships" xmlns:p="http://schemas.openxmlformats.org/presentationml/2006/main">
-  <p:cSld>
-    <p:spTree>
-      <p:nvGrpSpPr>
         <p:cNvPr id="1" name="">
           <a:extLst>
             <a:ext uri="{FF2B5EF4-FFF2-40B4-BE49-F238E27FC236}">
@@ -4270,6 +4245,1225 @@
     <p:extLst>
       <p:ext uri="{BB962C8B-B14F-4D97-AF65-F5344CB8AC3E}">
         <p14:creationId xmlns:p14="http://schemas.microsoft.com/office/powerpoint/2010/main" val="1041368224"/>
+      </p:ext>
+    </p:extLst>
+  </p:cSld>
+  <p:clrMapOvr>
+    <a:masterClrMapping/>
+  </p:clrMapOvr>
+</p:sld>
+</file>
+
+<file path=ppt/slides/slide11.xml><?xml version="1.0" encoding="utf-8"?>
+<p:sld xmlns:a="http://schemas.openxmlformats.org/drawingml/2006/main" xmlns:r="http://schemas.openxmlformats.org/officeDocument/2006/relationships" xmlns:p="http://schemas.openxmlformats.org/presentationml/2006/main">
+  <p:cSld>
+    <p:spTree>
+      <p:nvGrpSpPr>
+        <p:cNvPr id="1" name=""/>
+        <p:cNvGrpSpPr/>
+        <p:nvPr/>
+      </p:nvGrpSpPr>
+      <p:grpSpPr>
+        <a:xfrm>
+          <a:off x="0" y="0"/>
+          <a:ext cx="0" cy="0"/>
+          <a:chOff x="0" y="0"/>
+          <a:chExt cx="0" cy="0"/>
+        </a:xfrm>
+      </p:grpSpPr>
+      <p:cxnSp>
+        <p:nvCxnSpPr>
+          <p:cNvPr id="2" name="Connecteur droit avec flèche 1">
+            <a:extLst>
+              <a:ext uri="{FF2B5EF4-FFF2-40B4-BE49-F238E27FC236}">
+                <a16:creationId xmlns:a16="http://schemas.microsoft.com/office/drawing/2014/main" id="{FF59F7CA-A157-4598-F7BD-6B94C519D615}"/>
+              </a:ext>
+            </a:extLst>
+          </p:cNvPr>
+          <p:cNvCxnSpPr>
+            <a:cxnSpLocks/>
+            <a:stCxn id="3" idx="7"/>
+          </p:cNvCxnSpPr>
+          <p:nvPr/>
+        </p:nvCxnSpPr>
+        <p:spPr>
+          <a:xfrm flipV="1">
+            <a:off x="3070356" y="2926080"/>
+            <a:ext cx="1574796" cy="1416670"/>
+          </a:xfrm>
+          <a:prstGeom prst="straightConnector1">
+            <a:avLst/>
+          </a:prstGeom>
+          <a:ln w="50800">
+            <a:solidFill>
+              <a:srgbClr val="FF0000"/>
+            </a:solidFill>
+            <a:tailEnd type="triangle"/>
+          </a:ln>
+        </p:spPr>
+        <p:style>
+          <a:lnRef idx="2">
+            <a:schemeClr val="accent1"/>
+          </a:lnRef>
+          <a:fillRef idx="0">
+            <a:schemeClr val="accent1"/>
+          </a:fillRef>
+          <a:effectRef idx="1">
+            <a:schemeClr val="accent1"/>
+          </a:effectRef>
+          <a:fontRef idx="minor">
+            <a:schemeClr val="tx1"/>
+          </a:fontRef>
+        </p:style>
+      </p:cxnSp>
+      <p:sp>
+        <p:nvSpPr>
+          <p:cNvPr id="3" name="Ellipse 2">
+            <a:extLst>
+              <a:ext uri="{FF2B5EF4-FFF2-40B4-BE49-F238E27FC236}">
+                <a16:creationId xmlns:a16="http://schemas.microsoft.com/office/drawing/2014/main" id="{C1533C6A-07F6-B479-74DD-05AA5F55F388}"/>
+              </a:ext>
+            </a:extLst>
+          </p:cNvPr>
+          <p:cNvSpPr/>
+          <p:nvPr/>
+        </p:nvSpPr>
+        <p:spPr>
+          <a:xfrm>
+            <a:off x="2898648" y="4315968"/>
+            <a:ext cx="201168" cy="182880"/>
+          </a:xfrm>
+          <a:prstGeom prst="ellipse">
+            <a:avLst/>
+          </a:prstGeom>
+        </p:spPr>
+        <p:style>
+          <a:lnRef idx="2">
+            <a:schemeClr val="accent1">
+              <a:shade val="15000"/>
+            </a:schemeClr>
+          </a:lnRef>
+          <a:fillRef idx="1">
+            <a:schemeClr val="accent1"/>
+          </a:fillRef>
+          <a:effectRef idx="0">
+            <a:schemeClr val="accent1"/>
+          </a:effectRef>
+          <a:fontRef idx="minor">
+            <a:schemeClr val="lt1"/>
+          </a:fontRef>
+        </p:style>
+        <p:txBody>
+          <a:bodyPr rtlCol="0" anchor="ctr"/>
+          <a:lstStyle/>
+          <a:p>
+            <a:pPr algn="ctr"/>
+            <a:endParaRPr lang="fr-FR"/>
+          </a:p>
+        </p:txBody>
+      </p:sp>
+      <p:sp>
+        <p:nvSpPr>
+          <p:cNvPr id="6" name="Ellipse 5">
+            <a:extLst>
+              <a:ext uri="{FF2B5EF4-FFF2-40B4-BE49-F238E27FC236}">
+                <a16:creationId xmlns:a16="http://schemas.microsoft.com/office/drawing/2014/main" id="{611CDF9C-9BBD-2EC6-960A-E06E7F4DEC21}"/>
+              </a:ext>
+            </a:extLst>
+          </p:cNvPr>
+          <p:cNvSpPr/>
+          <p:nvPr/>
+        </p:nvSpPr>
+        <p:spPr>
+          <a:xfrm>
+            <a:off x="3360420" y="155448"/>
+            <a:ext cx="2569464" cy="2450592"/>
+          </a:xfrm>
+          <a:prstGeom prst="ellipse">
+            <a:avLst/>
+          </a:prstGeom>
+        </p:spPr>
+        <p:style>
+          <a:lnRef idx="2">
+            <a:schemeClr val="accent1">
+              <a:shade val="15000"/>
+            </a:schemeClr>
+          </a:lnRef>
+          <a:fillRef idx="1">
+            <a:schemeClr val="accent1"/>
+          </a:fillRef>
+          <a:effectRef idx="0">
+            <a:schemeClr val="accent1"/>
+          </a:effectRef>
+          <a:fontRef idx="minor">
+            <a:schemeClr val="lt1"/>
+          </a:fontRef>
+        </p:style>
+        <p:txBody>
+          <a:bodyPr rtlCol="0" anchor="ctr"/>
+          <a:lstStyle/>
+          <a:p>
+            <a:pPr algn="ctr"/>
+            <a:endParaRPr lang="fr-FR"/>
+          </a:p>
+        </p:txBody>
+      </p:sp>
+      <p:sp>
+        <p:nvSpPr>
+          <p:cNvPr id="8" name="Ellipse 7">
+            <a:extLst>
+              <a:ext uri="{FF2B5EF4-FFF2-40B4-BE49-F238E27FC236}">
+                <a16:creationId xmlns:a16="http://schemas.microsoft.com/office/drawing/2014/main" id="{38E82CE2-DF60-E99A-38F1-3A1D21BA40EF}"/>
+              </a:ext>
+            </a:extLst>
+          </p:cNvPr>
+          <p:cNvSpPr/>
+          <p:nvPr/>
+        </p:nvSpPr>
+        <p:spPr>
+          <a:xfrm>
+            <a:off x="4507992" y="1248156"/>
+            <a:ext cx="274320" cy="265176"/>
+          </a:xfrm>
+          <a:prstGeom prst="ellipse">
+            <a:avLst/>
+          </a:prstGeom>
+          <a:solidFill>
+            <a:schemeClr val="tx1"/>
+          </a:solidFill>
+        </p:spPr>
+        <p:style>
+          <a:lnRef idx="2">
+            <a:schemeClr val="accent1">
+              <a:shade val="15000"/>
+            </a:schemeClr>
+          </a:lnRef>
+          <a:fillRef idx="1">
+            <a:schemeClr val="accent1"/>
+          </a:fillRef>
+          <a:effectRef idx="0">
+            <a:schemeClr val="accent1"/>
+          </a:effectRef>
+          <a:fontRef idx="minor">
+            <a:schemeClr val="lt1"/>
+          </a:fontRef>
+        </p:style>
+        <p:txBody>
+          <a:bodyPr rtlCol="0" anchor="ctr"/>
+          <a:lstStyle/>
+          <a:p>
+            <a:pPr algn="ctr"/>
+            <a:endParaRPr lang="fr-FR"/>
+          </a:p>
+        </p:txBody>
+      </p:sp>
+      <p:sp>
+        <p:nvSpPr>
+          <p:cNvPr id="9" name="ZoneTexte 8">
+            <a:extLst>
+              <a:ext uri="{FF2B5EF4-FFF2-40B4-BE49-F238E27FC236}">
+                <a16:creationId xmlns:a16="http://schemas.microsoft.com/office/drawing/2014/main" id="{50D775E1-3489-3CC4-D55A-4B981CC0C600}"/>
+              </a:ext>
+            </a:extLst>
+          </p:cNvPr>
+          <p:cNvSpPr txBox="1"/>
+          <p:nvPr/>
+        </p:nvSpPr>
+        <p:spPr>
+          <a:xfrm>
+            <a:off x="3887472" y="617215"/>
+            <a:ext cx="253596" cy="338554"/>
+          </a:xfrm>
+          <a:prstGeom prst="rect">
+            <a:avLst/>
+          </a:prstGeom>
+          <a:noFill/>
+        </p:spPr>
+        <p:txBody>
+          <a:bodyPr wrap="none" rtlCol="0">
+            <a:spAutoFit/>
+          </a:bodyPr>
+          <a:lstStyle/>
+          <a:p>
+            <a:r>
+              <a:rPr lang="fr-FR" sz="1600" dirty="0"/>
+              <a:t>r</a:t>
+            </a:r>
+          </a:p>
+        </p:txBody>
+      </p:sp>
+      <p:cxnSp>
+        <p:nvCxnSpPr>
+          <p:cNvPr id="10" name="Connecteur droit avec flèche 9">
+            <a:extLst>
+              <a:ext uri="{FF2B5EF4-FFF2-40B4-BE49-F238E27FC236}">
+                <a16:creationId xmlns:a16="http://schemas.microsoft.com/office/drawing/2014/main" id="{BD0C1F7E-7FEE-1E57-7F95-901DF5FC8A0D}"/>
+              </a:ext>
+            </a:extLst>
+          </p:cNvPr>
+          <p:cNvCxnSpPr>
+            <a:cxnSpLocks/>
+          </p:cNvCxnSpPr>
+          <p:nvPr/>
+        </p:nvCxnSpPr>
+        <p:spPr>
+          <a:xfrm flipH="1" flipV="1">
+            <a:off x="3675888" y="663381"/>
+            <a:ext cx="969264" cy="717363"/>
+          </a:xfrm>
+          <a:prstGeom prst="straightConnector1">
+            <a:avLst/>
+          </a:prstGeom>
+          <a:ln w="50800">
+            <a:solidFill>
+              <a:schemeClr val="accent4">
+                <a:lumMod val="40000"/>
+                <a:lumOff val="60000"/>
+              </a:schemeClr>
+            </a:solidFill>
+            <a:tailEnd type="triangle"/>
+          </a:ln>
+        </p:spPr>
+        <p:style>
+          <a:lnRef idx="2">
+            <a:schemeClr val="accent1"/>
+          </a:lnRef>
+          <a:fillRef idx="0">
+            <a:schemeClr val="accent1"/>
+          </a:fillRef>
+          <a:effectRef idx="1">
+            <a:schemeClr val="accent1"/>
+          </a:effectRef>
+          <a:fontRef idx="minor">
+            <a:schemeClr val="tx1"/>
+          </a:fontRef>
+        </p:style>
+      </p:cxnSp>
+      <p:sp>
+        <p:nvSpPr>
+          <p:cNvPr id="13" name="ZoneTexte 12">
+            <a:extLst>
+              <a:ext uri="{FF2B5EF4-FFF2-40B4-BE49-F238E27FC236}">
+                <a16:creationId xmlns:a16="http://schemas.microsoft.com/office/drawing/2014/main" id="{9A546CD2-F93F-1401-B614-AF5FDD4703AB}"/>
+              </a:ext>
+            </a:extLst>
+          </p:cNvPr>
+          <p:cNvSpPr txBox="1"/>
+          <p:nvPr/>
+        </p:nvSpPr>
+        <p:spPr>
+          <a:xfrm>
+            <a:off x="4797552" y="1161187"/>
+            <a:ext cx="684290" cy="338554"/>
+          </a:xfrm>
+          <a:prstGeom prst="rect">
+            <a:avLst/>
+          </a:prstGeom>
+          <a:noFill/>
+        </p:spPr>
+        <p:txBody>
+          <a:bodyPr wrap="none" rtlCol="0">
+            <a:spAutoFit/>
+          </a:bodyPr>
+          <a:lstStyle/>
+          <a:p>
+            <a:r>
+              <a:rPr lang="fr-FR" sz="1600" dirty="0"/>
+              <a:t>c (</a:t>
+            </a:r>
+            <a:r>
+              <a:rPr lang="fr-FR" sz="1600" dirty="0" err="1"/>
+              <a:t>x,y</a:t>
+            </a:r>
+            <a:r>
+              <a:rPr lang="fr-FR" sz="1600" dirty="0"/>
+              <a:t>)</a:t>
+            </a:r>
+          </a:p>
+        </p:txBody>
+      </p:sp>
+      <p:cxnSp>
+        <p:nvCxnSpPr>
+          <p:cNvPr id="14" name="Connecteur droit avec flèche 13">
+            <a:extLst>
+              <a:ext uri="{FF2B5EF4-FFF2-40B4-BE49-F238E27FC236}">
+                <a16:creationId xmlns:a16="http://schemas.microsoft.com/office/drawing/2014/main" id="{F41DC303-C049-BF16-DAD0-400C127BD1CE}"/>
+              </a:ext>
+            </a:extLst>
+          </p:cNvPr>
+          <p:cNvCxnSpPr>
+            <a:cxnSpLocks/>
+            <a:stCxn id="15" idx="7"/>
+          </p:cNvCxnSpPr>
+          <p:nvPr/>
+        </p:nvCxnSpPr>
+        <p:spPr>
+          <a:xfrm flipV="1">
+            <a:off x="7517390" y="2926080"/>
+            <a:ext cx="1574796" cy="1416670"/>
+          </a:xfrm>
+          <a:prstGeom prst="straightConnector1">
+            <a:avLst/>
+          </a:prstGeom>
+          <a:ln w="50800">
+            <a:solidFill>
+              <a:srgbClr val="FF0000"/>
+            </a:solidFill>
+            <a:tailEnd type="triangle"/>
+          </a:ln>
+        </p:spPr>
+        <p:style>
+          <a:lnRef idx="2">
+            <a:schemeClr val="accent1"/>
+          </a:lnRef>
+          <a:fillRef idx="0">
+            <a:schemeClr val="accent1"/>
+          </a:fillRef>
+          <a:effectRef idx="1">
+            <a:schemeClr val="accent1"/>
+          </a:effectRef>
+          <a:fontRef idx="minor">
+            <a:schemeClr val="tx1"/>
+          </a:fontRef>
+        </p:style>
+      </p:cxnSp>
+      <p:sp>
+        <p:nvSpPr>
+          <p:cNvPr id="15" name="Ellipse 14">
+            <a:extLst>
+              <a:ext uri="{FF2B5EF4-FFF2-40B4-BE49-F238E27FC236}">
+                <a16:creationId xmlns:a16="http://schemas.microsoft.com/office/drawing/2014/main" id="{EC3540F5-7914-9918-9E07-27767D68DA50}"/>
+              </a:ext>
+            </a:extLst>
+          </p:cNvPr>
+          <p:cNvSpPr/>
+          <p:nvPr/>
+        </p:nvSpPr>
+        <p:spPr>
+          <a:xfrm>
+            <a:off x="7345682" y="4315968"/>
+            <a:ext cx="201168" cy="182880"/>
+          </a:xfrm>
+          <a:prstGeom prst="ellipse">
+            <a:avLst/>
+          </a:prstGeom>
+        </p:spPr>
+        <p:style>
+          <a:lnRef idx="2">
+            <a:schemeClr val="accent1">
+              <a:shade val="15000"/>
+            </a:schemeClr>
+          </a:lnRef>
+          <a:fillRef idx="1">
+            <a:schemeClr val="accent1"/>
+          </a:fillRef>
+          <a:effectRef idx="0">
+            <a:schemeClr val="accent1"/>
+          </a:effectRef>
+          <a:fontRef idx="minor">
+            <a:schemeClr val="lt1"/>
+          </a:fontRef>
+        </p:style>
+        <p:txBody>
+          <a:bodyPr rtlCol="0" anchor="ctr"/>
+          <a:lstStyle/>
+          <a:p>
+            <a:pPr algn="ctr"/>
+            <a:endParaRPr lang="fr-FR"/>
+          </a:p>
+        </p:txBody>
+      </p:sp>
+      <p:sp>
+        <p:nvSpPr>
+          <p:cNvPr id="16" name="Ellipse 15">
+            <a:extLst>
+              <a:ext uri="{FF2B5EF4-FFF2-40B4-BE49-F238E27FC236}">
+                <a16:creationId xmlns:a16="http://schemas.microsoft.com/office/drawing/2014/main" id="{1CFB3661-7C60-B2E8-6C54-4F1FF010BB23}"/>
+              </a:ext>
+            </a:extLst>
+          </p:cNvPr>
+          <p:cNvSpPr/>
+          <p:nvPr/>
+        </p:nvSpPr>
+        <p:spPr>
+          <a:xfrm>
+            <a:off x="7807454" y="155448"/>
+            <a:ext cx="2569464" cy="2450592"/>
+          </a:xfrm>
+          <a:prstGeom prst="ellipse">
+            <a:avLst/>
+          </a:prstGeom>
+        </p:spPr>
+        <p:style>
+          <a:lnRef idx="2">
+            <a:schemeClr val="accent1">
+              <a:shade val="15000"/>
+            </a:schemeClr>
+          </a:lnRef>
+          <a:fillRef idx="1">
+            <a:schemeClr val="accent1"/>
+          </a:fillRef>
+          <a:effectRef idx="0">
+            <a:schemeClr val="accent1"/>
+          </a:effectRef>
+          <a:fontRef idx="minor">
+            <a:schemeClr val="lt1"/>
+          </a:fontRef>
+        </p:style>
+        <p:txBody>
+          <a:bodyPr rtlCol="0" anchor="ctr"/>
+          <a:lstStyle/>
+          <a:p>
+            <a:pPr algn="ctr"/>
+            <a:endParaRPr lang="fr-FR"/>
+          </a:p>
+        </p:txBody>
+      </p:sp>
+      <p:sp>
+        <p:nvSpPr>
+          <p:cNvPr id="17" name="Ellipse 16">
+            <a:extLst>
+              <a:ext uri="{FF2B5EF4-FFF2-40B4-BE49-F238E27FC236}">
+                <a16:creationId xmlns:a16="http://schemas.microsoft.com/office/drawing/2014/main" id="{6E94A7E6-4421-51F8-6D1A-4C33DE5143CC}"/>
+              </a:ext>
+            </a:extLst>
+          </p:cNvPr>
+          <p:cNvSpPr/>
+          <p:nvPr/>
+        </p:nvSpPr>
+        <p:spPr>
+          <a:xfrm>
+            <a:off x="8955026" y="1248156"/>
+            <a:ext cx="274320" cy="265176"/>
+          </a:xfrm>
+          <a:prstGeom prst="ellipse">
+            <a:avLst/>
+          </a:prstGeom>
+          <a:solidFill>
+            <a:schemeClr val="tx1"/>
+          </a:solidFill>
+        </p:spPr>
+        <p:style>
+          <a:lnRef idx="2">
+            <a:schemeClr val="accent1">
+              <a:shade val="15000"/>
+            </a:schemeClr>
+          </a:lnRef>
+          <a:fillRef idx="1">
+            <a:schemeClr val="accent1"/>
+          </a:fillRef>
+          <a:effectRef idx="0">
+            <a:schemeClr val="accent1"/>
+          </a:effectRef>
+          <a:fontRef idx="minor">
+            <a:schemeClr val="lt1"/>
+          </a:fontRef>
+        </p:style>
+        <p:txBody>
+          <a:bodyPr rtlCol="0" anchor="ctr"/>
+          <a:lstStyle/>
+          <a:p>
+            <a:pPr algn="ctr"/>
+            <a:endParaRPr lang="fr-FR"/>
+          </a:p>
+        </p:txBody>
+      </p:sp>
+      <p:sp>
+        <p:nvSpPr>
+          <p:cNvPr id="18" name="ZoneTexte 17">
+            <a:extLst>
+              <a:ext uri="{FF2B5EF4-FFF2-40B4-BE49-F238E27FC236}">
+                <a16:creationId xmlns:a16="http://schemas.microsoft.com/office/drawing/2014/main" id="{9FA022DB-3215-D10F-DBB8-1AC890A2EC9E}"/>
+              </a:ext>
+            </a:extLst>
+          </p:cNvPr>
+          <p:cNvSpPr txBox="1"/>
+          <p:nvPr/>
+        </p:nvSpPr>
+        <p:spPr>
+          <a:xfrm>
+            <a:off x="8334506" y="617215"/>
+            <a:ext cx="253596" cy="338554"/>
+          </a:xfrm>
+          <a:prstGeom prst="rect">
+            <a:avLst/>
+          </a:prstGeom>
+          <a:noFill/>
+        </p:spPr>
+        <p:txBody>
+          <a:bodyPr wrap="none" rtlCol="0">
+            <a:spAutoFit/>
+          </a:bodyPr>
+          <a:lstStyle/>
+          <a:p>
+            <a:r>
+              <a:rPr lang="fr-FR" sz="1600" dirty="0"/>
+              <a:t>r</a:t>
+            </a:r>
+          </a:p>
+        </p:txBody>
+      </p:sp>
+      <p:cxnSp>
+        <p:nvCxnSpPr>
+          <p:cNvPr id="19" name="Connecteur droit avec flèche 18">
+            <a:extLst>
+              <a:ext uri="{FF2B5EF4-FFF2-40B4-BE49-F238E27FC236}">
+                <a16:creationId xmlns:a16="http://schemas.microsoft.com/office/drawing/2014/main" id="{E7D7CA06-5BC8-9FB6-9DBA-37F5CEE1E4AF}"/>
+              </a:ext>
+            </a:extLst>
+          </p:cNvPr>
+          <p:cNvCxnSpPr>
+            <a:cxnSpLocks/>
+          </p:cNvCxnSpPr>
+          <p:nvPr/>
+        </p:nvCxnSpPr>
+        <p:spPr>
+          <a:xfrm flipH="1" flipV="1">
+            <a:off x="8122922" y="663381"/>
+            <a:ext cx="969264" cy="717363"/>
+          </a:xfrm>
+          <a:prstGeom prst="straightConnector1">
+            <a:avLst/>
+          </a:prstGeom>
+          <a:ln w="50800">
+            <a:solidFill>
+              <a:schemeClr val="accent4">
+                <a:lumMod val="40000"/>
+                <a:lumOff val="60000"/>
+              </a:schemeClr>
+            </a:solidFill>
+            <a:tailEnd type="triangle"/>
+          </a:ln>
+        </p:spPr>
+        <p:style>
+          <a:lnRef idx="2">
+            <a:schemeClr val="accent1"/>
+          </a:lnRef>
+          <a:fillRef idx="0">
+            <a:schemeClr val="accent1"/>
+          </a:fillRef>
+          <a:effectRef idx="1">
+            <a:schemeClr val="accent1"/>
+          </a:effectRef>
+          <a:fontRef idx="minor">
+            <a:schemeClr val="tx1"/>
+          </a:fontRef>
+        </p:style>
+      </p:cxnSp>
+      <p:sp>
+        <p:nvSpPr>
+          <p:cNvPr id="20" name="ZoneTexte 19">
+            <a:extLst>
+              <a:ext uri="{FF2B5EF4-FFF2-40B4-BE49-F238E27FC236}">
+                <a16:creationId xmlns:a16="http://schemas.microsoft.com/office/drawing/2014/main" id="{65F6BF6C-E72C-3D94-DE73-E9ADDC93C25F}"/>
+              </a:ext>
+            </a:extLst>
+          </p:cNvPr>
+          <p:cNvSpPr txBox="1"/>
+          <p:nvPr/>
+        </p:nvSpPr>
+        <p:spPr>
+          <a:xfrm>
+            <a:off x="9244586" y="1161187"/>
+            <a:ext cx="684290" cy="338554"/>
+          </a:xfrm>
+          <a:prstGeom prst="rect">
+            <a:avLst/>
+          </a:prstGeom>
+          <a:noFill/>
+        </p:spPr>
+        <p:txBody>
+          <a:bodyPr wrap="none" rtlCol="0">
+            <a:spAutoFit/>
+          </a:bodyPr>
+          <a:lstStyle/>
+          <a:p>
+            <a:r>
+              <a:rPr lang="fr-FR" sz="1600" dirty="0"/>
+              <a:t>c (</a:t>
+            </a:r>
+            <a:r>
+              <a:rPr lang="fr-FR" sz="1600" dirty="0" err="1"/>
+              <a:t>x,y</a:t>
+            </a:r>
+            <a:r>
+              <a:rPr lang="fr-FR" sz="1600" dirty="0"/>
+              <a:t>)</a:t>
+            </a:r>
+          </a:p>
+        </p:txBody>
+      </p:sp>
+      <p:cxnSp>
+        <p:nvCxnSpPr>
+          <p:cNvPr id="21" name="Connecteur droit avec flèche 20">
+            <a:extLst>
+              <a:ext uri="{FF2B5EF4-FFF2-40B4-BE49-F238E27FC236}">
+                <a16:creationId xmlns:a16="http://schemas.microsoft.com/office/drawing/2014/main" id="{27340F13-F5AE-D2E9-CAD3-E7F77B1A2AB1}"/>
+              </a:ext>
+            </a:extLst>
+          </p:cNvPr>
+          <p:cNvCxnSpPr>
+            <a:cxnSpLocks/>
+          </p:cNvCxnSpPr>
+          <p:nvPr/>
+        </p:nvCxnSpPr>
+        <p:spPr>
+          <a:xfrm flipV="1">
+            <a:off x="7517390" y="379801"/>
+            <a:ext cx="4369810" cy="3962949"/>
+          </a:xfrm>
+          <a:prstGeom prst="straightConnector1">
+            <a:avLst/>
+          </a:prstGeom>
+          <a:ln w="50800">
+            <a:solidFill>
+              <a:srgbClr val="FF0000"/>
+            </a:solidFill>
+            <a:prstDash val="sysDot"/>
+            <a:tailEnd type="triangle"/>
+          </a:ln>
+        </p:spPr>
+        <p:style>
+          <a:lnRef idx="2">
+            <a:schemeClr val="accent1"/>
+          </a:lnRef>
+          <a:fillRef idx="0">
+            <a:schemeClr val="accent1"/>
+          </a:fillRef>
+          <a:effectRef idx="1">
+            <a:schemeClr val="accent1"/>
+          </a:effectRef>
+          <a:fontRef idx="minor">
+            <a:schemeClr val="tx1"/>
+          </a:fontRef>
+        </p:style>
+      </p:cxnSp>
+      <p:cxnSp>
+        <p:nvCxnSpPr>
+          <p:cNvPr id="25" name="Connecteur droit avec flèche 24">
+            <a:extLst>
+              <a:ext uri="{FF2B5EF4-FFF2-40B4-BE49-F238E27FC236}">
+                <a16:creationId xmlns:a16="http://schemas.microsoft.com/office/drawing/2014/main" id="{61302DB6-FCC2-1F22-0846-3AC44426B7AA}"/>
+              </a:ext>
+            </a:extLst>
+          </p:cNvPr>
+          <p:cNvCxnSpPr>
+            <a:cxnSpLocks/>
+            <a:stCxn id="15" idx="7"/>
+          </p:cNvCxnSpPr>
+          <p:nvPr/>
+        </p:nvCxnSpPr>
+        <p:spPr>
+          <a:xfrm flipV="1">
+            <a:off x="7517390" y="1380744"/>
+            <a:ext cx="1574796" cy="2962006"/>
+          </a:xfrm>
+          <a:prstGeom prst="straightConnector1">
+            <a:avLst/>
+          </a:prstGeom>
+          <a:ln w="50800">
+            <a:solidFill>
+              <a:schemeClr val="accent5">
+                <a:lumMod val="60000"/>
+                <a:lumOff val="40000"/>
+              </a:schemeClr>
+            </a:solidFill>
+            <a:tailEnd type="triangle"/>
+          </a:ln>
+        </p:spPr>
+        <p:style>
+          <a:lnRef idx="2">
+            <a:schemeClr val="accent1"/>
+          </a:lnRef>
+          <a:fillRef idx="0">
+            <a:schemeClr val="accent1"/>
+          </a:fillRef>
+          <a:effectRef idx="1">
+            <a:schemeClr val="accent1"/>
+          </a:effectRef>
+          <a:fontRef idx="minor">
+            <a:schemeClr val="tx1"/>
+          </a:fontRef>
+        </p:style>
+      </p:cxnSp>
+      <p:sp>
+        <p:nvSpPr>
+          <p:cNvPr id="29" name="ZoneTexte 28">
+            <a:extLst>
+              <a:ext uri="{FF2B5EF4-FFF2-40B4-BE49-F238E27FC236}">
+                <a16:creationId xmlns:a16="http://schemas.microsoft.com/office/drawing/2014/main" id="{8B3B90B5-DD0D-4E85-75E0-604BC42C234E}"/>
+              </a:ext>
+            </a:extLst>
+          </p:cNvPr>
+          <p:cNvSpPr txBox="1"/>
+          <p:nvPr/>
+        </p:nvSpPr>
+        <p:spPr>
+          <a:xfrm>
+            <a:off x="2657087" y="4421136"/>
+            <a:ext cx="298480" cy="338554"/>
+          </a:xfrm>
+          <a:prstGeom prst="rect">
+            <a:avLst/>
+          </a:prstGeom>
+          <a:noFill/>
+        </p:spPr>
+        <p:txBody>
+          <a:bodyPr wrap="none" rtlCol="0">
+            <a:spAutoFit/>
+          </a:bodyPr>
+          <a:lstStyle/>
+          <a:p>
+            <a:r>
+              <a:rPr lang="fr-FR" sz="1600" dirty="0"/>
+              <a:t>o</a:t>
+            </a:r>
+          </a:p>
+        </p:txBody>
+      </p:sp>
+      <p:sp>
+        <p:nvSpPr>
+          <p:cNvPr id="30" name="ZoneTexte 29">
+            <a:extLst>
+              <a:ext uri="{FF2B5EF4-FFF2-40B4-BE49-F238E27FC236}">
+                <a16:creationId xmlns:a16="http://schemas.microsoft.com/office/drawing/2014/main" id="{40561253-1EA3-6BC9-6A94-FC0BDF5BD409}"/>
+              </a:ext>
+            </a:extLst>
+          </p:cNvPr>
+          <p:cNvSpPr txBox="1"/>
+          <p:nvPr/>
+        </p:nvSpPr>
+        <p:spPr>
+          <a:xfrm>
+            <a:off x="3715790" y="3787152"/>
+            <a:ext cx="1468672" cy="338554"/>
+          </a:xfrm>
+          <a:prstGeom prst="rect">
+            <a:avLst/>
+          </a:prstGeom>
+          <a:noFill/>
+        </p:spPr>
+        <p:txBody>
+          <a:bodyPr wrap="none" rtlCol="0">
+            <a:spAutoFit/>
+          </a:bodyPr>
+          <a:lstStyle/>
+          <a:p>
+            <a:r>
+              <a:rPr lang="fr-FR" sz="1600" dirty="0"/>
+              <a:t>d (</a:t>
+            </a:r>
+            <a:r>
+              <a:rPr lang="fr-FR" sz="1600" dirty="0" err="1"/>
+              <a:t>normalised</a:t>
+            </a:r>
+            <a:r>
+              <a:rPr lang="fr-FR" sz="1600" dirty="0"/>
+              <a:t>)</a:t>
+            </a:r>
+          </a:p>
+        </p:txBody>
+      </p:sp>
+      <p:sp>
+        <p:nvSpPr>
+          <p:cNvPr id="31" name="ZoneTexte 30">
+            <a:extLst>
+              <a:ext uri="{FF2B5EF4-FFF2-40B4-BE49-F238E27FC236}">
+                <a16:creationId xmlns:a16="http://schemas.microsoft.com/office/drawing/2014/main" id="{847CD47B-A8AF-EAAA-79D0-06E270B45958}"/>
+              </a:ext>
+            </a:extLst>
+          </p:cNvPr>
+          <p:cNvSpPr txBox="1"/>
+          <p:nvPr/>
+        </p:nvSpPr>
+        <p:spPr>
+          <a:xfrm>
+            <a:off x="9920691" y="2258229"/>
+            <a:ext cx="303288" cy="338554"/>
+          </a:xfrm>
+          <a:prstGeom prst="rect">
+            <a:avLst/>
+          </a:prstGeom>
+          <a:noFill/>
+        </p:spPr>
+        <p:txBody>
+          <a:bodyPr wrap="none" rtlCol="0">
+            <a:spAutoFit/>
+          </a:bodyPr>
+          <a:lstStyle/>
+          <a:p>
+            <a:r>
+              <a:rPr lang="fr-FR" sz="1600" dirty="0"/>
+              <a:t>P</a:t>
+            </a:r>
+          </a:p>
+        </p:txBody>
+      </p:sp>
+      <p:cxnSp>
+        <p:nvCxnSpPr>
+          <p:cNvPr id="32" name="Connecteur droit avec flèche 31">
+            <a:extLst>
+              <a:ext uri="{FF2B5EF4-FFF2-40B4-BE49-F238E27FC236}">
+                <a16:creationId xmlns:a16="http://schemas.microsoft.com/office/drawing/2014/main" id="{8C8C21D7-20B1-7460-DADB-7432AC3E9F31}"/>
+              </a:ext>
+            </a:extLst>
+          </p:cNvPr>
+          <p:cNvCxnSpPr>
+            <a:cxnSpLocks/>
+            <a:stCxn id="17" idx="5"/>
+          </p:cNvCxnSpPr>
+          <p:nvPr/>
+        </p:nvCxnSpPr>
+        <p:spPr>
+          <a:xfrm>
+            <a:off x="9189173" y="1474498"/>
+            <a:ext cx="648616" cy="722953"/>
+          </a:xfrm>
+          <a:prstGeom prst="straightConnector1">
+            <a:avLst/>
+          </a:prstGeom>
+          <a:ln w="50800">
+            <a:solidFill>
+              <a:schemeClr val="accent5">
+                <a:lumMod val="60000"/>
+                <a:lumOff val="40000"/>
+              </a:schemeClr>
+            </a:solidFill>
+            <a:prstDash val="sysDot"/>
+            <a:tailEnd type="triangle"/>
+          </a:ln>
+        </p:spPr>
+        <p:style>
+          <a:lnRef idx="2">
+            <a:schemeClr val="accent1"/>
+          </a:lnRef>
+          <a:fillRef idx="0">
+            <a:schemeClr val="accent1"/>
+          </a:fillRef>
+          <a:effectRef idx="1">
+            <a:schemeClr val="accent1"/>
+          </a:effectRef>
+          <a:fontRef idx="minor">
+            <a:schemeClr val="tx1"/>
+          </a:fontRef>
+        </p:style>
+      </p:cxnSp>
+      <p:sp>
+        <p:nvSpPr>
+          <p:cNvPr id="35" name="Rectangle 34">
+            <a:extLst>
+              <a:ext uri="{FF2B5EF4-FFF2-40B4-BE49-F238E27FC236}">
+                <a16:creationId xmlns:a16="http://schemas.microsoft.com/office/drawing/2014/main" id="{34148628-F7B0-4ADF-BDE6-166482BCA5EF}"/>
+              </a:ext>
+            </a:extLst>
+          </p:cNvPr>
+          <p:cNvSpPr/>
+          <p:nvPr/>
+        </p:nvSpPr>
+        <p:spPr>
+          <a:xfrm rot="19092671">
+            <a:off x="9514658" y="2063982"/>
+            <a:ext cx="248410" cy="266938"/>
+          </a:xfrm>
+          <a:prstGeom prst="rect">
+            <a:avLst/>
+          </a:prstGeom>
+        </p:spPr>
+        <p:style>
+          <a:lnRef idx="2">
+            <a:schemeClr val="accent1">
+              <a:shade val="15000"/>
+            </a:schemeClr>
+          </a:lnRef>
+          <a:fillRef idx="1">
+            <a:schemeClr val="accent1"/>
+          </a:fillRef>
+          <a:effectRef idx="0">
+            <a:schemeClr val="accent1"/>
+          </a:effectRef>
+          <a:fontRef idx="minor">
+            <a:schemeClr val="lt1"/>
+          </a:fontRef>
+        </p:style>
+        <p:txBody>
+          <a:bodyPr rtlCol="0" anchor="ctr"/>
+          <a:lstStyle/>
+          <a:p>
+            <a:pPr algn="ctr"/>
+            <a:endParaRPr lang="fr-FR"/>
+          </a:p>
+        </p:txBody>
+      </p:sp>
+      <p:sp>
+        <p:nvSpPr>
+          <p:cNvPr id="37" name="ZoneTexte 36">
+            <a:extLst>
+              <a:ext uri="{FF2B5EF4-FFF2-40B4-BE49-F238E27FC236}">
+                <a16:creationId xmlns:a16="http://schemas.microsoft.com/office/drawing/2014/main" id="{0DC14D3E-4723-E5AC-80A8-91C7A4E1C990}"/>
+              </a:ext>
+            </a:extLst>
+          </p:cNvPr>
+          <p:cNvSpPr txBox="1"/>
+          <p:nvPr/>
+        </p:nvSpPr>
+        <p:spPr>
+          <a:xfrm>
+            <a:off x="7191478" y="4498848"/>
+            <a:ext cx="298480" cy="338554"/>
+          </a:xfrm>
+          <a:prstGeom prst="rect">
+            <a:avLst/>
+          </a:prstGeom>
+          <a:noFill/>
+        </p:spPr>
+        <p:txBody>
+          <a:bodyPr wrap="none" rtlCol="0">
+            <a:spAutoFit/>
+          </a:bodyPr>
+          <a:lstStyle/>
+          <a:p>
+            <a:r>
+              <a:rPr lang="fr-FR" sz="1600" dirty="0"/>
+              <a:t>o</a:t>
+            </a:r>
+          </a:p>
+        </p:txBody>
+      </p:sp>
+      <p:sp>
+        <p:nvSpPr>
+          <p:cNvPr id="39" name="ZoneTexte 38">
+            <a:extLst>
+              <a:ext uri="{FF2B5EF4-FFF2-40B4-BE49-F238E27FC236}">
+                <a16:creationId xmlns:a16="http://schemas.microsoft.com/office/drawing/2014/main" id="{39B6010C-4336-C025-7E1C-64A1D02F70FC}"/>
+              </a:ext>
+            </a:extLst>
+          </p:cNvPr>
+          <p:cNvSpPr txBox="1"/>
+          <p:nvPr/>
+        </p:nvSpPr>
+        <p:spPr>
+          <a:xfrm>
+            <a:off x="7883914" y="2523193"/>
+            <a:ext cx="478016" cy="338554"/>
+          </a:xfrm>
+          <a:prstGeom prst="rect">
+            <a:avLst/>
+          </a:prstGeom>
+          <a:noFill/>
+        </p:spPr>
+        <p:txBody>
+          <a:bodyPr wrap="none" rtlCol="0">
+            <a:spAutoFit/>
+          </a:bodyPr>
+          <a:lstStyle/>
+          <a:p>
+            <a:r>
+              <a:rPr lang="fr-FR" sz="1600" dirty="0"/>
+              <a:t>OC</a:t>
+            </a:r>
+          </a:p>
+        </p:txBody>
+      </p:sp>
+      <p:sp>
+        <p:nvSpPr>
+          <p:cNvPr id="40" name="ZoneTexte 39">
+            <a:extLst>
+              <a:ext uri="{FF2B5EF4-FFF2-40B4-BE49-F238E27FC236}">
+                <a16:creationId xmlns:a16="http://schemas.microsoft.com/office/drawing/2014/main" id="{65A6A6C9-4B77-D685-F648-8DEAFBE7C2B7}"/>
+              </a:ext>
+            </a:extLst>
+          </p:cNvPr>
+          <p:cNvSpPr txBox="1"/>
+          <p:nvPr/>
+        </p:nvSpPr>
+        <p:spPr>
+          <a:xfrm>
+            <a:off x="8510250" y="3755794"/>
+            <a:ext cx="1468672" cy="338554"/>
+          </a:xfrm>
+          <a:prstGeom prst="rect">
+            <a:avLst/>
+          </a:prstGeom>
+          <a:noFill/>
+        </p:spPr>
+        <p:txBody>
+          <a:bodyPr wrap="none" rtlCol="0">
+            <a:spAutoFit/>
+          </a:bodyPr>
+          <a:lstStyle/>
+          <a:p>
+            <a:r>
+              <a:rPr lang="fr-FR" sz="1600" dirty="0"/>
+              <a:t>d (</a:t>
+            </a:r>
+            <a:r>
+              <a:rPr lang="fr-FR" sz="1600" dirty="0" err="1"/>
+              <a:t>normalised</a:t>
+            </a:r>
+            <a:r>
+              <a:rPr lang="fr-FR" sz="1600" dirty="0"/>
+              <a:t>)</a:t>
+            </a:r>
+          </a:p>
+        </p:txBody>
+      </p:sp>
+      <p:sp>
+        <p:nvSpPr>
+          <p:cNvPr id="41" name="ZoneTexte 40">
+            <a:extLst>
+              <a:ext uri="{FF2B5EF4-FFF2-40B4-BE49-F238E27FC236}">
+                <a16:creationId xmlns:a16="http://schemas.microsoft.com/office/drawing/2014/main" id="{3F62EB39-CBF1-7A63-CEB9-FA35F4F80CE9}"/>
+              </a:ext>
+            </a:extLst>
+          </p:cNvPr>
+          <p:cNvSpPr txBox="1"/>
+          <p:nvPr/>
+        </p:nvSpPr>
+        <p:spPr>
+          <a:xfrm>
+            <a:off x="9404336" y="2649495"/>
+            <a:ext cx="412292" cy="338554"/>
+          </a:xfrm>
+          <a:prstGeom prst="rect">
+            <a:avLst/>
+          </a:prstGeom>
+          <a:noFill/>
+        </p:spPr>
+        <p:txBody>
+          <a:bodyPr wrap="none" rtlCol="0">
+            <a:spAutoFit/>
+          </a:bodyPr>
+          <a:lstStyle/>
+          <a:p>
+            <a:r>
+              <a:rPr lang="fr-FR" sz="1600" dirty="0"/>
+              <a:t>P1</a:t>
+            </a:r>
+          </a:p>
+        </p:txBody>
+      </p:sp>
+      <p:cxnSp>
+        <p:nvCxnSpPr>
+          <p:cNvPr id="43" name="Connecteur droit avec flèche 42">
+            <a:extLst>
+              <a:ext uri="{FF2B5EF4-FFF2-40B4-BE49-F238E27FC236}">
+                <a16:creationId xmlns:a16="http://schemas.microsoft.com/office/drawing/2014/main" id="{33F4B0A9-4258-C11C-1CFB-B8AD540353A0}"/>
+              </a:ext>
+            </a:extLst>
+          </p:cNvPr>
+          <p:cNvCxnSpPr>
+            <a:cxnSpLocks/>
+          </p:cNvCxnSpPr>
+          <p:nvPr/>
+        </p:nvCxnSpPr>
+        <p:spPr>
+          <a:xfrm>
+            <a:off x="9189173" y="1499741"/>
+            <a:ext cx="262178" cy="1023452"/>
+          </a:xfrm>
+          <a:prstGeom prst="straightConnector1">
+            <a:avLst/>
+          </a:prstGeom>
+          <a:ln w="50800">
+            <a:solidFill>
+              <a:schemeClr val="accent5">
+                <a:lumMod val="60000"/>
+                <a:lumOff val="40000"/>
+              </a:schemeClr>
+            </a:solidFill>
+            <a:prstDash val="sysDot"/>
+            <a:tailEnd type="triangle"/>
+          </a:ln>
+        </p:spPr>
+        <p:style>
+          <a:lnRef idx="2">
+            <a:schemeClr val="accent1"/>
+          </a:lnRef>
+          <a:fillRef idx="0">
+            <a:schemeClr val="accent1"/>
+          </a:fillRef>
+          <a:effectRef idx="1">
+            <a:schemeClr val="accent1"/>
+          </a:effectRef>
+          <a:fontRef idx="minor">
+            <a:schemeClr val="tx1"/>
+          </a:fontRef>
+        </p:style>
+      </p:cxnSp>
+      <p:sp>
+        <p:nvSpPr>
+          <p:cNvPr id="49" name="ZoneTexte 48">
+            <a:extLst>
+              <a:ext uri="{FF2B5EF4-FFF2-40B4-BE49-F238E27FC236}">
+                <a16:creationId xmlns:a16="http://schemas.microsoft.com/office/drawing/2014/main" id="{48FAEC52-753C-A771-D87D-B2CC3F3806F8}"/>
+              </a:ext>
+            </a:extLst>
+          </p:cNvPr>
+          <p:cNvSpPr txBox="1"/>
+          <p:nvPr/>
+        </p:nvSpPr>
+        <p:spPr>
+          <a:xfrm>
+            <a:off x="9471041" y="1594132"/>
+            <a:ext cx="445956" cy="338554"/>
+          </a:xfrm>
+          <a:prstGeom prst="rect">
+            <a:avLst/>
+          </a:prstGeom>
+          <a:noFill/>
+        </p:spPr>
+        <p:txBody>
+          <a:bodyPr wrap="none" rtlCol="0">
+            <a:spAutoFit/>
+          </a:bodyPr>
+          <a:lstStyle/>
+          <a:p>
+            <a:r>
+              <a:rPr lang="fr-FR" sz="1600" dirty="0"/>
+              <a:t>CP</a:t>
+            </a:r>
+          </a:p>
+        </p:txBody>
+      </p:sp>
+      <p:sp>
+        <p:nvSpPr>
+          <p:cNvPr id="50" name="ZoneTexte 49">
+            <a:extLst>
+              <a:ext uri="{FF2B5EF4-FFF2-40B4-BE49-F238E27FC236}">
+                <a16:creationId xmlns:a16="http://schemas.microsoft.com/office/drawing/2014/main" id="{DBF25DC8-30CE-B141-16A2-705B37B231FE}"/>
+              </a:ext>
+            </a:extLst>
+          </p:cNvPr>
+          <p:cNvSpPr txBox="1"/>
+          <p:nvPr/>
+        </p:nvSpPr>
+        <p:spPr>
+          <a:xfrm>
+            <a:off x="8990990" y="1902366"/>
+            <a:ext cx="253596" cy="338554"/>
+          </a:xfrm>
+          <a:prstGeom prst="rect">
+            <a:avLst/>
+          </a:prstGeom>
+          <a:noFill/>
+        </p:spPr>
+        <p:txBody>
+          <a:bodyPr wrap="none" rtlCol="0">
+            <a:spAutoFit/>
+          </a:bodyPr>
+          <a:lstStyle/>
+          <a:p>
+            <a:r>
+              <a:rPr lang="fr-FR" sz="1600" dirty="0"/>
+              <a:t>r</a:t>
+            </a:r>
+          </a:p>
+        </p:txBody>
+      </p:sp>
+    </p:spTree>
+    <p:extLst>
+      <p:ext uri="{BB962C8B-B14F-4D97-AF65-F5344CB8AC3E}">
+        <p14:creationId xmlns:p14="http://schemas.microsoft.com/office/powerpoint/2010/main" val="4111318906"/>
       </p:ext>
     </p:extLst>
   </p:cSld>
@@ -4301,7 +5495,7 @@
           <p:cNvPr id="2" name="Connecteur droit avec flèche 1">
             <a:extLst>
               <a:ext uri="{FF2B5EF4-FFF2-40B4-BE49-F238E27FC236}">
-                <a16:creationId xmlns:a16="http://schemas.microsoft.com/office/drawing/2014/main" id="{FF59F7CA-A157-4598-F7BD-6B94C519D615}"/>
+                <a16:creationId xmlns:a16="http://schemas.microsoft.com/office/drawing/2014/main" id="{B16F8798-639B-8F0F-17CE-2654E3713EEC}"/>
               </a:ext>
             </a:extLst>
           </p:cNvPr>
@@ -4313,8 +5507,8 @@
         </p:nvCxnSpPr>
         <p:spPr>
           <a:xfrm flipV="1">
-            <a:off x="3070356" y="2926080"/>
-            <a:ext cx="1574796" cy="1416670"/>
+            <a:off x="2094998" y="3117991"/>
+            <a:ext cx="1933961" cy="1745967"/>
           </a:xfrm>
           <a:prstGeom prst="straightConnector1">
             <a:avLst/>
@@ -4346,7 +5540,7 @@
           <p:cNvPr id="3" name="Ellipse 2">
             <a:extLst>
               <a:ext uri="{FF2B5EF4-FFF2-40B4-BE49-F238E27FC236}">
-                <a16:creationId xmlns:a16="http://schemas.microsoft.com/office/drawing/2014/main" id="{C1533C6A-07F6-B479-74DD-05AA5F55F388}"/>
+                <a16:creationId xmlns:a16="http://schemas.microsoft.com/office/drawing/2014/main" id="{4258815D-87C7-7979-DFDA-2169007C6D2C}"/>
               </a:ext>
             </a:extLst>
           </p:cNvPr>
@@ -4355,7 +5549,7 @@
         </p:nvSpPr>
         <p:spPr>
           <a:xfrm>
-            <a:off x="2898648" y="4315968"/>
+            <a:off x="1923290" y="4837176"/>
             <a:ext cx="201168" cy="182880"/>
           </a:xfrm>
           <a:prstGeom prst="ellipse">
@@ -4389,10 +5583,10 @@
       </p:sp>
       <p:sp>
         <p:nvSpPr>
-          <p:cNvPr id="6" name="Ellipse 5">
-            <a:extLst>
-              <a:ext uri="{FF2B5EF4-FFF2-40B4-BE49-F238E27FC236}">
-                <a16:creationId xmlns:a16="http://schemas.microsoft.com/office/drawing/2014/main" id="{611CDF9C-9BBD-2EC6-960A-E06E7F4DEC21}"/>
+          <p:cNvPr id="4" name="Ellipse 3">
+            <a:extLst>
+              <a:ext uri="{FF2B5EF4-FFF2-40B4-BE49-F238E27FC236}">
+                <a16:creationId xmlns:a16="http://schemas.microsoft.com/office/drawing/2014/main" id="{FD06B6F7-F366-6C7A-59F1-95909947AB66}"/>
               </a:ext>
             </a:extLst>
           </p:cNvPr>
@@ -4401,7 +5595,7 @@
         </p:nvSpPr>
         <p:spPr>
           <a:xfrm>
-            <a:off x="3360420" y="155448"/>
+            <a:off x="2385062" y="676656"/>
             <a:ext cx="2569464" cy="2450592"/>
           </a:xfrm>
           <a:prstGeom prst="ellipse">
@@ -4435,10 +5629,10 @@
       </p:sp>
       <p:sp>
         <p:nvSpPr>
-          <p:cNvPr id="8" name="Ellipse 7">
-            <a:extLst>
-              <a:ext uri="{FF2B5EF4-FFF2-40B4-BE49-F238E27FC236}">
-                <a16:creationId xmlns:a16="http://schemas.microsoft.com/office/drawing/2014/main" id="{38E82CE2-DF60-E99A-38F1-3A1D21BA40EF}"/>
+          <p:cNvPr id="5" name="Ellipse 4">
+            <a:extLst>
+              <a:ext uri="{FF2B5EF4-FFF2-40B4-BE49-F238E27FC236}">
+                <a16:creationId xmlns:a16="http://schemas.microsoft.com/office/drawing/2014/main" id="{9AA43534-FD5F-1A01-D19D-EFDCB3B79301}"/>
               </a:ext>
             </a:extLst>
           </p:cNvPr>
@@ -4447,7 +5641,7 @@
         </p:nvSpPr>
         <p:spPr>
           <a:xfrm>
-            <a:off x="4507992" y="1248156"/>
+            <a:off x="3532634" y="1769364"/>
             <a:ext cx="274320" cy="265176"/>
           </a:xfrm>
           <a:prstGeom prst="ellipse">
@@ -4484,10 +5678,10 @@
       </p:sp>
       <p:sp>
         <p:nvSpPr>
-          <p:cNvPr id="9" name="ZoneTexte 8">
-            <a:extLst>
-              <a:ext uri="{FF2B5EF4-FFF2-40B4-BE49-F238E27FC236}">
-                <a16:creationId xmlns:a16="http://schemas.microsoft.com/office/drawing/2014/main" id="{50D775E1-3489-3CC4-D55A-4B981CC0C600}"/>
+          <p:cNvPr id="6" name="ZoneTexte 5">
+            <a:extLst>
+              <a:ext uri="{FF2B5EF4-FFF2-40B4-BE49-F238E27FC236}">
+                <a16:creationId xmlns:a16="http://schemas.microsoft.com/office/drawing/2014/main" id="{E11557F2-1E5B-E125-2283-983AD6230EF0}"/>
               </a:ext>
             </a:extLst>
           </p:cNvPr>
@@ -4496,7 +5690,7 @@
         </p:nvSpPr>
         <p:spPr>
           <a:xfrm>
-            <a:off x="3887472" y="617215"/>
+            <a:off x="2912114" y="1138423"/>
             <a:ext cx="253596" cy="338554"/>
           </a:xfrm>
           <a:prstGeom prst="rect">
@@ -4519,10 +5713,10 @@
       </p:sp>
       <p:cxnSp>
         <p:nvCxnSpPr>
-          <p:cNvPr id="10" name="Connecteur droit avec flèche 9">
-            <a:extLst>
-              <a:ext uri="{FF2B5EF4-FFF2-40B4-BE49-F238E27FC236}">
-                <a16:creationId xmlns:a16="http://schemas.microsoft.com/office/drawing/2014/main" id="{BD0C1F7E-7FEE-1E57-7F95-901DF5FC8A0D}"/>
+          <p:cNvPr id="7" name="Connecteur droit avec flèche 6">
+            <a:extLst>
+              <a:ext uri="{FF2B5EF4-FFF2-40B4-BE49-F238E27FC236}">
+                <a16:creationId xmlns:a16="http://schemas.microsoft.com/office/drawing/2014/main" id="{7F1CED5C-5E33-5D16-C7DF-9C1994E829D1}"/>
               </a:ext>
             </a:extLst>
           </p:cNvPr>
@@ -4533,7 +5727,7 @@
         </p:nvCxnSpPr>
         <p:spPr>
           <a:xfrm flipH="1" flipV="1">
-            <a:off x="3675888" y="663381"/>
+            <a:off x="2700530" y="1184589"/>
             <a:ext cx="969264" cy="717363"/>
           </a:xfrm>
           <a:prstGeom prst="straightConnector1">
@@ -4566,10 +5760,10 @@
       </p:cxnSp>
       <p:sp>
         <p:nvSpPr>
-          <p:cNvPr id="13" name="ZoneTexte 12">
-            <a:extLst>
-              <a:ext uri="{FF2B5EF4-FFF2-40B4-BE49-F238E27FC236}">
-                <a16:creationId xmlns:a16="http://schemas.microsoft.com/office/drawing/2014/main" id="{9A546CD2-F93F-1401-B614-AF5FDD4703AB}"/>
+          <p:cNvPr id="8" name="ZoneTexte 7">
+            <a:extLst>
+              <a:ext uri="{FF2B5EF4-FFF2-40B4-BE49-F238E27FC236}">
+                <a16:creationId xmlns:a16="http://schemas.microsoft.com/office/drawing/2014/main" id="{B8DBB297-A43D-ADDA-4277-5E98BBFDBD0C}"/>
               </a:ext>
             </a:extLst>
           </p:cNvPr>
@@ -4578,7 +5772,7 @@
         </p:nvSpPr>
         <p:spPr>
           <a:xfrm>
-            <a:off x="4797552" y="1161187"/>
+            <a:off x="3822194" y="1682395"/>
             <a:ext cx="684290" cy="338554"/>
           </a:xfrm>
           <a:prstGeom prst="rect">
@@ -4607,198 +5801,12 @@
           </a:p>
         </p:txBody>
       </p:sp>
-      <p:cxnSp>
-        <p:nvCxnSpPr>
-          <p:cNvPr id="14" name="Connecteur droit avec flèche 13">
-            <a:extLst>
-              <a:ext uri="{FF2B5EF4-FFF2-40B4-BE49-F238E27FC236}">
-                <a16:creationId xmlns:a16="http://schemas.microsoft.com/office/drawing/2014/main" id="{F41DC303-C049-BF16-DAD0-400C127BD1CE}"/>
-              </a:ext>
-            </a:extLst>
-          </p:cNvPr>
-          <p:cNvCxnSpPr>
-            <a:cxnSpLocks/>
-            <a:stCxn id="15" idx="7"/>
-          </p:cNvCxnSpPr>
-          <p:nvPr/>
-        </p:nvCxnSpPr>
-        <p:spPr>
-          <a:xfrm flipV="1">
-            <a:off x="7517390" y="2926080"/>
-            <a:ext cx="1574796" cy="1416670"/>
-          </a:xfrm>
-          <a:prstGeom prst="straightConnector1">
-            <a:avLst/>
-          </a:prstGeom>
-          <a:ln w="50800">
-            <a:solidFill>
-              <a:srgbClr val="FF0000"/>
-            </a:solidFill>
-            <a:tailEnd type="triangle"/>
-          </a:ln>
-        </p:spPr>
-        <p:style>
-          <a:lnRef idx="2">
-            <a:schemeClr val="accent1"/>
-          </a:lnRef>
-          <a:fillRef idx="0">
-            <a:schemeClr val="accent1"/>
-          </a:fillRef>
-          <a:effectRef idx="1">
-            <a:schemeClr val="accent1"/>
-          </a:effectRef>
-          <a:fontRef idx="minor">
-            <a:schemeClr val="tx1"/>
-          </a:fontRef>
-        </p:style>
-      </p:cxnSp>
-      <p:sp>
-        <p:nvSpPr>
-          <p:cNvPr id="15" name="Ellipse 14">
-            <a:extLst>
-              <a:ext uri="{FF2B5EF4-FFF2-40B4-BE49-F238E27FC236}">
-                <a16:creationId xmlns:a16="http://schemas.microsoft.com/office/drawing/2014/main" id="{EC3540F5-7914-9918-9E07-27767D68DA50}"/>
-              </a:ext>
-            </a:extLst>
-          </p:cNvPr>
-          <p:cNvSpPr/>
-          <p:nvPr/>
-        </p:nvSpPr>
-        <p:spPr>
-          <a:xfrm>
-            <a:off x="7345682" y="4315968"/>
-            <a:ext cx="201168" cy="182880"/>
-          </a:xfrm>
-          <a:prstGeom prst="ellipse">
-            <a:avLst/>
-          </a:prstGeom>
-        </p:spPr>
-        <p:style>
-          <a:lnRef idx="2">
-            <a:schemeClr val="accent1">
-              <a:shade val="15000"/>
-            </a:schemeClr>
-          </a:lnRef>
-          <a:fillRef idx="1">
-            <a:schemeClr val="accent1"/>
-          </a:fillRef>
-          <a:effectRef idx="0">
-            <a:schemeClr val="accent1"/>
-          </a:effectRef>
-          <a:fontRef idx="minor">
-            <a:schemeClr val="lt1"/>
-          </a:fontRef>
-        </p:style>
-        <p:txBody>
-          <a:bodyPr rtlCol="0" anchor="ctr"/>
-          <a:lstStyle/>
-          <a:p>
-            <a:pPr algn="ctr"/>
-            <a:endParaRPr lang="fr-FR"/>
-          </a:p>
-        </p:txBody>
-      </p:sp>
-      <p:sp>
-        <p:nvSpPr>
-          <p:cNvPr id="16" name="Ellipse 15">
-            <a:extLst>
-              <a:ext uri="{FF2B5EF4-FFF2-40B4-BE49-F238E27FC236}">
-                <a16:creationId xmlns:a16="http://schemas.microsoft.com/office/drawing/2014/main" id="{1CFB3661-7C60-B2E8-6C54-4F1FF010BB23}"/>
-              </a:ext>
-            </a:extLst>
-          </p:cNvPr>
-          <p:cNvSpPr/>
-          <p:nvPr/>
-        </p:nvSpPr>
-        <p:spPr>
-          <a:xfrm>
-            <a:off x="7807454" y="155448"/>
-            <a:ext cx="2569464" cy="2450592"/>
-          </a:xfrm>
-          <a:prstGeom prst="ellipse">
-            <a:avLst/>
-          </a:prstGeom>
-        </p:spPr>
-        <p:style>
-          <a:lnRef idx="2">
-            <a:schemeClr val="accent1">
-              <a:shade val="15000"/>
-            </a:schemeClr>
-          </a:lnRef>
-          <a:fillRef idx="1">
-            <a:schemeClr val="accent1"/>
-          </a:fillRef>
-          <a:effectRef idx="0">
-            <a:schemeClr val="accent1"/>
-          </a:effectRef>
-          <a:fontRef idx="minor">
-            <a:schemeClr val="lt1"/>
-          </a:fontRef>
-        </p:style>
-        <p:txBody>
-          <a:bodyPr rtlCol="0" anchor="ctr"/>
-          <a:lstStyle/>
-          <a:p>
-            <a:pPr algn="ctr"/>
-            <a:endParaRPr lang="fr-FR"/>
-          </a:p>
-        </p:txBody>
-      </p:sp>
-      <p:sp>
-        <p:nvSpPr>
-          <p:cNvPr id="17" name="Ellipse 16">
-            <a:extLst>
-              <a:ext uri="{FF2B5EF4-FFF2-40B4-BE49-F238E27FC236}">
-                <a16:creationId xmlns:a16="http://schemas.microsoft.com/office/drawing/2014/main" id="{6E94A7E6-4421-51F8-6D1A-4C33DE5143CC}"/>
-              </a:ext>
-            </a:extLst>
-          </p:cNvPr>
-          <p:cNvSpPr/>
-          <p:nvPr/>
-        </p:nvSpPr>
-        <p:spPr>
-          <a:xfrm>
-            <a:off x="8955026" y="1248156"/>
-            <a:ext cx="274320" cy="265176"/>
-          </a:xfrm>
-          <a:prstGeom prst="ellipse">
-            <a:avLst/>
-          </a:prstGeom>
-          <a:solidFill>
-            <a:schemeClr val="tx1"/>
-          </a:solidFill>
-        </p:spPr>
-        <p:style>
-          <a:lnRef idx="2">
-            <a:schemeClr val="accent1">
-              <a:shade val="15000"/>
-            </a:schemeClr>
-          </a:lnRef>
-          <a:fillRef idx="1">
-            <a:schemeClr val="accent1"/>
-          </a:fillRef>
-          <a:effectRef idx="0">
-            <a:schemeClr val="accent1"/>
-          </a:effectRef>
-          <a:fontRef idx="minor">
-            <a:schemeClr val="lt1"/>
-          </a:fontRef>
-        </p:style>
-        <p:txBody>
-          <a:bodyPr rtlCol="0" anchor="ctr"/>
-          <a:lstStyle/>
-          <a:p>
-            <a:pPr algn="ctr"/>
-            <a:endParaRPr lang="fr-FR"/>
-          </a:p>
-        </p:txBody>
-      </p:sp>
-      <p:sp>
-        <p:nvSpPr>
-          <p:cNvPr id="18" name="ZoneTexte 17">
-            <a:extLst>
-              <a:ext uri="{FF2B5EF4-FFF2-40B4-BE49-F238E27FC236}">
-                <a16:creationId xmlns:a16="http://schemas.microsoft.com/office/drawing/2014/main" id="{9FA022DB-3215-D10F-DBB8-1AC890A2EC9E}"/>
+      <p:sp>
+        <p:nvSpPr>
+          <p:cNvPr id="11" name="ZoneTexte 10">
+            <a:extLst>
+              <a:ext uri="{FF2B5EF4-FFF2-40B4-BE49-F238E27FC236}">
+                <a16:creationId xmlns:a16="http://schemas.microsoft.com/office/drawing/2014/main" id="{ADC8BC2B-53C5-004E-0BE4-1C89D918D613}"/>
               </a:ext>
             </a:extLst>
           </p:cNvPr>
@@ -4807,8 +5815,8 @@
         </p:nvSpPr>
         <p:spPr>
           <a:xfrm>
-            <a:off x="8334506" y="617215"/>
-            <a:ext cx="253596" cy="338554"/>
+            <a:off x="3338124" y="4373133"/>
+            <a:ext cx="1803186" cy="338554"/>
           </a:xfrm>
           <a:prstGeom prst="rect">
             <a:avLst/>
@@ -4823,17 +5831,122 @@
           <a:p>
             <a:r>
               <a:rPr lang="fr-FR" sz="1600" dirty="0"/>
-              <a:t>r</a:t>
+              <a:t>n (surface normal)</a:t>
+            </a:r>
+          </a:p>
+        </p:txBody>
+      </p:sp>
+      <p:sp>
+        <p:nvSpPr>
+          <p:cNvPr id="14" name="ZoneTexte 13">
+            <a:extLst>
+              <a:ext uri="{FF2B5EF4-FFF2-40B4-BE49-F238E27FC236}">
+                <a16:creationId xmlns:a16="http://schemas.microsoft.com/office/drawing/2014/main" id="{1F641E3C-C446-1510-EE9C-170A9A4C01DB}"/>
+              </a:ext>
+            </a:extLst>
+          </p:cNvPr>
+          <p:cNvSpPr txBox="1"/>
+          <p:nvPr/>
+        </p:nvSpPr>
+        <p:spPr>
+          <a:xfrm>
+            <a:off x="1769086" y="5020056"/>
+            <a:ext cx="298480" cy="338554"/>
+          </a:xfrm>
+          <a:prstGeom prst="rect">
+            <a:avLst/>
+          </a:prstGeom>
+          <a:noFill/>
+        </p:spPr>
+        <p:txBody>
+          <a:bodyPr wrap="none" rtlCol="0">
+            <a:spAutoFit/>
+          </a:bodyPr>
+          <a:lstStyle/>
+          <a:p>
+            <a:r>
+              <a:rPr lang="fr-FR" sz="1600" dirty="0"/>
+              <a:t>o</a:t>
+            </a:r>
+          </a:p>
+        </p:txBody>
+      </p:sp>
+      <p:sp>
+        <p:nvSpPr>
+          <p:cNvPr id="16" name="ZoneTexte 15">
+            <a:extLst>
+              <a:ext uri="{FF2B5EF4-FFF2-40B4-BE49-F238E27FC236}">
+                <a16:creationId xmlns:a16="http://schemas.microsoft.com/office/drawing/2014/main" id="{E98316F5-3285-BBE0-2D2F-067F9881B51F}"/>
+              </a:ext>
+            </a:extLst>
+          </p:cNvPr>
+          <p:cNvSpPr txBox="1"/>
+          <p:nvPr/>
+        </p:nvSpPr>
+        <p:spPr>
+          <a:xfrm>
+            <a:off x="2640035" y="4520724"/>
+            <a:ext cx="300082" cy="338554"/>
+          </a:xfrm>
+          <a:prstGeom prst="rect">
+            <a:avLst/>
+          </a:prstGeom>
+          <a:noFill/>
+        </p:spPr>
+        <p:txBody>
+          <a:bodyPr wrap="none" rtlCol="0">
+            <a:spAutoFit/>
+          </a:bodyPr>
+          <a:lstStyle/>
+          <a:p>
+            <a:r>
+              <a:rPr lang="fr-FR" sz="1600" dirty="0"/>
+              <a:t>d</a:t>
+            </a:r>
+          </a:p>
+        </p:txBody>
+      </p:sp>
+      <p:sp>
+        <p:nvSpPr>
+          <p:cNvPr id="17" name="ZoneTexte 16">
+            <a:extLst>
+              <a:ext uri="{FF2B5EF4-FFF2-40B4-BE49-F238E27FC236}">
+                <a16:creationId xmlns:a16="http://schemas.microsoft.com/office/drawing/2014/main" id="{08D31DBE-077C-DEA1-5896-FA3F6DB1BD03}"/>
+              </a:ext>
+            </a:extLst>
+          </p:cNvPr>
+          <p:cNvSpPr txBox="1"/>
+          <p:nvPr/>
+        </p:nvSpPr>
+        <p:spPr>
+          <a:xfrm>
+            <a:off x="4111985" y="2990006"/>
+            <a:ext cx="303288" cy="338554"/>
+          </a:xfrm>
+          <a:prstGeom prst="rect">
+            <a:avLst/>
+          </a:prstGeom>
+          <a:noFill/>
+        </p:spPr>
+        <p:txBody>
+          <a:bodyPr wrap="none" rtlCol="0">
+            <a:spAutoFit/>
+          </a:bodyPr>
+          <a:lstStyle/>
+          <a:p>
+            <a:r>
+              <a:rPr lang="fr-FR" sz="1600" dirty="0"/>
+              <a:t>P</a:t>
             </a:r>
           </a:p>
         </p:txBody>
       </p:sp>
       <p:cxnSp>
         <p:nvCxnSpPr>
-          <p:cNvPr id="19" name="Connecteur droit avec flèche 18">
-            <a:extLst>
-              <a:ext uri="{FF2B5EF4-FFF2-40B4-BE49-F238E27FC236}">
-                <a16:creationId xmlns:a16="http://schemas.microsoft.com/office/drawing/2014/main" id="{E7D7CA06-5BC8-9FB6-9DBA-37F5CEE1E4AF}"/>
+          <p:cNvPr id="18" name="Connecteur droit avec flèche 17">
+            <a:extLst>
+              <a:ext uri="{FF2B5EF4-FFF2-40B4-BE49-F238E27FC236}">
+                <a16:creationId xmlns:a16="http://schemas.microsoft.com/office/drawing/2014/main" id="{56B18A7C-820F-CA92-44C9-4C07AC7F3409}"/>
               </a:ext>
             </a:extLst>
           </p:cNvPr>
@@ -4843,299 +5956,9 @@
           <p:nvPr/>
         </p:nvCxnSpPr>
         <p:spPr>
-          <a:xfrm flipH="1" flipV="1">
-            <a:off x="8122922" y="663381"/>
-            <a:ext cx="969264" cy="717363"/>
-          </a:xfrm>
-          <a:prstGeom prst="straightConnector1">
-            <a:avLst/>
-          </a:prstGeom>
-          <a:ln w="50800">
-            <a:solidFill>
-              <a:schemeClr val="accent4">
-                <a:lumMod val="40000"/>
-                <a:lumOff val="60000"/>
-              </a:schemeClr>
-            </a:solidFill>
-            <a:tailEnd type="triangle"/>
-          </a:ln>
-        </p:spPr>
-        <p:style>
-          <a:lnRef idx="2">
-            <a:schemeClr val="accent1"/>
-          </a:lnRef>
-          <a:fillRef idx="0">
-            <a:schemeClr val="accent1"/>
-          </a:fillRef>
-          <a:effectRef idx="1">
-            <a:schemeClr val="accent1"/>
-          </a:effectRef>
-          <a:fontRef idx="minor">
-            <a:schemeClr val="tx1"/>
-          </a:fontRef>
-        </p:style>
-      </p:cxnSp>
-      <p:sp>
-        <p:nvSpPr>
-          <p:cNvPr id="20" name="ZoneTexte 19">
-            <a:extLst>
-              <a:ext uri="{FF2B5EF4-FFF2-40B4-BE49-F238E27FC236}">
-                <a16:creationId xmlns:a16="http://schemas.microsoft.com/office/drawing/2014/main" id="{65F6BF6C-E72C-3D94-DE73-E9ADDC93C25F}"/>
-              </a:ext>
-            </a:extLst>
-          </p:cNvPr>
-          <p:cNvSpPr txBox="1"/>
-          <p:nvPr/>
-        </p:nvSpPr>
-        <p:spPr>
-          <a:xfrm>
-            <a:off x="9244586" y="1161187"/>
-            <a:ext cx="684290" cy="338554"/>
-          </a:xfrm>
-          <a:prstGeom prst="rect">
-            <a:avLst/>
-          </a:prstGeom>
-          <a:noFill/>
-        </p:spPr>
-        <p:txBody>
-          <a:bodyPr wrap="none" rtlCol="0">
-            <a:spAutoFit/>
-          </a:bodyPr>
-          <a:lstStyle/>
-          <a:p>
-            <a:r>
-              <a:rPr lang="fr-FR" sz="1600" dirty="0"/>
-              <a:t>c (</a:t>
-            </a:r>
-            <a:r>
-              <a:rPr lang="fr-FR" sz="1600" dirty="0" err="1"/>
-              <a:t>x,y</a:t>
-            </a:r>
-            <a:r>
-              <a:rPr lang="fr-FR" sz="1600" dirty="0"/>
-              <a:t>)</a:t>
-            </a:r>
-          </a:p>
-        </p:txBody>
-      </p:sp>
-      <p:cxnSp>
-        <p:nvCxnSpPr>
-          <p:cNvPr id="21" name="Connecteur droit avec flèche 20">
-            <a:extLst>
-              <a:ext uri="{FF2B5EF4-FFF2-40B4-BE49-F238E27FC236}">
-                <a16:creationId xmlns:a16="http://schemas.microsoft.com/office/drawing/2014/main" id="{27340F13-F5AE-D2E9-CAD3-E7F77B1A2AB1}"/>
-              </a:ext>
-            </a:extLst>
-          </p:cNvPr>
-          <p:cNvCxnSpPr>
-            <a:cxnSpLocks/>
-          </p:cNvCxnSpPr>
-          <p:nvPr/>
-        </p:nvCxnSpPr>
-        <p:spPr>
-          <a:xfrm flipV="1">
-            <a:off x="7517390" y="379801"/>
-            <a:ext cx="4369810" cy="3962949"/>
-          </a:xfrm>
-          <a:prstGeom prst="straightConnector1">
-            <a:avLst/>
-          </a:prstGeom>
-          <a:ln w="50800">
-            <a:solidFill>
-              <a:srgbClr val="FF0000"/>
-            </a:solidFill>
-            <a:prstDash val="sysDot"/>
-            <a:tailEnd type="triangle"/>
-          </a:ln>
-        </p:spPr>
-        <p:style>
-          <a:lnRef idx="2">
-            <a:schemeClr val="accent1"/>
-          </a:lnRef>
-          <a:fillRef idx="0">
-            <a:schemeClr val="accent1"/>
-          </a:fillRef>
-          <a:effectRef idx="1">
-            <a:schemeClr val="accent1"/>
-          </a:effectRef>
-          <a:fontRef idx="minor">
-            <a:schemeClr val="tx1"/>
-          </a:fontRef>
-        </p:style>
-      </p:cxnSp>
-      <p:cxnSp>
-        <p:nvCxnSpPr>
-          <p:cNvPr id="25" name="Connecteur droit avec flèche 24">
-            <a:extLst>
-              <a:ext uri="{FF2B5EF4-FFF2-40B4-BE49-F238E27FC236}">
-                <a16:creationId xmlns:a16="http://schemas.microsoft.com/office/drawing/2014/main" id="{61302DB6-FCC2-1F22-0846-3AC44426B7AA}"/>
-              </a:ext>
-            </a:extLst>
-          </p:cNvPr>
-          <p:cNvCxnSpPr>
-            <a:cxnSpLocks/>
-            <a:stCxn id="15" idx="7"/>
-          </p:cNvCxnSpPr>
-          <p:nvPr/>
-        </p:nvCxnSpPr>
-        <p:spPr>
-          <a:xfrm flipV="1">
-            <a:off x="7517390" y="1380744"/>
-            <a:ext cx="1574796" cy="2962006"/>
-          </a:xfrm>
-          <a:prstGeom prst="straightConnector1">
-            <a:avLst/>
-          </a:prstGeom>
-          <a:ln w="50800">
-            <a:solidFill>
-              <a:schemeClr val="accent5">
-                <a:lumMod val="60000"/>
-                <a:lumOff val="40000"/>
-              </a:schemeClr>
-            </a:solidFill>
-            <a:tailEnd type="triangle"/>
-          </a:ln>
-        </p:spPr>
-        <p:style>
-          <a:lnRef idx="2">
-            <a:schemeClr val="accent1"/>
-          </a:lnRef>
-          <a:fillRef idx="0">
-            <a:schemeClr val="accent1"/>
-          </a:fillRef>
-          <a:effectRef idx="1">
-            <a:schemeClr val="accent1"/>
-          </a:effectRef>
-          <a:fontRef idx="minor">
-            <a:schemeClr val="tx1"/>
-          </a:fontRef>
-        </p:style>
-      </p:cxnSp>
-      <p:sp>
-        <p:nvSpPr>
-          <p:cNvPr id="29" name="ZoneTexte 28">
-            <a:extLst>
-              <a:ext uri="{FF2B5EF4-FFF2-40B4-BE49-F238E27FC236}">
-                <a16:creationId xmlns:a16="http://schemas.microsoft.com/office/drawing/2014/main" id="{8B3B90B5-DD0D-4E85-75E0-604BC42C234E}"/>
-              </a:ext>
-            </a:extLst>
-          </p:cNvPr>
-          <p:cNvSpPr txBox="1"/>
-          <p:nvPr/>
-        </p:nvSpPr>
-        <p:spPr>
-          <a:xfrm>
-            <a:off x="2657087" y="4421136"/>
-            <a:ext cx="298480" cy="338554"/>
-          </a:xfrm>
-          <a:prstGeom prst="rect">
-            <a:avLst/>
-          </a:prstGeom>
-          <a:noFill/>
-        </p:spPr>
-        <p:txBody>
-          <a:bodyPr wrap="none" rtlCol="0">
-            <a:spAutoFit/>
-          </a:bodyPr>
-          <a:lstStyle/>
-          <a:p>
-            <a:r>
-              <a:rPr lang="fr-FR" sz="1600" dirty="0"/>
-              <a:t>o</a:t>
-            </a:r>
-          </a:p>
-        </p:txBody>
-      </p:sp>
-      <p:sp>
-        <p:nvSpPr>
-          <p:cNvPr id="30" name="ZoneTexte 29">
-            <a:extLst>
-              <a:ext uri="{FF2B5EF4-FFF2-40B4-BE49-F238E27FC236}">
-                <a16:creationId xmlns:a16="http://schemas.microsoft.com/office/drawing/2014/main" id="{40561253-1EA3-6BC9-6A94-FC0BDF5BD409}"/>
-              </a:ext>
-            </a:extLst>
-          </p:cNvPr>
-          <p:cNvSpPr txBox="1"/>
-          <p:nvPr/>
-        </p:nvSpPr>
-        <p:spPr>
-          <a:xfrm>
-            <a:off x="3715790" y="3787152"/>
-            <a:ext cx="300082" cy="338554"/>
-          </a:xfrm>
-          <a:prstGeom prst="rect">
-            <a:avLst/>
-          </a:prstGeom>
-          <a:noFill/>
-        </p:spPr>
-        <p:txBody>
-          <a:bodyPr wrap="none" rtlCol="0">
-            <a:spAutoFit/>
-          </a:bodyPr>
-          <a:lstStyle/>
-          <a:p>
-            <a:r>
-              <a:rPr lang="fr-FR" sz="1600" dirty="0"/>
-              <a:t>d</a:t>
-            </a:r>
-          </a:p>
-        </p:txBody>
-      </p:sp>
-      <p:sp>
-        <p:nvSpPr>
-          <p:cNvPr id="31" name="ZoneTexte 30">
-            <a:extLst>
-              <a:ext uri="{FF2B5EF4-FFF2-40B4-BE49-F238E27FC236}">
-                <a16:creationId xmlns:a16="http://schemas.microsoft.com/office/drawing/2014/main" id="{847CD47B-A8AF-EAAA-79D0-06E270B45958}"/>
-              </a:ext>
-            </a:extLst>
-          </p:cNvPr>
-          <p:cNvSpPr txBox="1"/>
-          <p:nvPr/>
-        </p:nvSpPr>
-        <p:spPr>
-          <a:xfrm>
-            <a:off x="9920691" y="2258229"/>
-            <a:ext cx="303288" cy="338554"/>
-          </a:xfrm>
-          <a:prstGeom prst="rect">
-            <a:avLst/>
-          </a:prstGeom>
-          <a:noFill/>
-        </p:spPr>
-        <p:txBody>
-          <a:bodyPr wrap="none" rtlCol="0">
-            <a:spAutoFit/>
-          </a:bodyPr>
-          <a:lstStyle/>
-          <a:p>
-            <a:r>
-              <a:rPr lang="fr-FR" sz="1600"/>
-              <a:t>P</a:t>
-            </a:r>
-            <a:endParaRPr lang="fr-FR" sz="1600" dirty="0"/>
-          </a:p>
-        </p:txBody>
-      </p:sp>
-      <p:cxnSp>
-        <p:nvCxnSpPr>
-          <p:cNvPr id="32" name="Connecteur droit avec flèche 31">
-            <a:extLst>
-              <a:ext uri="{FF2B5EF4-FFF2-40B4-BE49-F238E27FC236}">
-                <a16:creationId xmlns:a16="http://schemas.microsoft.com/office/drawing/2014/main" id="{8C8C21D7-20B1-7460-DADB-7432AC3E9F31}"/>
-              </a:ext>
-            </a:extLst>
-          </p:cNvPr>
-          <p:cNvCxnSpPr>
-            <a:cxnSpLocks/>
-            <a:stCxn id="17" idx="5"/>
-          </p:cNvCxnSpPr>
-          <p:nvPr/>
-        </p:nvCxnSpPr>
-        <p:spPr>
-          <a:xfrm>
-            <a:off x="9189173" y="1474498"/>
-            <a:ext cx="648616" cy="722953"/>
+          <a:xfrm>
+            <a:off x="3766781" y="2020949"/>
+            <a:ext cx="262178" cy="1023452"/>
           </a:xfrm>
           <a:prstGeom prst="straightConnector1">
             <a:avLst/>
@@ -5168,10 +5991,204 @@
       </p:cxnSp>
       <p:sp>
         <p:nvSpPr>
-          <p:cNvPr id="35" name="Rectangle 34">
-            <a:extLst>
-              <a:ext uri="{FF2B5EF4-FFF2-40B4-BE49-F238E27FC236}">
-                <a16:creationId xmlns:a16="http://schemas.microsoft.com/office/drawing/2014/main" id="{34148628-F7B0-4ADF-BDE6-166482BCA5EF}"/>
+          <p:cNvPr id="20" name="ZoneTexte 19">
+            <a:extLst>
+              <a:ext uri="{FF2B5EF4-FFF2-40B4-BE49-F238E27FC236}">
+                <a16:creationId xmlns:a16="http://schemas.microsoft.com/office/drawing/2014/main" id="{EC843C18-4B81-F73D-E44B-0DF1961AF54D}"/>
+              </a:ext>
+            </a:extLst>
+          </p:cNvPr>
+          <p:cNvSpPr txBox="1"/>
+          <p:nvPr/>
+        </p:nvSpPr>
+        <p:spPr>
+          <a:xfrm>
+            <a:off x="3568598" y="2423574"/>
+            <a:ext cx="253596" cy="338554"/>
+          </a:xfrm>
+          <a:prstGeom prst="rect">
+            <a:avLst/>
+          </a:prstGeom>
+          <a:noFill/>
+        </p:spPr>
+        <p:txBody>
+          <a:bodyPr wrap="none" rtlCol="0">
+            <a:spAutoFit/>
+          </a:bodyPr>
+          <a:lstStyle/>
+          <a:p>
+            <a:r>
+              <a:rPr lang="fr-FR" sz="1600" dirty="0"/>
+              <a:t>r</a:t>
+            </a:r>
+          </a:p>
+        </p:txBody>
+      </p:sp>
+      <p:cxnSp>
+        <p:nvCxnSpPr>
+          <p:cNvPr id="22" name="Connecteur droit avec flèche 21">
+            <a:extLst>
+              <a:ext uri="{FF2B5EF4-FFF2-40B4-BE49-F238E27FC236}">
+                <a16:creationId xmlns:a16="http://schemas.microsoft.com/office/drawing/2014/main" id="{E3BBC50F-4073-EF79-47A9-FFC9E8DAD15A}"/>
+              </a:ext>
+            </a:extLst>
+          </p:cNvPr>
+          <p:cNvCxnSpPr>
+            <a:cxnSpLocks/>
+          </p:cNvCxnSpPr>
+          <p:nvPr/>
+        </p:nvCxnSpPr>
+        <p:spPr>
+          <a:xfrm>
+            <a:off x="4028959" y="3113657"/>
+            <a:ext cx="290064" cy="1146783"/>
+          </a:xfrm>
+          <a:prstGeom prst="straightConnector1">
+            <a:avLst/>
+          </a:prstGeom>
+          <a:ln w="50800">
+            <a:solidFill>
+              <a:schemeClr val="accent4">
+                <a:lumMod val="40000"/>
+                <a:lumOff val="60000"/>
+              </a:schemeClr>
+            </a:solidFill>
+            <a:tailEnd type="triangle"/>
+          </a:ln>
+        </p:spPr>
+        <p:style>
+          <a:lnRef idx="2">
+            <a:schemeClr val="accent1"/>
+          </a:lnRef>
+          <a:fillRef idx="0">
+            <a:schemeClr val="accent1"/>
+          </a:fillRef>
+          <a:effectRef idx="1">
+            <a:schemeClr val="accent1"/>
+          </a:effectRef>
+          <a:fontRef idx="minor">
+            <a:schemeClr val="tx1"/>
+          </a:fontRef>
+        </p:style>
+      </p:cxnSp>
+      <p:pic>
+        <p:nvPicPr>
+          <p:cNvPr id="26" name="Image 25">
+            <a:extLst>
+              <a:ext uri="{FF2B5EF4-FFF2-40B4-BE49-F238E27FC236}">
+                <a16:creationId xmlns:a16="http://schemas.microsoft.com/office/drawing/2014/main" id="{8F05DF0A-6419-8719-3117-7F38EDA27E66}"/>
+              </a:ext>
+            </a:extLst>
+          </p:cNvPr>
+          <p:cNvPicPr>
+            <a:picLocks noChangeAspect="1"/>
+          </p:cNvPicPr>
+          <p:nvPr/>
+        </p:nvPicPr>
+        <p:blipFill>
+          <a:blip r:embed="rId2"/>
+          <a:stretch>
+            <a:fillRect/>
+          </a:stretch>
+        </p:blipFill>
+        <p:spPr>
+          <a:xfrm>
+            <a:off x="5968314" y="5020056"/>
+            <a:ext cx="1990037" cy="1629891"/>
+          </a:xfrm>
+          <a:prstGeom prst="rect">
+            <a:avLst/>
+          </a:prstGeom>
+        </p:spPr>
+      </p:pic>
+      <p:cxnSp>
+        <p:nvCxnSpPr>
+          <p:cNvPr id="28" name="Connecteur droit avec flèche 27">
+            <a:extLst>
+              <a:ext uri="{FF2B5EF4-FFF2-40B4-BE49-F238E27FC236}">
+                <a16:creationId xmlns:a16="http://schemas.microsoft.com/office/drawing/2014/main" id="{D898AB1C-60AC-ED44-E80E-9EB349631B39}"/>
+              </a:ext>
+            </a:extLst>
+          </p:cNvPr>
+          <p:cNvCxnSpPr>
+            <a:cxnSpLocks/>
+            <a:stCxn id="17" idx="1"/>
+          </p:cNvCxnSpPr>
+          <p:nvPr/>
+        </p:nvCxnSpPr>
+        <p:spPr>
+          <a:xfrm>
+            <a:off x="4111985" y="3159283"/>
+            <a:ext cx="2453407" cy="2427701"/>
+          </a:xfrm>
+          <a:prstGeom prst="straightConnector1">
+            <a:avLst/>
+          </a:prstGeom>
+          <a:ln w="31750">
+            <a:solidFill>
+              <a:schemeClr val="accent2">
+                <a:lumMod val="75000"/>
+              </a:schemeClr>
+            </a:solidFill>
+            <a:tailEnd type="triangle"/>
+          </a:ln>
+        </p:spPr>
+        <p:style>
+          <a:lnRef idx="2">
+            <a:schemeClr val="accent1"/>
+          </a:lnRef>
+          <a:fillRef idx="0">
+            <a:schemeClr val="accent1"/>
+          </a:fillRef>
+          <a:effectRef idx="1">
+            <a:schemeClr val="accent1"/>
+          </a:effectRef>
+          <a:fontRef idx="minor">
+            <a:schemeClr val="tx1"/>
+          </a:fontRef>
+        </p:style>
+      </p:cxnSp>
+      <p:sp>
+        <p:nvSpPr>
+          <p:cNvPr id="30" name="ZoneTexte 29">
+            <a:extLst>
+              <a:ext uri="{FF2B5EF4-FFF2-40B4-BE49-F238E27FC236}">
+                <a16:creationId xmlns:a16="http://schemas.microsoft.com/office/drawing/2014/main" id="{7B6ED66E-5950-9E93-D55D-ACB3C936ACD9}"/>
+              </a:ext>
+            </a:extLst>
+          </p:cNvPr>
+          <p:cNvSpPr txBox="1"/>
+          <p:nvPr/>
+        </p:nvSpPr>
+        <p:spPr>
+          <a:xfrm>
+            <a:off x="6897857" y="4837176"/>
+            <a:ext cx="287258" cy="338554"/>
+          </a:xfrm>
+          <a:prstGeom prst="rect">
+            <a:avLst/>
+          </a:prstGeom>
+          <a:noFill/>
+        </p:spPr>
+        <p:txBody>
+          <a:bodyPr wrap="none" rtlCol="0">
+            <a:spAutoFit/>
+          </a:bodyPr>
+          <a:lstStyle/>
+          <a:p>
+            <a:r>
+              <a:rPr lang="fr-FR" sz="1600" dirty="0"/>
+              <a:t>L</a:t>
+            </a:r>
+          </a:p>
+        </p:txBody>
+      </p:sp>
+      <p:sp>
+        <p:nvSpPr>
+          <p:cNvPr id="31" name="Flèche en arc 30">
+            <a:extLst>
+              <a:ext uri="{FF2B5EF4-FFF2-40B4-BE49-F238E27FC236}">
+                <a16:creationId xmlns:a16="http://schemas.microsoft.com/office/drawing/2014/main" id="{D7612FF2-2C3B-F847-3609-34891D64333B}"/>
               </a:ext>
             </a:extLst>
           </p:cNvPr>
@@ -5179,11 +6196,11 @@
           <p:nvPr/>
         </p:nvSpPr>
         <p:spPr>
-          <a:xfrm rot="19092671">
-            <a:off x="9514658" y="2063982"/>
-            <a:ext cx="248410" cy="266938"/>
-          </a:xfrm>
-          <a:prstGeom prst="rect">
+          <a:xfrm rot="8681480">
+            <a:off x="4206378" y="3566727"/>
+            <a:ext cx="481587" cy="495123"/>
+          </a:xfrm>
+          <a:prstGeom prst="circularArrow">
             <a:avLst/>
           </a:prstGeom>
         </p:spPr>
@@ -5208,16 +6225,20 @@
           <a:lstStyle/>
           <a:p>
             <a:pPr algn="ctr"/>
-            <a:endParaRPr lang="fr-FR"/>
-          </a:p>
-        </p:txBody>
-      </p:sp>
-      <p:sp>
-        <p:nvSpPr>
-          <p:cNvPr id="37" name="ZoneTexte 36">
-            <a:extLst>
-              <a:ext uri="{FF2B5EF4-FFF2-40B4-BE49-F238E27FC236}">
-                <a16:creationId xmlns:a16="http://schemas.microsoft.com/office/drawing/2014/main" id="{0DC14D3E-4723-E5AC-80A8-91C7A4E1C990}"/>
+            <a:endParaRPr lang="fr-FR">
+              <a:solidFill>
+                <a:schemeClr val="tx1"/>
+              </a:solidFill>
+            </a:endParaRPr>
+          </a:p>
+        </p:txBody>
+      </p:sp>
+      <p:sp>
+        <p:nvSpPr>
+          <p:cNvPr id="32" name="ZoneTexte 31">
+            <a:extLst>
+              <a:ext uri="{FF2B5EF4-FFF2-40B4-BE49-F238E27FC236}">
+                <a16:creationId xmlns:a16="http://schemas.microsoft.com/office/drawing/2014/main" id="{82CB2E7F-1D29-15FC-8030-FAC4F92257F5}"/>
               </a:ext>
             </a:extLst>
           </p:cNvPr>
@@ -5226,8 +6247,8 @@
         </p:nvSpPr>
         <p:spPr>
           <a:xfrm>
-            <a:off x="7191478" y="4498848"/>
-            <a:ext cx="298480" cy="338554"/>
+            <a:off x="4993484" y="3580914"/>
+            <a:ext cx="2960682" cy="338554"/>
           </a:xfrm>
           <a:prstGeom prst="rect">
             <a:avLst/>
@@ -5242,17 +6263,247 @@
           <a:p>
             <a:r>
               <a:rPr lang="fr-FR" sz="1600" dirty="0"/>
-              <a:t>o</a:t>
-            </a:r>
-          </a:p>
-        </p:txBody>
-      </p:sp>
-      <p:sp>
-        <p:nvSpPr>
-          <p:cNvPr id="39" name="ZoneTexte 38">
-            <a:extLst>
-              <a:ext uri="{FF2B5EF4-FFF2-40B4-BE49-F238E27FC236}">
-                <a16:creationId xmlns:a16="http://schemas.microsoft.com/office/drawing/2014/main" id="{39B6010C-4336-C025-7E1C-64A1D02F70FC}"/>
+              <a:t>Angle </a:t>
+            </a:r>
+            <a:r>
+              <a:rPr lang="fr-FR" sz="1600" dirty="0" err="1"/>
+              <a:t>between</a:t>
+            </a:r>
+            <a:r>
+              <a:rPr lang="fr-FR" sz="1600" dirty="0"/>
+              <a:t> light and normal</a:t>
+            </a:r>
+          </a:p>
+        </p:txBody>
+      </p:sp>
+    </p:spTree>
+    <p:extLst>
+      <p:ext uri="{BB962C8B-B14F-4D97-AF65-F5344CB8AC3E}">
+        <p14:creationId xmlns:p14="http://schemas.microsoft.com/office/powerpoint/2010/main" val="727893089"/>
+      </p:ext>
+    </p:extLst>
+  </p:cSld>
+  <p:clrMapOvr>
+    <a:masterClrMapping/>
+  </p:clrMapOvr>
+</p:sld>
+</file>
+
+<file path=ppt/slides/slide13.xml><?xml version="1.0" encoding="utf-8"?>
+<p:sld xmlns:a="http://schemas.openxmlformats.org/drawingml/2006/main" xmlns:r="http://schemas.openxmlformats.org/officeDocument/2006/relationships" xmlns:p="http://schemas.openxmlformats.org/presentationml/2006/main">
+  <p:cSld>
+    <p:spTree>
+      <p:nvGrpSpPr>
+        <p:cNvPr id="1" name="">
+          <a:extLst>
+            <a:ext uri="{FF2B5EF4-FFF2-40B4-BE49-F238E27FC236}">
+              <a16:creationId xmlns:a16="http://schemas.microsoft.com/office/drawing/2014/main" id="{116FA980-A763-983A-E9D8-9F02964FF0B8}"/>
+            </a:ext>
+          </a:extLst>
+        </p:cNvPr>
+        <p:cNvGrpSpPr/>
+        <p:nvPr/>
+      </p:nvGrpSpPr>
+      <p:grpSpPr>
+        <a:xfrm>
+          <a:off x="0" y="0"/>
+          <a:ext cx="0" cy="0"/>
+          <a:chOff x="0" y="0"/>
+          <a:chExt cx="0" cy="0"/>
+        </a:xfrm>
+      </p:grpSpPr>
+      <p:cxnSp>
+        <p:nvCxnSpPr>
+          <p:cNvPr id="2" name="Connecteur droit avec flèche 1">
+            <a:extLst>
+              <a:ext uri="{FF2B5EF4-FFF2-40B4-BE49-F238E27FC236}">
+                <a16:creationId xmlns:a16="http://schemas.microsoft.com/office/drawing/2014/main" id="{95002EFD-E3F8-157A-B265-8E5D311E60A1}"/>
+              </a:ext>
+            </a:extLst>
+          </p:cNvPr>
+          <p:cNvCxnSpPr>
+            <a:cxnSpLocks/>
+            <a:stCxn id="3" idx="7"/>
+          </p:cNvCxnSpPr>
+          <p:nvPr/>
+        </p:nvCxnSpPr>
+        <p:spPr>
+          <a:xfrm flipV="1">
+            <a:off x="2094998" y="3117991"/>
+            <a:ext cx="1933961" cy="1745967"/>
+          </a:xfrm>
+          <a:prstGeom prst="straightConnector1">
+            <a:avLst/>
+          </a:prstGeom>
+          <a:ln w="50800">
+            <a:solidFill>
+              <a:srgbClr val="FF0000"/>
+            </a:solidFill>
+            <a:tailEnd type="triangle"/>
+          </a:ln>
+        </p:spPr>
+        <p:style>
+          <a:lnRef idx="2">
+            <a:schemeClr val="accent1"/>
+          </a:lnRef>
+          <a:fillRef idx="0">
+            <a:schemeClr val="accent1"/>
+          </a:fillRef>
+          <a:effectRef idx="1">
+            <a:schemeClr val="accent1"/>
+          </a:effectRef>
+          <a:fontRef idx="minor">
+            <a:schemeClr val="tx1"/>
+          </a:fontRef>
+        </p:style>
+      </p:cxnSp>
+      <p:sp>
+        <p:nvSpPr>
+          <p:cNvPr id="3" name="Ellipse 2">
+            <a:extLst>
+              <a:ext uri="{FF2B5EF4-FFF2-40B4-BE49-F238E27FC236}">
+                <a16:creationId xmlns:a16="http://schemas.microsoft.com/office/drawing/2014/main" id="{080E1529-B25B-BBFA-BEA2-DCE2BE68980E}"/>
+              </a:ext>
+            </a:extLst>
+          </p:cNvPr>
+          <p:cNvSpPr/>
+          <p:nvPr/>
+        </p:nvSpPr>
+        <p:spPr>
+          <a:xfrm>
+            <a:off x="1923290" y="4837176"/>
+            <a:ext cx="201168" cy="182880"/>
+          </a:xfrm>
+          <a:prstGeom prst="ellipse">
+            <a:avLst/>
+          </a:prstGeom>
+        </p:spPr>
+        <p:style>
+          <a:lnRef idx="2">
+            <a:schemeClr val="accent1">
+              <a:shade val="15000"/>
+            </a:schemeClr>
+          </a:lnRef>
+          <a:fillRef idx="1">
+            <a:schemeClr val="accent1"/>
+          </a:fillRef>
+          <a:effectRef idx="0">
+            <a:schemeClr val="accent1"/>
+          </a:effectRef>
+          <a:fontRef idx="minor">
+            <a:schemeClr val="lt1"/>
+          </a:fontRef>
+        </p:style>
+        <p:txBody>
+          <a:bodyPr rtlCol="0" anchor="ctr"/>
+          <a:lstStyle/>
+          <a:p>
+            <a:pPr algn="ctr"/>
+            <a:endParaRPr lang="fr-FR"/>
+          </a:p>
+        </p:txBody>
+      </p:sp>
+      <p:sp>
+        <p:nvSpPr>
+          <p:cNvPr id="4" name="Ellipse 3">
+            <a:extLst>
+              <a:ext uri="{FF2B5EF4-FFF2-40B4-BE49-F238E27FC236}">
+                <a16:creationId xmlns:a16="http://schemas.microsoft.com/office/drawing/2014/main" id="{890D92C7-6CD7-8AEF-E3FB-13B0F346F868}"/>
+              </a:ext>
+            </a:extLst>
+          </p:cNvPr>
+          <p:cNvSpPr/>
+          <p:nvPr/>
+        </p:nvSpPr>
+        <p:spPr>
+          <a:xfrm>
+            <a:off x="2385062" y="676656"/>
+            <a:ext cx="2569464" cy="2450592"/>
+          </a:xfrm>
+          <a:prstGeom prst="ellipse">
+            <a:avLst/>
+          </a:prstGeom>
+        </p:spPr>
+        <p:style>
+          <a:lnRef idx="2">
+            <a:schemeClr val="accent1">
+              <a:shade val="15000"/>
+            </a:schemeClr>
+          </a:lnRef>
+          <a:fillRef idx="1">
+            <a:schemeClr val="accent1"/>
+          </a:fillRef>
+          <a:effectRef idx="0">
+            <a:schemeClr val="accent1"/>
+          </a:effectRef>
+          <a:fontRef idx="minor">
+            <a:schemeClr val="lt1"/>
+          </a:fontRef>
+        </p:style>
+        <p:txBody>
+          <a:bodyPr rtlCol="0" anchor="ctr"/>
+          <a:lstStyle/>
+          <a:p>
+            <a:pPr algn="ctr"/>
+            <a:endParaRPr lang="fr-FR"/>
+          </a:p>
+        </p:txBody>
+      </p:sp>
+      <p:sp>
+        <p:nvSpPr>
+          <p:cNvPr id="5" name="Ellipse 4">
+            <a:extLst>
+              <a:ext uri="{FF2B5EF4-FFF2-40B4-BE49-F238E27FC236}">
+                <a16:creationId xmlns:a16="http://schemas.microsoft.com/office/drawing/2014/main" id="{B093F7B5-231C-1977-3126-B8BB19C13D39}"/>
+              </a:ext>
+            </a:extLst>
+          </p:cNvPr>
+          <p:cNvSpPr/>
+          <p:nvPr/>
+        </p:nvSpPr>
+        <p:spPr>
+          <a:xfrm>
+            <a:off x="3532634" y="1769364"/>
+            <a:ext cx="274320" cy="265176"/>
+          </a:xfrm>
+          <a:prstGeom prst="ellipse">
+            <a:avLst/>
+          </a:prstGeom>
+          <a:solidFill>
+            <a:schemeClr val="tx1"/>
+          </a:solidFill>
+        </p:spPr>
+        <p:style>
+          <a:lnRef idx="2">
+            <a:schemeClr val="accent1">
+              <a:shade val="15000"/>
+            </a:schemeClr>
+          </a:lnRef>
+          <a:fillRef idx="1">
+            <a:schemeClr val="accent1"/>
+          </a:fillRef>
+          <a:effectRef idx="0">
+            <a:schemeClr val="accent1"/>
+          </a:effectRef>
+          <a:fontRef idx="minor">
+            <a:schemeClr val="lt1"/>
+          </a:fontRef>
+        </p:style>
+        <p:txBody>
+          <a:bodyPr rtlCol="0" anchor="ctr"/>
+          <a:lstStyle/>
+          <a:p>
+            <a:pPr algn="ctr"/>
+            <a:endParaRPr lang="fr-FR"/>
+          </a:p>
+        </p:txBody>
+      </p:sp>
+      <p:sp>
+        <p:nvSpPr>
+          <p:cNvPr id="6" name="ZoneTexte 5">
+            <a:extLst>
+              <a:ext uri="{FF2B5EF4-FFF2-40B4-BE49-F238E27FC236}">
+                <a16:creationId xmlns:a16="http://schemas.microsoft.com/office/drawing/2014/main" id="{AD35A60D-D528-9D20-B59C-3ABC6907BA05}"/>
               </a:ext>
             </a:extLst>
           </p:cNvPr>
@@ -5261,8 +6512,8 @@
         </p:nvSpPr>
         <p:spPr>
           <a:xfrm>
-            <a:off x="7883914" y="2523193"/>
-            <a:ext cx="478016" cy="338554"/>
+            <a:off x="2912114" y="1138423"/>
+            <a:ext cx="253596" cy="338554"/>
           </a:xfrm>
           <a:prstGeom prst="rect">
             <a:avLst/>
@@ -5277,15 +6528,3597 @@
           <a:p>
             <a:r>
               <a:rPr lang="fr-FR" sz="1600" dirty="0"/>
-              <a:t>OC</a:t>
-            </a:r>
+              <a:t>r</a:t>
+            </a:r>
+          </a:p>
+        </p:txBody>
+      </p:sp>
+      <p:cxnSp>
+        <p:nvCxnSpPr>
+          <p:cNvPr id="7" name="Connecteur droit avec flèche 6">
+            <a:extLst>
+              <a:ext uri="{FF2B5EF4-FFF2-40B4-BE49-F238E27FC236}">
+                <a16:creationId xmlns:a16="http://schemas.microsoft.com/office/drawing/2014/main" id="{C73C2F1E-49C2-E527-DE3A-36C571981665}"/>
+              </a:ext>
+            </a:extLst>
+          </p:cNvPr>
+          <p:cNvCxnSpPr>
+            <a:cxnSpLocks/>
+          </p:cNvCxnSpPr>
+          <p:nvPr/>
+        </p:nvCxnSpPr>
+        <p:spPr>
+          <a:xfrm flipH="1" flipV="1">
+            <a:off x="2700530" y="1184589"/>
+            <a:ext cx="969264" cy="717363"/>
+          </a:xfrm>
+          <a:prstGeom prst="straightConnector1">
+            <a:avLst/>
+          </a:prstGeom>
+          <a:ln w="50800">
+            <a:solidFill>
+              <a:schemeClr val="accent4">
+                <a:lumMod val="40000"/>
+                <a:lumOff val="60000"/>
+              </a:schemeClr>
+            </a:solidFill>
+            <a:tailEnd type="triangle"/>
+          </a:ln>
+        </p:spPr>
+        <p:style>
+          <a:lnRef idx="2">
+            <a:schemeClr val="accent1"/>
+          </a:lnRef>
+          <a:fillRef idx="0">
+            <a:schemeClr val="accent1"/>
+          </a:fillRef>
+          <a:effectRef idx="1">
+            <a:schemeClr val="accent1"/>
+          </a:effectRef>
+          <a:fontRef idx="minor">
+            <a:schemeClr val="tx1"/>
+          </a:fontRef>
+        </p:style>
+      </p:cxnSp>
+      <p:sp>
+        <p:nvSpPr>
+          <p:cNvPr id="8" name="ZoneTexte 7">
+            <a:extLst>
+              <a:ext uri="{FF2B5EF4-FFF2-40B4-BE49-F238E27FC236}">
+                <a16:creationId xmlns:a16="http://schemas.microsoft.com/office/drawing/2014/main" id="{C78D3738-771B-8A02-DC0C-4C528C672D1A}"/>
+              </a:ext>
+            </a:extLst>
+          </p:cNvPr>
+          <p:cNvSpPr txBox="1"/>
+          <p:nvPr/>
+        </p:nvSpPr>
+        <p:spPr>
+          <a:xfrm>
+            <a:off x="3822194" y="1682395"/>
+            <a:ext cx="684290" cy="338554"/>
+          </a:xfrm>
+          <a:prstGeom prst="rect">
+            <a:avLst/>
+          </a:prstGeom>
+          <a:noFill/>
+        </p:spPr>
+        <p:txBody>
+          <a:bodyPr wrap="none" rtlCol="0">
+            <a:spAutoFit/>
+          </a:bodyPr>
+          <a:lstStyle/>
+          <a:p>
+            <a:r>
+              <a:rPr lang="fr-FR" sz="1600" dirty="0"/>
+              <a:t>c (</a:t>
+            </a:r>
+            <a:r>
+              <a:rPr lang="fr-FR" sz="1600" dirty="0" err="1"/>
+              <a:t>x,y</a:t>
+            </a:r>
+            <a:r>
+              <a:rPr lang="fr-FR" sz="1600" dirty="0"/>
+              <a:t>)</a:t>
+            </a:r>
+          </a:p>
+        </p:txBody>
+      </p:sp>
+      <p:sp>
+        <p:nvSpPr>
+          <p:cNvPr id="11" name="ZoneTexte 10">
+            <a:extLst>
+              <a:ext uri="{FF2B5EF4-FFF2-40B4-BE49-F238E27FC236}">
+                <a16:creationId xmlns:a16="http://schemas.microsoft.com/office/drawing/2014/main" id="{3F6CC8ED-AB4C-E11D-9EEE-C931258BB18B}"/>
+              </a:ext>
+            </a:extLst>
+          </p:cNvPr>
+          <p:cNvSpPr txBox="1"/>
+          <p:nvPr/>
+        </p:nvSpPr>
+        <p:spPr>
+          <a:xfrm>
+            <a:off x="3338124" y="4373133"/>
+            <a:ext cx="1803186" cy="338554"/>
+          </a:xfrm>
+          <a:prstGeom prst="rect">
+            <a:avLst/>
+          </a:prstGeom>
+          <a:noFill/>
+        </p:spPr>
+        <p:txBody>
+          <a:bodyPr wrap="none" rtlCol="0">
+            <a:spAutoFit/>
+          </a:bodyPr>
+          <a:lstStyle/>
+          <a:p>
+            <a:r>
+              <a:rPr lang="fr-FR" sz="1600" dirty="0"/>
+              <a:t>n (surface normal)</a:t>
+            </a:r>
+          </a:p>
+        </p:txBody>
+      </p:sp>
+      <p:sp>
+        <p:nvSpPr>
+          <p:cNvPr id="14" name="ZoneTexte 13">
+            <a:extLst>
+              <a:ext uri="{FF2B5EF4-FFF2-40B4-BE49-F238E27FC236}">
+                <a16:creationId xmlns:a16="http://schemas.microsoft.com/office/drawing/2014/main" id="{CB358EC5-35CB-D830-6BC0-32EE625706C4}"/>
+              </a:ext>
+            </a:extLst>
+          </p:cNvPr>
+          <p:cNvSpPr txBox="1"/>
+          <p:nvPr/>
+        </p:nvSpPr>
+        <p:spPr>
+          <a:xfrm>
+            <a:off x="1769086" y="5020056"/>
+            <a:ext cx="298480" cy="338554"/>
+          </a:xfrm>
+          <a:prstGeom prst="rect">
+            <a:avLst/>
+          </a:prstGeom>
+          <a:noFill/>
+        </p:spPr>
+        <p:txBody>
+          <a:bodyPr wrap="none" rtlCol="0">
+            <a:spAutoFit/>
+          </a:bodyPr>
+          <a:lstStyle/>
+          <a:p>
+            <a:r>
+              <a:rPr lang="fr-FR" sz="1600" dirty="0"/>
+              <a:t>o</a:t>
+            </a:r>
+          </a:p>
+        </p:txBody>
+      </p:sp>
+      <p:sp>
+        <p:nvSpPr>
+          <p:cNvPr id="16" name="ZoneTexte 15">
+            <a:extLst>
+              <a:ext uri="{FF2B5EF4-FFF2-40B4-BE49-F238E27FC236}">
+                <a16:creationId xmlns:a16="http://schemas.microsoft.com/office/drawing/2014/main" id="{87FA6C1F-7B27-21DF-C9CE-3AABC1C908E3}"/>
+              </a:ext>
+            </a:extLst>
+          </p:cNvPr>
+          <p:cNvSpPr txBox="1"/>
+          <p:nvPr/>
+        </p:nvSpPr>
+        <p:spPr>
+          <a:xfrm>
+            <a:off x="2640035" y="4520724"/>
+            <a:ext cx="300082" cy="338554"/>
+          </a:xfrm>
+          <a:prstGeom prst="rect">
+            <a:avLst/>
+          </a:prstGeom>
+          <a:noFill/>
+        </p:spPr>
+        <p:txBody>
+          <a:bodyPr wrap="none" rtlCol="0">
+            <a:spAutoFit/>
+          </a:bodyPr>
+          <a:lstStyle/>
+          <a:p>
+            <a:r>
+              <a:rPr lang="fr-FR" sz="1600" dirty="0"/>
+              <a:t>d</a:t>
+            </a:r>
+          </a:p>
+        </p:txBody>
+      </p:sp>
+      <p:sp>
+        <p:nvSpPr>
+          <p:cNvPr id="17" name="ZoneTexte 16">
+            <a:extLst>
+              <a:ext uri="{FF2B5EF4-FFF2-40B4-BE49-F238E27FC236}">
+                <a16:creationId xmlns:a16="http://schemas.microsoft.com/office/drawing/2014/main" id="{9F94AA0E-8302-FC34-ED6E-EA22D526AAF2}"/>
+              </a:ext>
+            </a:extLst>
+          </p:cNvPr>
+          <p:cNvSpPr txBox="1"/>
+          <p:nvPr/>
+        </p:nvSpPr>
+        <p:spPr>
+          <a:xfrm>
+            <a:off x="4111985" y="2990006"/>
+            <a:ext cx="303288" cy="338554"/>
+          </a:xfrm>
+          <a:prstGeom prst="rect">
+            <a:avLst/>
+          </a:prstGeom>
+          <a:noFill/>
+        </p:spPr>
+        <p:txBody>
+          <a:bodyPr wrap="none" rtlCol="0">
+            <a:spAutoFit/>
+          </a:bodyPr>
+          <a:lstStyle/>
+          <a:p>
+            <a:r>
+              <a:rPr lang="fr-FR" sz="1600" dirty="0"/>
+              <a:t>P</a:t>
+            </a:r>
+          </a:p>
+        </p:txBody>
+      </p:sp>
+      <p:cxnSp>
+        <p:nvCxnSpPr>
+          <p:cNvPr id="18" name="Connecteur droit avec flèche 17">
+            <a:extLst>
+              <a:ext uri="{FF2B5EF4-FFF2-40B4-BE49-F238E27FC236}">
+                <a16:creationId xmlns:a16="http://schemas.microsoft.com/office/drawing/2014/main" id="{1C1BEC0A-F691-923F-A67C-B2004148E630}"/>
+              </a:ext>
+            </a:extLst>
+          </p:cNvPr>
+          <p:cNvCxnSpPr>
+            <a:cxnSpLocks/>
+          </p:cNvCxnSpPr>
+          <p:nvPr/>
+        </p:nvCxnSpPr>
+        <p:spPr>
+          <a:xfrm>
+            <a:off x="3766781" y="2020949"/>
+            <a:ext cx="262178" cy="1023452"/>
+          </a:xfrm>
+          <a:prstGeom prst="straightConnector1">
+            <a:avLst/>
+          </a:prstGeom>
+          <a:ln w="50800">
+            <a:solidFill>
+              <a:schemeClr val="accent5">
+                <a:lumMod val="60000"/>
+                <a:lumOff val="40000"/>
+              </a:schemeClr>
+            </a:solidFill>
+            <a:prstDash val="sysDot"/>
+            <a:tailEnd type="triangle"/>
+          </a:ln>
+        </p:spPr>
+        <p:style>
+          <a:lnRef idx="2">
+            <a:schemeClr val="accent1"/>
+          </a:lnRef>
+          <a:fillRef idx="0">
+            <a:schemeClr val="accent1"/>
+          </a:fillRef>
+          <a:effectRef idx="1">
+            <a:schemeClr val="accent1"/>
+          </a:effectRef>
+          <a:fontRef idx="minor">
+            <a:schemeClr val="tx1"/>
+          </a:fontRef>
+        </p:style>
+      </p:cxnSp>
+      <p:sp>
+        <p:nvSpPr>
+          <p:cNvPr id="20" name="ZoneTexte 19">
+            <a:extLst>
+              <a:ext uri="{FF2B5EF4-FFF2-40B4-BE49-F238E27FC236}">
+                <a16:creationId xmlns:a16="http://schemas.microsoft.com/office/drawing/2014/main" id="{D24E6C95-9A8F-1ECC-617F-9938D0431396}"/>
+              </a:ext>
+            </a:extLst>
+          </p:cNvPr>
+          <p:cNvSpPr txBox="1"/>
+          <p:nvPr/>
+        </p:nvSpPr>
+        <p:spPr>
+          <a:xfrm>
+            <a:off x="3568598" y="2423574"/>
+            <a:ext cx="253596" cy="338554"/>
+          </a:xfrm>
+          <a:prstGeom prst="rect">
+            <a:avLst/>
+          </a:prstGeom>
+          <a:noFill/>
+        </p:spPr>
+        <p:txBody>
+          <a:bodyPr wrap="none" rtlCol="0">
+            <a:spAutoFit/>
+          </a:bodyPr>
+          <a:lstStyle/>
+          <a:p>
+            <a:r>
+              <a:rPr lang="fr-FR" sz="1600" dirty="0"/>
+              <a:t>r</a:t>
+            </a:r>
+          </a:p>
+        </p:txBody>
+      </p:sp>
+      <p:cxnSp>
+        <p:nvCxnSpPr>
+          <p:cNvPr id="22" name="Connecteur droit avec flèche 21">
+            <a:extLst>
+              <a:ext uri="{FF2B5EF4-FFF2-40B4-BE49-F238E27FC236}">
+                <a16:creationId xmlns:a16="http://schemas.microsoft.com/office/drawing/2014/main" id="{E350C49A-AFD3-F09B-D0D0-A43ADC6F79FA}"/>
+              </a:ext>
+            </a:extLst>
+          </p:cNvPr>
+          <p:cNvCxnSpPr>
+            <a:cxnSpLocks/>
+          </p:cNvCxnSpPr>
+          <p:nvPr/>
+        </p:nvCxnSpPr>
+        <p:spPr>
+          <a:xfrm>
+            <a:off x="4028959" y="3113657"/>
+            <a:ext cx="290064" cy="1146783"/>
+          </a:xfrm>
+          <a:prstGeom prst="straightConnector1">
+            <a:avLst/>
+          </a:prstGeom>
+          <a:ln w="50800">
+            <a:solidFill>
+              <a:schemeClr val="accent4">
+                <a:lumMod val="40000"/>
+                <a:lumOff val="60000"/>
+              </a:schemeClr>
+            </a:solidFill>
+            <a:tailEnd type="triangle"/>
+          </a:ln>
+        </p:spPr>
+        <p:style>
+          <a:lnRef idx="2">
+            <a:schemeClr val="accent1"/>
+          </a:lnRef>
+          <a:fillRef idx="0">
+            <a:schemeClr val="accent1"/>
+          </a:fillRef>
+          <a:effectRef idx="1">
+            <a:schemeClr val="accent1"/>
+          </a:effectRef>
+          <a:fontRef idx="minor">
+            <a:schemeClr val="tx1"/>
+          </a:fontRef>
+        </p:style>
+      </p:cxnSp>
+      <p:cxnSp>
+        <p:nvCxnSpPr>
+          <p:cNvPr id="9" name="Connecteur droit avec flèche 8">
+            <a:extLst>
+              <a:ext uri="{FF2B5EF4-FFF2-40B4-BE49-F238E27FC236}">
+                <a16:creationId xmlns:a16="http://schemas.microsoft.com/office/drawing/2014/main" id="{06F0A9DB-CFFC-1FF3-EDE8-E0007C6721EB}"/>
+              </a:ext>
+            </a:extLst>
+          </p:cNvPr>
+          <p:cNvCxnSpPr>
+            <a:cxnSpLocks/>
+            <a:stCxn id="17" idx="1"/>
+          </p:cNvCxnSpPr>
+          <p:nvPr/>
+        </p:nvCxnSpPr>
+        <p:spPr>
+          <a:xfrm>
+            <a:off x="4111985" y="3159283"/>
+            <a:ext cx="2970603" cy="681197"/>
+          </a:xfrm>
+          <a:prstGeom prst="straightConnector1">
+            <a:avLst/>
+          </a:prstGeom>
+          <a:ln w="50800">
+            <a:solidFill>
+              <a:srgbClr val="FF0000"/>
+            </a:solidFill>
+            <a:tailEnd type="triangle"/>
+          </a:ln>
+        </p:spPr>
+        <p:style>
+          <a:lnRef idx="2">
+            <a:schemeClr val="accent1"/>
+          </a:lnRef>
+          <a:fillRef idx="0">
+            <a:schemeClr val="accent1"/>
+          </a:fillRef>
+          <a:effectRef idx="1">
+            <a:schemeClr val="accent1"/>
+          </a:effectRef>
+          <a:fontRef idx="minor">
+            <a:schemeClr val="tx1"/>
+          </a:fontRef>
+        </p:style>
+      </p:cxnSp>
+      <p:sp>
+        <p:nvSpPr>
+          <p:cNvPr id="15" name="ZoneTexte 14">
+            <a:extLst>
+              <a:ext uri="{FF2B5EF4-FFF2-40B4-BE49-F238E27FC236}">
+                <a16:creationId xmlns:a16="http://schemas.microsoft.com/office/drawing/2014/main" id="{5C746E4E-1C81-A036-F01F-1F632C7550E8}"/>
+              </a:ext>
+            </a:extLst>
+          </p:cNvPr>
+          <p:cNvSpPr txBox="1"/>
+          <p:nvPr/>
+        </p:nvSpPr>
+        <p:spPr>
+          <a:xfrm>
+            <a:off x="7058206" y="3821697"/>
+            <a:ext cx="253596" cy="338554"/>
+          </a:xfrm>
+          <a:prstGeom prst="rect">
+            <a:avLst/>
+          </a:prstGeom>
+          <a:noFill/>
+        </p:spPr>
+        <p:txBody>
+          <a:bodyPr wrap="none" rtlCol="0">
+            <a:spAutoFit/>
+          </a:bodyPr>
+          <a:lstStyle/>
+          <a:p>
+            <a:r>
+              <a:rPr lang="fr-FR" sz="1600" dirty="0"/>
+              <a:t>r</a:t>
+            </a:r>
+          </a:p>
+        </p:txBody>
+      </p:sp>
+      <p:sp>
+        <p:nvSpPr>
+          <p:cNvPr id="19" name="Ellipse 18">
+            <a:extLst>
+              <a:ext uri="{FF2B5EF4-FFF2-40B4-BE49-F238E27FC236}">
+                <a16:creationId xmlns:a16="http://schemas.microsoft.com/office/drawing/2014/main" id="{415B3977-F7F4-5084-3583-E7177044925D}"/>
+              </a:ext>
+            </a:extLst>
+          </p:cNvPr>
+          <p:cNvSpPr/>
+          <p:nvPr/>
+        </p:nvSpPr>
+        <p:spPr>
+          <a:xfrm>
+            <a:off x="7110412" y="3730257"/>
+            <a:ext cx="201168" cy="182880"/>
+          </a:xfrm>
+          <a:prstGeom prst="ellipse">
+            <a:avLst/>
+          </a:prstGeom>
+        </p:spPr>
+        <p:style>
+          <a:lnRef idx="2">
+            <a:schemeClr val="accent1">
+              <a:shade val="15000"/>
+            </a:schemeClr>
+          </a:lnRef>
+          <a:fillRef idx="1">
+            <a:schemeClr val="accent1"/>
+          </a:fillRef>
+          <a:effectRef idx="0">
+            <a:schemeClr val="accent1"/>
+          </a:effectRef>
+          <a:fontRef idx="minor">
+            <a:schemeClr val="lt1"/>
+          </a:fontRef>
+        </p:style>
+        <p:txBody>
+          <a:bodyPr rtlCol="0" anchor="ctr"/>
+          <a:lstStyle/>
+          <a:p>
+            <a:pPr algn="ctr"/>
+            <a:endParaRPr lang="fr-FR"/>
           </a:p>
         </p:txBody>
       </p:sp>
     </p:spTree>
     <p:extLst>
       <p:ext uri="{BB962C8B-B14F-4D97-AF65-F5344CB8AC3E}">
-        <p14:creationId xmlns:p14="http://schemas.microsoft.com/office/powerpoint/2010/main" val="4111318906"/>
+        <p14:creationId xmlns:p14="http://schemas.microsoft.com/office/powerpoint/2010/main" val="257922647"/>
+      </p:ext>
+    </p:extLst>
+  </p:cSld>
+  <p:clrMapOvr>
+    <a:masterClrMapping/>
+  </p:clrMapOvr>
+</p:sld>
+</file>
+
+<file path=ppt/slides/slide14.xml><?xml version="1.0" encoding="utf-8"?>
+<p:sld xmlns:a="http://schemas.openxmlformats.org/drawingml/2006/main" xmlns:r="http://schemas.openxmlformats.org/officeDocument/2006/relationships" xmlns:p="http://schemas.openxmlformats.org/presentationml/2006/main">
+  <p:cSld>
+    <p:spTree>
+      <p:nvGrpSpPr>
+        <p:cNvPr id="1" name="">
+          <a:extLst>
+            <a:ext uri="{FF2B5EF4-FFF2-40B4-BE49-F238E27FC236}">
+              <a16:creationId xmlns:a16="http://schemas.microsoft.com/office/drawing/2014/main" id="{3A3D18B6-C210-BA38-3BC5-C29F439FD8C9}"/>
+            </a:ext>
+          </a:extLst>
+        </p:cNvPr>
+        <p:cNvGrpSpPr/>
+        <p:nvPr/>
+      </p:nvGrpSpPr>
+      <p:grpSpPr>
+        <a:xfrm>
+          <a:off x="0" y="0"/>
+          <a:ext cx="0" cy="0"/>
+          <a:chOff x="0" y="0"/>
+          <a:chExt cx="0" cy="0"/>
+        </a:xfrm>
+      </p:grpSpPr>
+      <p:cxnSp>
+        <p:nvCxnSpPr>
+          <p:cNvPr id="2" name="Connecteur droit avec flèche 1">
+            <a:extLst>
+              <a:ext uri="{FF2B5EF4-FFF2-40B4-BE49-F238E27FC236}">
+                <a16:creationId xmlns:a16="http://schemas.microsoft.com/office/drawing/2014/main" id="{6003B00A-4667-BE72-77BD-6AA710D5805C}"/>
+              </a:ext>
+            </a:extLst>
+          </p:cNvPr>
+          <p:cNvCxnSpPr>
+            <a:cxnSpLocks/>
+            <a:stCxn id="3" idx="7"/>
+          </p:cNvCxnSpPr>
+          <p:nvPr/>
+        </p:nvCxnSpPr>
+        <p:spPr>
+          <a:xfrm flipV="1">
+            <a:off x="2094998" y="3117991"/>
+            <a:ext cx="1933961" cy="1745967"/>
+          </a:xfrm>
+          <a:prstGeom prst="straightConnector1">
+            <a:avLst/>
+          </a:prstGeom>
+          <a:ln w="50800">
+            <a:solidFill>
+              <a:srgbClr val="FF0000"/>
+            </a:solidFill>
+            <a:tailEnd type="triangle"/>
+          </a:ln>
+        </p:spPr>
+        <p:style>
+          <a:lnRef idx="2">
+            <a:schemeClr val="accent1"/>
+          </a:lnRef>
+          <a:fillRef idx="0">
+            <a:schemeClr val="accent1"/>
+          </a:fillRef>
+          <a:effectRef idx="1">
+            <a:schemeClr val="accent1"/>
+          </a:effectRef>
+          <a:fontRef idx="minor">
+            <a:schemeClr val="tx1"/>
+          </a:fontRef>
+        </p:style>
+      </p:cxnSp>
+      <p:sp>
+        <p:nvSpPr>
+          <p:cNvPr id="3" name="Ellipse 2">
+            <a:extLst>
+              <a:ext uri="{FF2B5EF4-FFF2-40B4-BE49-F238E27FC236}">
+                <a16:creationId xmlns:a16="http://schemas.microsoft.com/office/drawing/2014/main" id="{BD3E9D4C-7632-ADCB-9C43-92E32AA1A8AB}"/>
+              </a:ext>
+            </a:extLst>
+          </p:cNvPr>
+          <p:cNvSpPr/>
+          <p:nvPr/>
+        </p:nvSpPr>
+        <p:spPr>
+          <a:xfrm>
+            <a:off x="1923290" y="4837176"/>
+            <a:ext cx="201168" cy="182880"/>
+          </a:xfrm>
+          <a:prstGeom prst="ellipse">
+            <a:avLst/>
+          </a:prstGeom>
+        </p:spPr>
+        <p:style>
+          <a:lnRef idx="2">
+            <a:schemeClr val="accent1">
+              <a:shade val="15000"/>
+            </a:schemeClr>
+          </a:lnRef>
+          <a:fillRef idx="1">
+            <a:schemeClr val="accent1"/>
+          </a:fillRef>
+          <a:effectRef idx="0">
+            <a:schemeClr val="accent1"/>
+          </a:effectRef>
+          <a:fontRef idx="minor">
+            <a:schemeClr val="lt1"/>
+          </a:fontRef>
+        </p:style>
+        <p:txBody>
+          <a:bodyPr rtlCol="0" anchor="ctr"/>
+          <a:lstStyle/>
+          <a:p>
+            <a:pPr algn="ctr"/>
+            <a:endParaRPr lang="fr-FR"/>
+          </a:p>
+        </p:txBody>
+      </p:sp>
+      <p:sp>
+        <p:nvSpPr>
+          <p:cNvPr id="4" name="Ellipse 3">
+            <a:extLst>
+              <a:ext uri="{FF2B5EF4-FFF2-40B4-BE49-F238E27FC236}">
+                <a16:creationId xmlns:a16="http://schemas.microsoft.com/office/drawing/2014/main" id="{7BE2FA7D-DA34-F17C-1640-4BD2C4F55657}"/>
+              </a:ext>
+            </a:extLst>
+          </p:cNvPr>
+          <p:cNvSpPr/>
+          <p:nvPr/>
+        </p:nvSpPr>
+        <p:spPr>
+          <a:xfrm>
+            <a:off x="2385062" y="676656"/>
+            <a:ext cx="2569464" cy="2450592"/>
+          </a:xfrm>
+          <a:prstGeom prst="ellipse">
+            <a:avLst/>
+          </a:prstGeom>
+        </p:spPr>
+        <p:style>
+          <a:lnRef idx="2">
+            <a:schemeClr val="accent1">
+              <a:shade val="15000"/>
+            </a:schemeClr>
+          </a:lnRef>
+          <a:fillRef idx="1">
+            <a:schemeClr val="accent1"/>
+          </a:fillRef>
+          <a:effectRef idx="0">
+            <a:schemeClr val="accent1"/>
+          </a:effectRef>
+          <a:fontRef idx="minor">
+            <a:schemeClr val="lt1"/>
+          </a:fontRef>
+        </p:style>
+        <p:txBody>
+          <a:bodyPr rtlCol="0" anchor="ctr"/>
+          <a:lstStyle/>
+          <a:p>
+            <a:pPr algn="ctr"/>
+            <a:endParaRPr lang="fr-FR"/>
+          </a:p>
+        </p:txBody>
+      </p:sp>
+      <p:sp>
+        <p:nvSpPr>
+          <p:cNvPr id="5" name="Ellipse 4">
+            <a:extLst>
+              <a:ext uri="{FF2B5EF4-FFF2-40B4-BE49-F238E27FC236}">
+                <a16:creationId xmlns:a16="http://schemas.microsoft.com/office/drawing/2014/main" id="{DD957CE0-AC3A-3BB1-6C40-3A0708C8D3FA}"/>
+              </a:ext>
+            </a:extLst>
+          </p:cNvPr>
+          <p:cNvSpPr/>
+          <p:nvPr/>
+        </p:nvSpPr>
+        <p:spPr>
+          <a:xfrm>
+            <a:off x="3532634" y="1769364"/>
+            <a:ext cx="274320" cy="265176"/>
+          </a:xfrm>
+          <a:prstGeom prst="ellipse">
+            <a:avLst/>
+          </a:prstGeom>
+          <a:solidFill>
+            <a:schemeClr val="tx1"/>
+          </a:solidFill>
+        </p:spPr>
+        <p:style>
+          <a:lnRef idx="2">
+            <a:schemeClr val="accent1">
+              <a:shade val="15000"/>
+            </a:schemeClr>
+          </a:lnRef>
+          <a:fillRef idx="1">
+            <a:schemeClr val="accent1"/>
+          </a:fillRef>
+          <a:effectRef idx="0">
+            <a:schemeClr val="accent1"/>
+          </a:effectRef>
+          <a:fontRef idx="minor">
+            <a:schemeClr val="lt1"/>
+          </a:fontRef>
+        </p:style>
+        <p:txBody>
+          <a:bodyPr rtlCol="0" anchor="ctr"/>
+          <a:lstStyle/>
+          <a:p>
+            <a:pPr algn="ctr"/>
+            <a:endParaRPr lang="fr-FR"/>
+          </a:p>
+        </p:txBody>
+      </p:sp>
+      <p:sp>
+        <p:nvSpPr>
+          <p:cNvPr id="6" name="ZoneTexte 5">
+            <a:extLst>
+              <a:ext uri="{FF2B5EF4-FFF2-40B4-BE49-F238E27FC236}">
+                <a16:creationId xmlns:a16="http://schemas.microsoft.com/office/drawing/2014/main" id="{5563B06B-44DD-C4CE-9770-7E4ABF6EB86B}"/>
+              </a:ext>
+            </a:extLst>
+          </p:cNvPr>
+          <p:cNvSpPr txBox="1"/>
+          <p:nvPr/>
+        </p:nvSpPr>
+        <p:spPr>
+          <a:xfrm>
+            <a:off x="2912114" y="1138423"/>
+            <a:ext cx="253596" cy="338554"/>
+          </a:xfrm>
+          <a:prstGeom prst="rect">
+            <a:avLst/>
+          </a:prstGeom>
+          <a:noFill/>
+        </p:spPr>
+        <p:txBody>
+          <a:bodyPr wrap="none" rtlCol="0">
+            <a:spAutoFit/>
+          </a:bodyPr>
+          <a:lstStyle/>
+          <a:p>
+            <a:r>
+              <a:rPr lang="fr-FR" sz="1600" dirty="0"/>
+              <a:t>r</a:t>
+            </a:r>
+          </a:p>
+        </p:txBody>
+      </p:sp>
+      <p:cxnSp>
+        <p:nvCxnSpPr>
+          <p:cNvPr id="7" name="Connecteur droit avec flèche 6">
+            <a:extLst>
+              <a:ext uri="{FF2B5EF4-FFF2-40B4-BE49-F238E27FC236}">
+                <a16:creationId xmlns:a16="http://schemas.microsoft.com/office/drawing/2014/main" id="{52A2E5ED-B887-C853-5609-7F0B3DC9ED5E}"/>
+              </a:ext>
+            </a:extLst>
+          </p:cNvPr>
+          <p:cNvCxnSpPr>
+            <a:cxnSpLocks/>
+          </p:cNvCxnSpPr>
+          <p:nvPr/>
+        </p:nvCxnSpPr>
+        <p:spPr>
+          <a:xfrm flipH="1" flipV="1">
+            <a:off x="2700530" y="1184589"/>
+            <a:ext cx="969264" cy="717363"/>
+          </a:xfrm>
+          <a:prstGeom prst="straightConnector1">
+            <a:avLst/>
+          </a:prstGeom>
+          <a:ln w="50800">
+            <a:solidFill>
+              <a:schemeClr val="accent4">
+                <a:lumMod val="40000"/>
+                <a:lumOff val="60000"/>
+              </a:schemeClr>
+            </a:solidFill>
+            <a:tailEnd type="triangle"/>
+          </a:ln>
+        </p:spPr>
+        <p:style>
+          <a:lnRef idx="2">
+            <a:schemeClr val="accent1"/>
+          </a:lnRef>
+          <a:fillRef idx="0">
+            <a:schemeClr val="accent1"/>
+          </a:fillRef>
+          <a:effectRef idx="1">
+            <a:schemeClr val="accent1"/>
+          </a:effectRef>
+          <a:fontRef idx="minor">
+            <a:schemeClr val="tx1"/>
+          </a:fontRef>
+        </p:style>
+      </p:cxnSp>
+      <p:sp>
+        <p:nvSpPr>
+          <p:cNvPr id="8" name="ZoneTexte 7">
+            <a:extLst>
+              <a:ext uri="{FF2B5EF4-FFF2-40B4-BE49-F238E27FC236}">
+                <a16:creationId xmlns:a16="http://schemas.microsoft.com/office/drawing/2014/main" id="{958358D3-449B-14F4-A2A7-C785A1D0DB08}"/>
+              </a:ext>
+            </a:extLst>
+          </p:cNvPr>
+          <p:cNvSpPr txBox="1"/>
+          <p:nvPr/>
+        </p:nvSpPr>
+        <p:spPr>
+          <a:xfrm>
+            <a:off x="3822194" y="1682395"/>
+            <a:ext cx="684290" cy="338554"/>
+          </a:xfrm>
+          <a:prstGeom prst="rect">
+            <a:avLst/>
+          </a:prstGeom>
+          <a:noFill/>
+        </p:spPr>
+        <p:txBody>
+          <a:bodyPr wrap="none" rtlCol="0">
+            <a:spAutoFit/>
+          </a:bodyPr>
+          <a:lstStyle/>
+          <a:p>
+            <a:r>
+              <a:rPr lang="fr-FR" sz="1600" dirty="0"/>
+              <a:t>c (</a:t>
+            </a:r>
+            <a:r>
+              <a:rPr lang="fr-FR" sz="1600" dirty="0" err="1"/>
+              <a:t>x,y</a:t>
+            </a:r>
+            <a:r>
+              <a:rPr lang="fr-FR" sz="1600" dirty="0"/>
+              <a:t>)</a:t>
+            </a:r>
+          </a:p>
+        </p:txBody>
+      </p:sp>
+      <p:sp>
+        <p:nvSpPr>
+          <p:cNvPr id="14" name="ZoneTexte 13">
+            <a:extLst>
+              <a:ext uri="{FF2B5EF4-FFF2-40B4-BE49-F238E27FC236}">
+                <a16:creationId xmlns:a16="http://schemas.microsoft.com/office/drawing/2014/main" id="{16981C9D-C087-663D-F7D7-97EAC60C044B}"/>
+              </a:ext>
+            </a:extLst>
+          </p:cNvPr>
+          <p:cNvSpPr txBox="1"/>
+          <p:nvPr/>
+        </p:nvSpPr>
+        <p:spPr>
+          <a:xfrm>
+            <a:off x="1769086" y="5020056"/>
+            <a:ext cx="298480" cy="338554"/>
+          </a:xfrm>
+          <a:prstGeom prst="rect">
+            <a:avLst/>
+          </a:prstGeom>
+          <a:noFill/>
+        </p:spPr>
+        <p:txBody>
+          <a:bodyPr wrap="none" rtlCol="0">
+            <a:spAutoFit/>
+          </a:bodyPr>
+          <a:lstStyle/>
+          <a:p>
+            <a:r>
+              <a:rPr lang="fr-FR" sz="1600" dirty="0"/>
+              <a:t>o</a:t>
+            </a:r>
+          </a:p>
+        </p:txBody>
+      </p:sp>
+      <p:sp>
+        <p:nvSpPr>
+          <p:cNvPr id="16" name="ZoneTexte 15">
+            <a:extLst>
+              <a:ext uri="{FF2B5EF4-FFF2-40B4-BE49-F238E27FC236}">
+                <a16:creationId xmlns:a16="http://schemas.microsoft.com/office/drawing/2014/main" id="{0AA1331B-5F2D-61B2-C08B-555261D2A4F8}"/>
+              </a:ext>
+            </a:extLst>
+          </p:cNvPr>
+          <p:cNvSpPr txBox="1"/>
+          <p:nvPr/>
+        </p:nvSpPr>
+        <p:spPr>
+          <a:xfrm>
+            <a:off x="2640035" y="4520724"/>
+            <a:ext cx="300082" cy="338554"/>
+          </a:xfrm>
+          <a:prstGeom prst="rect">
+            <a:avLst/>
+          </a:prstGeom>
+          <a:noFill/>
+        </p:spPr>
+        <p:txBody>
+          <a:bodyPr wrap="none" rtlCol="0">
+            <a:spAutoFit/>
+          </a:bodyPr>
+          <a:lstStyle/>
+          <a:p>
+            <a:r>
+              <a:rPr lang="fr-FR" sz="1600" dirty="0"/>
+              <a:t>d</a:t>
+            </a:r>
+          </a:p>
+        </p:txBody>
+      </p:sp>
+      <p:sp>
+        <p:nvSpPr>
+          <p:cNvPr id="17" name="ZoneTexte 16">
+            <a:extLst>
+              <a:ext uri="{FF2B5EF4-FFF2-40B4-BE49-F238E27FC236}">
+                <a16:creationId xmlns:a16="http://schemas.microsoft.com/office/drawing/2014/main" id="{069828CB-348D-8B90-F260-BFEF1B7237A9}"/>
+              </a:ext>
+            </a:extLst>
+          </p:cNvPr>
+          <p:cNvSpPr txBox="1"/>
+          <p:nvPr/>
+        </p:nvSpPr>
+        <p:spPr>
+          <a:xfrm>
+            <a:off x="4111985" y="2990006"/>
+            <a:ext cx="303288" cy="338554"/>
+          </a:xfrm>
+          <a:prstGeom prst="rect">
+            <a:avLst/>
+          </a:prstGeom>
+          <a:noFill/>
+        </p:spPr>
+        <p:txBody>
+          <a:bodyPr wrap="none" rtlCol="0">
+            <a:spAutoFit/>
+          </a:bodyPr>
+          <a:lstStyle/>
+          <a:p>
+            <a:r>
+              <a:rPr lang="fr-FR" sz="1600" dirty="0"/>
+              <a:t>P</a:t>
+            </a:r>
+          </a:p>
+        </p:txBody>
+      </p:sp>
+      <p:cxnSp>
+        <p:nvCxnSpPr>
+          <p:cNvPr id="18" name="Connecteur droit avec flèche 17">
+            <a:extLst>
+              <a:ext uri="{FF2B5EF4-FFF2-40B4-BE49-F238E27FC236}">
+                <a16:creationId xmlns:a16="http://schemas.microsoft.com/office/drawing/2014/main" id="{D7762601-5087-4820-361C-159F68CAF5DA}"/>
+              </a:ext>
+            </a:extLst>
+          </p:cNvPr>
+          <p:cNvCxnSpPr>
+            <a:cxnSpLocks/>
+          </p:cNvCxnSpPr>
+          <p:nvPr/>
+        </p:nvCxnSpPr>
+        <p:spPr>
+          <a:xfrm>
+            <a:off x="3766781" y="2020949"/>
+            <a:ext cx="262178" cy="1023452"/>
+          </a:xfrm>
+          <a:prstGeom prst="straightConnector1">
+            <a:avLst/>
+          </a:prstGeom>
+          <a:ln w="50800">
+            <a:solidFill>
+              <a:schemeClr val="accent5">
+                <a:lumMod val="60000"/>
+                <a:lumOff val="40000"/>
+              </a:schemeClr>
+            </a:solidFill>
+            <a:prstDash val="sysDot"/>
+            <a:tailEnd type="triangle"/>
+          </a:ln>
+        </p:spPr>
+        <p:style>
+          <a:lnRef idx="2">
+            <a:schemeClr val="accent1"/>
+          </a:lnRef>
+          <a:fillRef idx="0">
+            <a:schemeClr val="accent1"/>
+          </a:fillRef>
+          <a:effectRef idx="1">
+            <a:schemeClr val="accent1"/>
+          </a:effectRef>
+          <a:fontRef idx="minor">
+            <a:schemeClr val="tx1"/>
+          </a:fontRef>
+        </p:style>
+      </p:cxnSp>
+      <p:sp>
+        <p:nvSpPr>
+          <p:cNvPr id="20" name="ZoneTexte 19">
+            <a:extLst>
+              <a:ext uri="{FF2B5EF4-FFF2-40B4-BE49-F238E27FC236}">
+                <a16:creationId xmlns:a16="http://schemas.microsoft.com/office/drawing/2014/main" id="{685D84C7-D707-08E3-2697-81DC8111401E}"/>
+              </a:ext>
+            </a:extLst>
+          </p:cNvPr>
+          <p:cNvSpPr txBox="1"/>
+          <p:nvPr/>
+        </p:nvSpPr>
+        <p:spPr>
+          <a:xfrm>
+            <a:off x="3568598" y="2423574"/>
+            <a:ext cx="253596" cy="338554"/>
+          </a:xfrm>
+          <a:prstGeom prst="rect">
+            <a:avLst/>
+          </a:prstGeom>
+          <a:noFill/>
+        </p:spPr>
+        <p:txBody>
+          <a:bodyPr wrap="none" rtlCol="0">
+            <a:spAutoFit/>
+          </a:bodyPr>
+          <a:lstStyle/>
+          <a:p>
+            <a:r>
+              <a:rPr lang="fr-FR" sz="1600" dirty="0"/>
+              <a:t>r</a:t>
+            </a:r>
+          </a:p>
+        </p:txBody>
+      </p:sp>
+      <p:cxnSp>
+        <p:nvCxnSpPr>
+          <p:cNvPr id="22" name="Connecteur droit avec flèche 21">
+            <a:extLst>
+              <a:ext uri="{FF2B5EF4-FFF2-40B4-BE49-F238E27FC236}">
+                <a16:creationId xmlns:a16="http://schemas.microsoft.com/office/drawing/2014/main" id="{F4905F70-5E5C-A9A6-020B-2CF53099DD72}"/>
+              </a:ext>
+            </a:extLst>
+          </p:cNvPr>
+          <p:cNvCxnSpPr>
+            <a:cxnSpLocks/>
+          </p:cNvCxnSpPr>
+          <p:nvPr/>
+        </p:nvCxnSpPr>
+        <p:spPr>
+          <a:xfrm>
+            <a:off x="4028959" y="3113657"/>
+            <a:ext cx="290064" cy="1146783"/>
+          </a:xfrm>
+          <a:prstGeom prst="straightConnector1">
+            <a:avLst/>
+          </a:prstGeom>
+          <a:ln w="50800">
+            <a:solidFill>
+              <a:schemeClr val="accent4">
+                <a:lumMod val="40000"/>
+                <a:lumOff val="60000"/>
+              </a:schemeClr>
+            </a:solidFill>
+            <a:tailEnd type="triangle"/>
+          </a:ln>
+        </p:spPr>
+        <p:style>
+          <a:lnRef idx="2">
+            <a:schemeClr val="accent1"/>
+          </a:lnRef>
+          <a:fillRef idx="0">
+            <a:schemeClr val="accent1"/>
+          </a:fillRef>
+          <a:effectRef idx="1">
+            <a:schemeClr val="accent1"/>
+          </a:effectRef>
+          <a:fontRef idx="minor">
+            <a:schemeClr val="tx1"/>
+          </a:fontRef>
+        </p:style>
+      </p:cxnSp>
+      <p:cxnSp>
+        <p:nvCxnSpPr>
+          <p:cNvPr id="9" name="Connecteur droit avec flèche 8">
+            <a:extLst>
+              <a:ext uri="{FF2B5EF4-FFF2-40B4-BE49-F238E27FC236}">
+                <a16:creationId xmlns:a16="http://schemas.microsoft.com/office/drawing/2014/main" id="{20F4CA8A-2060-EA28-70C0-D65BD41E7DE8}"/>
+              </a:ext>
+            </a:extLst>
+          </p:cNvPr>
+          <p:cNvCxnSpPr>
+            <a:cxnSpLocks/>
+            <a:stCxn id="17" idx="1"/>
+          </p:cNvCxnSpPr>
+          <p:nvPr/>
+        </p:nvCxnSpPr>
+        <p:spPr>
+          <a:xfrm>
+            <a:off x="4111985" y="3159283"/>
+            <a:ext cx="2970603" cy="681197"/>
+          </a:xfrm>
+          <a:prstGeom prst="straightConnector1">
+            <a:avLst/>
+          </a:prstGeom>
+          <a:ln w="50800">
+            <a:solidFill>
+              <a:srgbClr val="FF0000"/>
+            </a:solidFill>
+            <a:tailEnd type="triangle"/>
+          </a:ln>
+        </p:spPr>
+        <p:style>
+          <a:lnRef idx="2">
+            <a:schemeClr val="accent1"/>
+          </a:lnRef>
+          <a:fillRef idx="0">
+            <a:schemeClr val="accent1"/>
+          </a:fillRef>
+          <a:effectRef idx="1">
+            <a:schemeClr val="accent1"/>
+          </a:effectRef>
+          <a:fontRef idx="minor">
+            <a:schemeClr val="tx1"/>
+          </a:fontRef>
+        </p:style>
+      </p:cxnSp>
+      <p:cxnSp>
+        <p:nvCxnSpPr>
+          <p:cNvPr id="10" name="Connecteur droit avec flèche 9">
+            <a:extLst>
+              <a:ext uri="{FF2B5EF4-FFF2-40B4-BE49-F238E27FC236}">
+                <a16:creationId xmlns:a16="http://schemas.microsoft.com/office/drawing/2014/main" id="{BA4755B0-5F69-94B2-F203-91101ABC5950}"/>
+              </a:ext>
+            </a:extLst>
+          </p:cNvPr>
+          <p:cNvCxnSpPr>
+            <a:cxnSpLocks/>
+          </p:cNvCxnSpPr>
+          <p:nvPr/>
+        </p:nvCxnSpPr>
+        <p:spPr>
+          <a:xfrm flipH="1" flipV="1">
+            <a:off x="4035004" y="3081529"/>
+            <a:ext cx="380269" cy="1527047"/>
+          </a:xfrm>
+          <a:prstGeom prst="straightConnector1">
+            <a:avLst/>
+          </a:prstGeom>
+          <a:ln w="50800">
+            <a:solidFill>
+              <a:schemeClr val="accent6">
+                <a:lumMod val="75000"/>
+              </a:schemeClr>
+            </a:solidFill>
+            <a:prstDash val="sysDot"/>
+            <a:tailEnd type="triangle"/>
+          </a:ln>
+        </p:spPr>
+        <p:style>
+          <a:lnRef idx="2">
+            <a:schemeClr val="accent1"/>
+          </a:lnRef>
+          <a:fillRef idx="0">
+            <a:schemeClr val="accent1"/>
+          </a:fillRef>
+          <a:effectRef idx="1">
+            <a:schemeClr val="accent1"/>
+          </a:effectRef>
+          <a:fontRef idx="minor">
+            <a:schemeClr val="tx1"/>
+          </a:fontRef>
+        </p:style>
+      </p:cxnSp>
+      <p:sp>
+        <p:nvSpPr>
+          <p:cNvPr id="23" name="ZoneTexte 22">
+            <a:extLst>
+              <a:ext uri="{FF2B5EF4-FFF2-40B4-BE49-F238E27FC236}">
+                <a16:creationId xmlns:a16="http://schemas.microsoft.com/office/drawing/2014/main" id="{C3481017-1ECA-48E7-E695-CA4902E6BE4A}"/>
+              </a:ext>
+            </a:extLst>
+          </p:cNvPr>
+          <p:cNvSpPr txBox="1"/>
+          <p:nvPr/>
+        </p:nvSpPr>
+        <p:spPr>
+          <a:xfrm>
+            <a:off x="4840382" y="4091163"/>
+            <a:ext cx="2372124" cy="338554"/>
+          </a:xfrm>
+          <a:prstGeom prst="rect">
+            <a:avLst/>
+          </a:prstGeom>
+          <a:noFill/>
+        </p:spPr>
+        <p:txBody>
+          <a:bodyPr wrap="none" rtlCol="0">
+            <a:spAutoFit/>
+          </a:bodyPr>
+          <a:lstStyle/>
+          <a:p>
+            <a:r>
+              <a:rPr lang="fr-FR" sz="1600" dirty="0"/>
+              <a:t>PROJ = Project OP onto n</a:t>
+            </a:r>
+          </a:p>
+        </p:txBody>
+      </p:sp>
+      <p:sp>
+        <p:nvSpPr>
+          <p:cNvPr id="24" name="ZoneTexte 23">
+            <a:extLst>
+              <a:ext uri="{FF2B5EF4-FFF2-40B4-BE49-F238E27FC236}">
+                <a16:creationId xmlns:a16="http://schemas.microsoft.com/office/drawing/2014/main" id="{208F4E28-9B3A-3347-0C25-68C47F4613A6}"/>
+              </a:ext>
+            </a:extLst>
+          </p:cNvPr>
+          <p:cNvSpPr txBox="1"/>
+          <p:nvPr/>
+        </p:nvSpPr>
+        <p:spPr>
+          <a:xfrm>
+            <a:off x="7058206" y="3821697"/>
+            <a:ext cx="253596" cy="338554"/>
+          </a:xfrm>
+          <a:prstGeom prst="rect">
+            <a:avLst/>
+          </a:prstGeom>
+          <a:noFill/>
+        </p:spPr>
+        <p:txBody>
+          <a:bodyPr wrap="none" rtlCol="0">
+            <a:spAutoFit/>
+          </a:bodyPr>
+          <a:lstStyle/>
+          <a:p>
+            <a:r>
+              <a:rPr lang="fr-FR" sz="1600" dirty="0"/>
+              <a:t>r</a:t>
+            </a:r>
+          </a:p>
+        </p:txBody>
+      </p:sp>
+      <p:sp>
+        <p:nvSpPr>
+          <p:cNvPr id="25" name="Ellipse 24">
+            <a:extLst>
+              <a:ext uri="{FF2B5EF4-FFF2-40B4-BE49-F238E27FC236}">
+                <a16:creationId xmlns:a16="http://schemas.microsoft.com/office/drawing/2014/main" id="{F94AC610-047E-C8F4-A167-FCDC9A256FA7}"/>
+              </a:ext>
+            </a:extLst>
+          </p:cNvPr>
+          <p:cNvSpPr/>
+          <p:nvPr/>
+        </p:nvSpPr>
+        <p:spPr>
+          <a:xfrm>
+            <a:off x="7110412" y="3730257"/>
+            <a:ext cx="201168" cy="182880"/>
+          </a:xfrm>
+          <a:prstGeom prst="ellipse">
+            <a:avLst/>
+          </a:prstGeom>
+        </p:spPr>
+        <p:style>
+          <a:lnRef idx="2">
+            <a:schemeClr val="accent1">
+              <a:shade val="15000"/>
+            </a:schemeClr>
+          </a:lnRef>
+          <a:fillRef idx="1">
+            <a:schemeClr val="accent1"/>
+          </a:fillRef>
+          <a:effectRef idx="0">
+            <a:schemeClr val="accent1"/>
+          </a:effectRef>
+          <a:fontRef idx="minor">
+            <a:schemeClr val="lt1"/>
+          </a:fontRef>
+        </p:style>
+        <p:txBody>
+          <a:bodyPr rtlCol="0" anchor="ctr"/>
+          <a:lstStyle/>
+          <a:p>
+            <a:pPr algn="ctr"/>
+            <a:endParaRPr lang="fr-FR"/>
+          </a:p>
+        </p:txBody>
+      </p:sp>
+    </p:spTree>
+    <p:extLst>
+      <p:ext uri="{BB962C8B-B14F-4D97-AF65-F5344CB8AC3E}">
+        <p14:creationId xmlns:p14="http://schemas.microsoft.com/office/powerpoint/2010/main" val="4167401366"/>
+      </p:ext>
+    </p:extLst>
+  </p:cSld>
+  <p:clrMapOvr>
+    <a:masterClrMapping/>
+  </p:clrMapOvr>
+</p:sld>
+</file>
+
+<file path=ppt/slides/slide15.xml><?xml version="1.0" encoding="utf-8"?>
+<p:sld xmlns:a="http://schemas.openxmlformats.org/drawingml/2006/main" xmlns:r="http://schemas.openxmlformats.org/officeDocument/2006/relationships" xmlns:p="http://schemas.openxmlformats.org/presentationml/2006/main">
+  <p:cSld>
+    <p:spTree>
+      <p:nvGrpSpPr>
+        <p:cNvPr id="1" name="">
+          <a:extLst>
+            <a:ext uri="{FF2B5EF4-FFF2-40B4-BE49-F238E27FC236}">
+              <a16:creationId xmlns:a16="http://schemas.microsoft.com/office/drawing/2014/main" id="{71958B0E-2E88-9E58-EB76-C6E0C0BBE574}"/>
+            </a:ext>
+          </a:extLst>
+        </p:cNvPr>
+        <p:cNvGrpSpPr/>
+        <p:nvPr/>
+      </p:nvGrpSpPr>
+      <p:grpSpPr>
+        <a:xfrm>
+          <a:off x="0" y="0"/>
+          <a:ext cx="0" cy="0"/>
+          <a:chOff x="0" y="0"/>
+          <a:chExt cx="0" cy="0"/>
+        </a:xfrm>
+      </p:grpSpPr>
+      <p:cxnSp>
+        <p:nvCxnSpPr>
+          <p:cNvPr id="2" name="Connecteur droit avec flèche 1">
+            <a:extLst>
+              <a:ext uri="{FF2B5EF4-FFF2-40B4-BE49-F238E27FC236}">
+                <a16:creationId xmlns:a16="http://schemas.microsoft.com/office/drawing/2014/main" id="{38905F16-7709-D4B1-7E8B-5E7A773D9CDB}"/>
+              </a:ext>
+            </a:extLst>
+          </p:cNvPr>
+          <p:cNvCxnSpPr>
+            <a:cxnSpLocks/>
+            <a:stCxn id="3" idx="7"/>
+          </p:cNvCxnSpPr>
+          <p:nvPr/>
+        </p:nvCxnSpPr>
+        <p:spPr>
+          <a:xfrm flipV="1">
+            <a:off x="2094998" y="3117991"/>
+            <a:ext cx="1933961" cy="1745967"/>
+          </a:xfrm>
+          <a:prstGeom prst="straightConnector1">
+            <a:avLst/>
+          </a:prstGeom>
+          <a:ln w="50800">
+            <a:solidFill>
+              <a:srgbClr val="FF0000"/>
+            </a:solidFill>
+            <a:tailEnd type="triangle"/>
+          </a:ln>
+        </p:spPr>
+        <p:style>
+          <a:lnRef idx="2">
+            <a:schemeClr val="accent1"/>
+          </a:lnRef>
+          <a:fillRef idx="0">
+            <a:schemeClr val="accent1"/>
+          </a:fillRef>
+          <a:effectRef idx="1">
+            <a:schemeClr val="accent1"/>
+          </a:effectRef>
+          <a:fontRef idx="minor">
+            <a:schemeClr val="tx1"/>
+          </a:fontRef>
+        </p:style>
+      </p:cxnSp>
+      <p:sp>
+        <p:nvSpPr>
+          <p:cNvPr id="3" name="Ellipse 2">
+            <a:extLst>
+              <a:ext uri="{FF2B5EF4-FFF2-40B4-BE49-F238E27FC236}">
+                <a16:creationId xmlns:a16="http://schemas.microsoft.com/office/drawing/2014/main" id="{C16D6430-D2B7-AA8A-6AA0-A291187FA436}"/>
+              </a:ext>
+            </a:extLst>
+          </p:cNvPr>
+          <p:cNvSpPr/>
+          <p:nvPr/>
+        </p:nvSpPr>
+        <p:spPr>
+          <a:xfrm>
+            <a:off x="1923290" y="4837176"/>
+            <a:ext cx="201168" cy="182880"/>
+          </a:xfrm>
+          <a:prstGeom prst="ellipse">
+            <a:avLst/>
+          </a:prstGeom>
+        </p:spPr>
+        <p:style>
+          <a:lnRef idx="2">
+            <a:schemeClr val="accent1">
+              <a:shade val="15000"/>
+            </a:schemeClr>
+          </a:lnRef>
+          <a:fillRef idx="1">
+            <a:schemeClr val="accent1"/>
+          </a:fillRef>
+          <a:effectRef idx="0">
+            <a:schemeClr val="accent1"/>
+          </a:effectRef>
+          <a:fontRef idx="minor">
+            <a:schemeClr val="lt1"/>
+          </a:fontRef>
+        </p:style>
+        <p:txBody>
+          <a:bodyPr rtlCol="0" anchor="ctr"/>
+          <a:lstStyle/>
+          <a:p>
+            <a:pPr algn="ctr"/>
+            <a:endParaRPr lang="fr-FR"/>
+          </a:p>
+        </p:txBody>
+      </p:sp>
+      <p:sp>
+        <p:nvSpPr>
+          <p:cNvPr id="4" name="Ellipse 3">
+            <a:extLst>
+              <a:ext uri="{FF2B5EF4-FFF2-40B4-BE49-F238E27FC236}">
+                <a16:creationId xmlns:a16="http://schemas.microsoft.com/office/drawing/2014/main" id="{6D2CCF5A-75A3-B8AC-CA87-7551FFCAAFAB}"/>
+              </a:ext>
+            </a:extLst>
+          </p:cNvPr>
+          <p:cNvSpPr/>
+          <p:nvPr/>
+        </p:nvSpPr>
+        <p:spPr>
+          <a:xfrm>
+            <a:off x="2385062" y="676656"/>
+            <a:ext cx="2569464" cy="2450592"/>
+          </a:xfrm>
+          <a:prstGeom prst="ellipse">
+            <a:avLst/>
+          </a:prstGeom>
+        </p:spPr>
+        <p:style>
+          <a:lnRef idx="2">
+            <a:schemeClr val="accent1">
+              <a:shade val="15000"/>
+            </a:schemeClr>
+          </a:lnRef>
+          <a:fillRef idx="1">
+            <a:schemeClr val="accent1"/>
+          </a:fillRef>
+          <a:effectRef idx="0">
+            <a:schemeClr val="accent1"/>
+          </a:effectRef>
+          <a:fontRef idx="minor">
+            <a:schemeClr val="lt1"/>
+          </a:fontRef>
+        </p:style>
+        <p:txBody>
+          <a:bodyPr rtlCol="0" anchor="ctr"/>
+          <a:lstStyle/>
+          <a:p>
+            <a:pPr algn="ctr"/>
+            <a:endParaRPr lang="fr-FR"/>
+          </a:p>
+        </p:txBody>
+      </p:sp>
+      <p:sp>
+        <p:nvSpPr>
+          <p:cNvPr id="5" name="Ellipse 4">
+            <a:extLst>
+              <a:ext uri="{FF2B5EF4-FFF2-40B4-BE49-F238E27FC236}">
+                <a16:creationId xmlns:a16="http://schemas.microsoft.com/office/drawing/2014/main" id="{E2554561-A82B-4142-8FA2-40F48925D117}"/>
+              </a:ext>
+            </a:extLst>
+          </p:cNvPr>
+          <p:cNvSpPr/>
+          <p:nvPr/>
+        </p:nvSpPr>
+        <p:spPr>
+          <a:xfrm>
+            <a:off x="3532634" y="1769364"/>
+            <a:ext cx="274320" cy="265176"/>
+          </a:xfrm>
+          <a:prstGeom prst="ellipse">
+            <a:avLst/>
+          </a:prstGeom>
+          <a:solidFill>
+            <a:schemeClr val="tx1"/>
+          </a:solidFill>
+        </p:spPr>
+        <p:style>
+          <a:lnRef idx="2">
+            <a:schemeClr val="accent1">
+              <a:shade val="15000"/>
+            </a:schemeClr>
+          </a:lnRef>
+          <a:fillRef idx="1">
+            <a:schemeClr val="accent1"/>
+          </a:fillRef>
+          <a:effectRef idx="0">
+            <a:schemeClr val="accent1"/>
+          </a:effectRef>
+          <a:fontRef idx="minor">
+            <a:schemeClr val="lt1"/>
+          </a:fontRef>
+        </p:style>
+        <p:txBody>
+          <a:bodyPr rtlCol="0" anchor="ctr"/>
+          <a:lstStyle/>
+          <a:p>
+            <a:pPr algn="ctr"/>
+            <a:endParaRPr lang="fr-FR"/>
+          </a:p>
+        </p:txBody>
+      </p:sp>
+      <p:sp>
+        <p:nvSpPr>
+          <p:cNvPr id="6" name="ZoneTexte 5">
+            <a:extLst>
+              <a:ext uri="{FF2B5EF4-FFF2-40B4-BE49-F238E27FC236}">
+                <a16:creationId xmlns:a16="http://schemas.microsoft.com/office/drawing/2014/main" id="{846A8E47-D281-CC77-EFAF-232208A87EC8}"/>
+              </a:ext>
+            </a:extLst>
+          </p:cNvPr>
+          <p:cNvSpPr txBox="1"/>
+          <p:nvPr/>
+        </p:nvSpPr>
+        <p:spPr>
+          <a:xfrm>
+            <a:off x="2912114" y="1138423"/>
+            <a:ext cx="253596" cy="338554"/>
+          </a:xfrm>
+          <a:prstGeom prst="rect">
+            <a:avLst/>
+          </a:prstGeom>
+          <a:noFill/>
+        </p:spPr>
+        <p:txBody>
+          <a:bodyPr wrap="none" rtlCol="0">
+            <a:spAutoFit/>
+          </a:bodyPr>
+          <a:lstStyle/>
+          <a:p>
+            <a:r>
+              <a:rPr lang="fr-FR" sz="1600" dirty="0"/>
+              <a:t>r</a:t>
+            </a:r>
+          </a:p>
+        </p:txBody>
+      </p:sp>
+      <p:cxnSp>
+        <p:nvCxnSpPr>
+          <p:cNvPr id="7" name="Connecteur droit avec flèche 6">
+            <a:extLst>
+              <a:ext uri="{FF2B5EF4-FFF2-40B4-BE49-F238E27FC236}">
+                <a16:creationId xmlns:a16="http://schemas.microsoft.com/office/drawing/2014/main" id="{16D9AD38-0B41-53B3-20F2-53F6280B7132}"/>
+              </a:ext>
+            </a:extLst>
+          </p:cNvPr>
+          <p:cNvCxnSpPr>
+            <a:cxnSpLocks/>
+          </p:cNvCxnSpPr>
+          <p:nvPr/>
+        </p:nvCxnSpPr>
+        <p:spPr>
+          <a:xfrm flipH="1" flipV="1">
+            <a:off x="2700530" y="1184589"/>
+            <a:ext cx="969264" cy="717363"/>
+          </a:xfrm>
+          <a:prstGeom prst="straightConnector1">
+            <a:avLst/>
+          </a:prstGeom>
+          <a:ln w="50800">
+            <a:solidFill>
+              <a:schemeClr val="accent4">
+                <a:lumMod val="40000"/>
+                <a:lumOff val="60000"/>
+              </a:schemeClr>
+            </a:solidFill>
+            <a:tailEnd type="triangle"/>
+          </a:ln>
+        </p:spPr>
+        <p:style>
+          <a:lnRef idx="2">
+            <a:schemeClr val="accent1"/>
+          </a:lnRef>
+          <a:fillRef idx="0">
+            <a:schemeClr val="accent1"/>
+          </a:fillRef>
+          <a:effectRef idx="1">
+            <a:schemeClr val="accent1"/>
+          </a:effectRef>
+          <a:fontRef idx="minor">
+            <a:schemeClr val="tx1"/>
+          </a:fontRef>
+        </p:style>
+      </p:cxnSp>
+      <p:sp>
+        <p:nvSpPr>
+          <p:cNvPr id="8" name="ZoneTexte 7">
+            <a:extLst>
+              <a:ext uri="{FF2B5EF4-FFF2-40B4-BE49-F238E27FC236}">
+                <a16:creationId xmlns:a16="http://schemas.microsoft.com/office/drawing/2014/main" id="{06F89DE8-A5E8-87AB-ADAF-4097FE2B5D14}"/>
+              </a:ext>
+            </a:extLst>
+          </p:cNvPr>
+          <p:cNvSpPr txBox="1"/>
+          <p:nvPr/>
+        </p:nvSpPr>
+        <p:spPr>
+          <a:xfrm>
+            <a:off x="3822194" y="1682395"/>
+            <a:ext cx="684290" cy="338554"/>
+          </a:xfrm>
+          <a:prstGeom prst="rect">
+            <a:avLst/>
+          </a:prstGeom>
+          <a:noFill/>
+        </p:spPr>
+        <p:txBody>
+          <a:bodyPr wrap="none" rtlCol="0">
+            <a:spAutoFit/>
+          </a:bodyPr>
+          <a:lstStyle/>
+          <a:p>
+            <a:r>
+              <a:rPr lang="fr-FR" sz="1600" dirty="0"/>
+              <a:t>c (</a:t>
+            </a:r>
+            <a:r>
+              <a:rPr lang="fr-FR" sz="1600" dirty="0" err="1"/>
+              <a:t>x,y</a:t>
+            </a:r>
+            <a:r>
+              <a:rPr lang="fr-FR" sz="1600" dirty="0"/>
+              <a:t>)</a:t>
+            </a:r>
+          </a:p>
+        </p:txBody>
+      </p:sp>
+      <p:sp>
+        <p:nvSpPr>
+          <p:cNvPr id="14" name="ZoneTexte 13">
+            <a:extLst>
+              <a:ext uri="{FF2B5EF4-FFF2-40B4-BE49-F238E27FC236}">
+                <a16:creationId xmlns:a16="http://schemas.microsoft.com/office/drawing/2014/main" id="{E81729D7-65CF-7D3C-92E6-DF5867924563}"/>
+              </a:ext>
+            </a:extLst>
+          </p:cNvPr>
+          <p:cNvSpPr txBox="1"/>
+          <p:nvPr/>
+        </p:nvSpPr>
+        <p:spPr>
+          <a:xfrm>
+            <a:off x="1769086" y="5020056"/>
+            <a:ext cx="298480" cy="338554"/>
+          </a:xfrm>
+          <a:prstGeom prst="rect">
+            <a:avLst/>
+          </a:prstGeom>
+          <a:noFill/>
+        </p:spPr>
+        <p:txBody>
+          <a:bodyPr wrap="none" rtlCol="0">
+            <a:spAutoFit/>
+          </a:bodyPr>
+          <a:lstStyle/>
+          <a:p>
+            <a:r>
+              <a:rPr lang="fr-FR" sz="1600" dirty="0"/>
+              <a:t>o</a:t>
+            </a:r>
+          </a:p>
+        </p:txBody>
+      </p:sp>
+      <p:sp>
+        <p:nvSpPr>
+          <p:cNvPr id="16" name="ZoneTexte 15">
+            <a:extLst>
+              <a:ext uri="{FF2B5EF4-FFF2-40B4-BE49-F238E27FC236}">
+                <a16:creationId xmlns:a16="http://schemas.microsoft.com/office/drawing/2014/main" id="{1FEE43EF-F106-4614-F11E-91421F827FC1}"/>
+              </a:ext>
+            </a:extLst>
+          </p:cNvPr>
+          <p:cNvSpPr txBox="1"/>
+          <p:nvPr/>
+        </p:nvSpPr>
+        <p:spPr>
+          <a:xfrm>
+            <a:off x="2640035" y="4520724"/>
+            <a:ext cx="300082" cy="338554"/>
+          </a:xfrm>
+          <a:prstGeom prst="rect">
+            <a:avLst/>
+          </a:prstGeom>
+          <a:noFill/>
+        </p:spPr>
+        <p:txBody>
+          <a:bodyPr wrap="none" rtlCol="0">
+            <a:spAutoFit/>
+          </a:bodyPr>
+          <a:lstStyle/>
+          <a:p>
+            <a:r>
+              <a:rPr lang="fr-FR" sz="1600" dirty="0"/>
+              <a:t>d</a:t>
+            </a:r>
+          </a:p>
+        </p:txBody>
+      </p:sp>
+      <p:sp>
+        <p:nvSpPr>
+          <p:cNvPr id="17" name="ZoneTexte 16">
+            <a:extLst>
+              <a:ext uri="{FF2B5EF4-FFF2-40B4-BE49-F238E27FC236}">
+                <a16:creationId xmlns:a16="http://schemas.microsoft.com/office/drawing/2014/main" id="{57EED2F5-E908-43F0-F41B-1CE00171243B}"/>
+              </a:ext>
+            </a:extLst>
+          </p:cNvPr>
+          <p:cNvSpPr txBox="1"/>
+          <p:nvPr/>
+        </p:nvSpPr>
+        <p:spPr>
+          <a:xfrm>
+            <a:off x="4111985" y="2990006"/>
+            <a:ext cx="303288" cy="338554"/>
+          </a:xfrm>
+          <a:prstGeom prst="rect">
+            <a:avLst/>
+          </a:prstGeom>
+          <a:noFill/>
+        </p:spPr>
+        <p:txBody>
+          <a:bodyPr wrap="none" rtlCol="0">
+            <a:spAutoFit/>
+          </a:bodyPr>
+          <a:lstStyle/>
+          <a:p>
+            <a:r>
+              <a:rPr lang="fr-FR" sz="1600" dirty="0"/>
+              <a:t>P</a:t>
+            </a:r>
+          </a:p>
+        </p:txBody>
+      </p:sp>
+      <p:cxnSp>
+        <p:nvCxnSpPr>
+          <p:cNvPr id="18" name="Connecteur droit avec flèche 17">
+            <a:extLst>
+              <a:ext uri="{FF2B5EF4-FFF2-40B4-BE49-F238E27FC236}">
+                <a16:creationId xmlns:a16="http://schemas.microsoft.com/office/drawing/2014/main" id="{DC736EB1-FDFF-92CF-9BF2-7D5E893D1B83}"/>
+              </a:ext>
+            </a:extLst>
+          </p:cNvPr>
+          <p:cNvCxnSpPr>
+            <a:cxnSpLocks/>
+          </p:cNvCxnSpPr>
+          <p:nvPr/>
+        </p:nvCxnSpPr>
+        <p:spPr>
+          <a:xfrm>
+            <a:off x="3766781" y="2020949"/>
+            <a:ext cx="262178" cy="1023452"/>
+          </a:xfrm>
+          <a:prstGeom prst="straightConnector1">
+            <a:avLst/>
+          </a:prstGeom>
+          <a:ln w="50800">
+            <a:solidFill>
+              <a:schemeClr val="accent5">
+                <a:lumMod val="60000"/>
+                <a:lumOff val="40000"/>
+              </a:schemeClr>
+            </a:solidFill>
+            <a:prstDash val="sysDot"/>
+            <a:tailEnd type="triangle"/>
+          </a:ln>
+        </p:spPr>
+        <p:style>
+          <a:lnRef idx="2">
+            <a:schemeClr val="accent1"/>
+          </a:lnRef>
+          <a:fillRef idx="0">
+            <a:schemeClr val="accent1"/>
+          </a:fillRef>
+          <a:effectRef idx="1">
+            <a:schemeClr val="accent1"/>
+          </a:effectRef>
+          <a:fontRef idx="minor">
+            <a:schemeClr val="tx1"/>
+          </a:fontRef>
+        </p:style>
+      </p:cxnSp>
+      <p:sp>
+        <p:nvSpPr>
+          <p:cNvPr id="20" name="ZoneTexte 19">
+            <a:extLst>
+              <a:ext uri="{FF2B5EF4-FFF2-40B4-BE49-F238E27FC236}">
+                <a16:creationId xmlns:a16="http://schemas.microsoft.com/office/drawing/2014/main" id="{972BF71F-A214-04F6-EA61-C4BA4B38D01A}"/>
+              </a:ext>
+            </a:extLst>
+          </p:cNvPr>
+          <p:cNvSpPr txBox="1"/>
+          <p:nvPr/>
+        </p:nvSpPr>
+        <p:spPr>
+          <a:xfrm>
+            <a:off x="3568598" y="2423574"/>
+            <a:ext cx="253596" cy="338554"/>
+          </a:xfrm>
+          <a:prstGeom prst="rect">
+            <a:avLst/>
+          </a:prstGeom>
+          <a:noFill/>
+        </p:spPr>
+        <p:txBody>
+          <a:bodyPr wrap="none" rtlCol="0">
+            <a:spAutoFit/>
+          </a:bodyPr>
+          <a:lstStyle/>
+          <a:p>
+            <a:r>
+              <a:rPr lang="fr-FR" sz="1600" dirty="0"/>
+              <a:t>r</a:t>
+            </a:r>
+          </a:p>
+        </p:txBody>
+      </p:sp>
+      <p:cxnSp>
+        <p:nvCxnSpPr>
+          <p:cNvPr id="22" name="Connecteur droit avec flèche 21">
+            <a:extLst>
+              <a:ext uri="{FF2B5EF4-FFF2-40B4-BE49-F238E27FC236}">
+                <a16:creationId xmlns:a16="http://schemas.microsoft.com/office/drawing/2014/main" id="{2C7B45D4-18B7-004F-2DC5-FCC6AEFDF990}"/>
+              </a:ext>
+            </a:extLst>
+          </p:cNvPr>
+          <p:cNvCxnSpPr>
+            <a:cxnSpLocks/>
+          </p:cNvCxnSpPr>
+          <p:nvPr/>
+        </p:nvCxnSpPr>
+        <p:spPr>
+          <a:xfrm>
+            <a:off x="4028959" y="3113657"/>
+            <a:ext cx="290064" cy="1146783"/>
+          </a:xfrm>
+          <a:prstGeom prst="straightConnector1">
+            <a:avLst/>
+          </a:prstGeom>
+          <a:ln w="50800">
+            <a:solidFill>
+              <a:schemeClr val="accent4">
+                <a:lumMod val="40000"/>
+                <a:lumOff val="60000"/>
+              </a:schemeClr>
+            </a:solidFill>
+            <a:tailEnd type="triangle"/>
+          </a:ln>
+        </p:spPr>
+        <p:style>
+          <a:lnRef idx="2">
+            <a:schemeClr val="accent1"/>
+          </a:lnRef>
+          <a:fillRef idx="0">
+            <a:schemeClr val="accent1"/>
+          </a:fillRef>
+          <a:effectRef idx="1">
+            <a:schemeClr val="accent1"/>
+          </a:effectRef>
+          <a:fontRef idx="minor">
+            <a:schemeClr val="tx1"/>
+          </a:fontRef>
+        </p:style>
+      </p:cxnSp>
+      <p:cxnSp>
+        <p:nvCxnSpPr>
+          <p:cNvPr id="9" name="Connecteur droit avec flèche 8">
+            <a:extLst>
+              <a:ext uri="{FF2B5EF4-FFF2-40B4-BE49-F238E27FC236}">
+                <a16:creationId xmlns:a16="http://schemas.microsoft.com/office/drawing/2014/main" id="{F157A1E3-00A4-5B7E-0F53-C9F51A77DC81}"/>
+              </a:ext>
+            </a:extLst>
+          </p:cNvPr>
+          <p:cNvCxnSpPr>
+            <a:cxnSpLocks/>
+            <a:stCxn id="17" idx="1"/>
+          </p:cNvCxnSpPr>
+          <p:nvPr/>
+        </p:nvCxnSpPr>
+        <p:spPr>
+          <a:xfrm>
+            <a:off x="4111985" y="3159283"/>
+            <a:ext cx="2970603" cy="681197"/>
+          </a:xfrm>
+          <a:prstGeom prst="straightConnector1">
+            <a:avLst/>
+          </a:prstGeom>
+          <a:ln w="50800">
+            <a:solidFill>
+              <a:srgbClr val="FF0000"/>
+            </a:solidFill>
+            <a:tailEnd type="triangle"/>
+          </a:ln>
+        </p:spPr>
+        <p:style>
+          <a:lnRef idx="2">
+            <a:schemeClr val="accent1"/>
+          </a:lnRef>
+          <a:fillRef idx="0">
+            <a:schemeClr val="accent1"/>
+          </a:fillRef>
+          <a:effectRef idx="1">
+            <a:schemeClr val="accent1"/>
+          </a:effectRef>
+          <a:fontRef idx="minor">
+            <a:schemeClr val="tx1"/>
+          </a:fontRef>
+        </p:style>
+      </p:cxnSp>
+      <p:cxnSp>
+        <p:nvCxnSpPr>
+          <p:cNvPr id="10" name="Connecteur droit avec flèche 9">
+            <a:extLst>
+              <a:ext uri="{FF2B5EF4-FFF2-40B4-BE49-F238E27FC236}">
+                <a16:creationId xmlns:a16="http://schemas.microsoft.com/office/drawing/2014/main" id="{D58AFBD5-0001-9B8D-FB3A-49BE255AADC8}"/>
+              </a:ext>
+            </a:extLst>
+          </p:cNvPr>
+          <p:cNvCxnSpPr>
+            <a:cxnSpLocks/>
+          </p:cNvCxnSpPr>
+          <p:nvPr/>
+        </p:nvCxnSpPr>
+        <p:spPr>
+          <a:xfrm>
+            <a:off x="4005868" y="3127248"/>
+            <a:ext cx="409405" cy="1489055"/>
+          </a:xfrm>
+          <a:prstGeom prst="straightConnector1">
+            <a:avLst/>
+          </a:prstGeom>
+          <a:ln w="50800">
+            <a:solidFill>
+              <a:schemeClr val="accent6">
+                <a:lumMod val="75000"/>
+              </a:schemeClr>
+            </a:solidFill>
+            <a:prstDash val="sysDot"/>
+            <a:tailEnd type="triangle"/>
+          </a:ln>
+        </p:spPr>
+        <p:style>
+          <a:lnRef idx="2">
+            <a:schemeClr val="accent1"/>
+          </a:lnRef>
+          <a:fillRef idx="0">
+            <a:schemeClr val="accent1"/>
+          </a:fillRef>
+          <a:effectRef idx="1">
+            <a:schemeClr val="accent1"/>
+          </a:effectRef>
+          <a:fontRef idx="minor">
+            <a:schemeClr val="tx1"/>
+          </a:fontRef>
+        </p:style>
+      </p:cxnSp>
+      <p:sp>
+        <p:nvSpPr>
+          <p:cNvPr id="23" name="ZoneTexte 22">
+            <a:extLst>
+              <a:ext uri="{FF2B5EF4-FFF2-40B4-BE49-F238E27FC236}">
+                <a16:creationId xmlns:a16="http://schemas.microsoft.com/office/drawing/2014/main" id="{29913C23-14A5-2D62-E4B8-7441173C34E9}"/>
+              </a:ext>
+            </a:extLst>
+          </p:cNvPr>
+          <p:cNvSpPr txBox="1"/>
+          <p:nvPr/>
+        </p:nvSpPr>
+        <p:spPr>
+          <a:xfrm>
+            <a:off x="2977092" y="5233956"/>
+            <a:ext cx="2057551" cy="1077218"/>
+          </a:xfrm>
+          <a:prstGeom prst="rect">
+            <a:avLst/>
+          </a:prstGeom>
+          <a:noFill/>
+        </p:spPr>
+        <p:txBody>
+          <a:bodyPr wrap="none" rtlCol="0">
+            <a:spAutoFit/>
+          </a:bodyPr>
+          <a:lstStyle/>
+          <a:p>
+            <a:r>
+              <a:rPr lang="fr-FR" sz="1600" dirty="0" err="1"/>
+              <a:t>Invert</a:t>
+            </a:r>
+            <a:r>
+              <a:rPr lang="fr-FR" sz="1600" dirty="0"/>
+              <a:t> the projection :</a:t>
+            </a:r>
+          </a:p>
+          <a:p>
+            <a:r>
+              <a:rPr lang="fr-FR" sz="1600" dirty="0"/>
+              <a:t>-PROJ</a:t>
+            </a:r>
+          </a:p>
+          <a:p>
+            <a:r>
+              <a:rPr lang="fr-FR" sz="1600" dirty="0" err="1"/>
+              <a:t>Multiply</a:t>
+            </a:r>
+            <a:r>
+              <a:rPr lang="fr-FR" sz="1600" dirty="0"/>
+              <a:t> by 2:</a:t>
+            </a:r>
+          </a:p>
+          <a:p>
+            <a:r>
+              <a:rPr lang="fr-FR" sz="1600" dirty="0"/>
+              <a:t>-2PROJ</a:t>
+            </a:r>
+          </a:p>
+        </p:txBody>
+      </p:sp>
+      <p:cxnSp>
+        <p:nvCxnSpPr>
+          <p:cNvPr id="15" name="Connecteur droit avec flèche 14">
+            <a:extLst>
+              <a:ext uri="{FF2B5EF4-FFF2-40B4-BE49-F238E27FC236}">
+                <a16:creationId xmlns:a16="http://schemas.microsoft.com/office/drawing/2014/main" id="{B195CC56-721D-4B79-5F2F-7423F18DFB5E}"/>
+              </a:ext>
+            </a:extLst>
+          </p:cNvPr>
+          <p:cNvCxnSpPr>
+            <a:cxnSpLocks/>
+          </p:cNvCxnSpPr>
+          <p:nvPr/>
+        </p:nvCxnSpPr>
+        <p:spPr>
+          <a:xfrm>
+            <a:off x="4415273" y="4614082"/>
+            <a:ext cx="409405" cy="1489055"/>
+          </a:xfrm>
+          <a:prstGeom prst="straightConnector1">
+            <a:avLst/>
+          </a:prstGeom>
+          <a:ln w="50800">
+            <a:solidFill>
+              <a:schemeClr val="accent6">
+                <a:lumMod val="75000"/>
+              </a:schemeClr>
+            </a:solidFill>
+            <a:prstDash val="sysDot"/>
+            <a:tailEnd type="triangle"/>
+          </a:ln>
+        </p:spPr>
+        <p:style>
+          <a:lnRef idx="2">
+            <a:schemeClr val="accent1"/>
+          </a:lnRef>
+          <a:fillRef idx="0">
+            <a:schemeClr val="accent1"/>
+          </a:fillRef>
+          <a:effectRef idx="1">
+            <a:schemeClr val="accent1"/>
+          </a:effectRef>
+          <a:fontRef idx="minor">
+            <a:schemeClr val="tx1"/>
+          </a:fontRef>
+        </p:style>
+      </p:cxnSp>
+      <p:sp>
+        <p:nvSpPr>
+          <p:cNvPr id="19" name="ZoneTexte 18">
+            <a:extLst>
+              <a:ext uri="{FF2B5EF4-FFF2-40B4-BE49-F238E27FC236}">
+                <a16:creationId xmlns:a16="http://schemas.microsoft.com/office/drawing/2014/main" id="{BE106D9C-E43A-BA79-42F1-D02F2266819A}"/>
+              </a:ext>
+            </a:extLst>
+          </p:cNvPr>
+          <p:cNvSpPr txBox="1"/>
+          <p:nvPr/>
+        </p:nvSpPr>
+        <p:spPr>
+          <a:xfrm>
+            <a:off x="7058206" y="3821697"/>
+            <a:ext cx="253596" cy="338554"/>
+          </a:xfrm>
+          <a:prstGeom prst="rect">
+            <a:avLst/>
+          </a:prstGeom>
+          <a:noFill/>
+        </p:spPr>
+        <p:txBody>
+          <a:bodyPr wrap="none" rtlCol="0">
+            <a:spAutoFit/>
+          </a:bodyPr>
+          <a:lstStyle/>
+          <a:p>
+            <a:r>
+              <a:rPr lang="fr-FR" sz="1600" dirty="0"/>
+              <a:t>r</a:t>
+            </a:r>
+          </a:p>
+        </p:txBody>
+      </p:sp>
+      <p:sp>
+        <p:nvSpPr>
+          <p:cNvPr id="21" name="Ellipse 20">
+            <a:extLst>
+              <a:ext uri="{FF2B5EF4-FFF2-40B4-BE49-F238E27FC236}">
+                <a16:creationId xmlns:a16="http://schemas.microsoft.com/office/drawing/2014/main" id="{24919C0A-DB2D-0BCB-1800-CEE65CC3C05A}"/>
+              </a:ext>
+            </a:extLst>
+          </p:cNvPr>
+          <p:cNvSpPr/>
+          <p:nvPr/>
+        </p:nvSpPr>
+        <p:spPr>
+          <a:xfrm>
+            <a:off x="7110412" y="3730257"/>
+            <a:ext cx="201168" cy="182880"/>
+          </a:xfrm>
+          <a:prstGeom prst="ellipse">
+            <a:avLst/>
+          </a:prstGeom>
+        </p:spPr>
+        <p:style>
+          <a:lnRef idx="2">
+            <a:schemeClr val="accent1">
+              <a:shade val="15000"/>
+            </a:schemeClr>
+          </a:lnRef>
+          <a:fillRef idx="1">
+            <a:schemeClr val="accent1"/>
+          </a:fillRef>
+          <a:effectRef idx="0">
+            <a:schemeClr val="accent1"/>
+          </a:effectRef>
+          <a:fontRef idx="minor">
+            <a:schemeClr val="lt1"/>
+          </a:fontRef>
+        </p:style>
+        <p:txBody>
+          <a:bodyPr rtlCol="0" anchor="ctr"/>
+          <a:lstStyle/>
+          <a:p>
+            <a:pPr algn="ctr"/>
+            <a:endParaRPr lang="fr-FR"/>
+          </a:p>
+        </p:txBody>
+      </p:sp>
+    </p:spTree>
+    <p:extLst>
+      <p:ext uri="{BB962C8B-B14F-4D97-AF65-F5344CB8AC3E}">
+        <p14:creationId xmlns:p14="http://schemas.microsoft.com/office/powerpoint/2010/main" val="1907494171"/>
+      </p:ext>
+    </p:extLst>
+  </p:cSld>
+  <p:clrMapOvr>
+    <a:masterClrMapping/>
+  </p:clrMapOvr>
+</p:sld>
+</file>
+
+<file path=ppt/slides/slide16.xml><?xml version="1.0" encoding="utf-8"?>
+<p:sld xmlns:a="http://schemas.openxmlformats.org/drawingml/2006/main" xmlns:r="http://schemas.openxmlformats.org/officeDocument/2006/relationships" xmlns:p="http://schemas.openxmlformats.org/presentationml/2006/main">
+  <p:cSld>
+    <p:spTree>
+      <p:nvGrpSpPr>
+        <p:cNvPr id="1" name="">
+          <a:extLst>
+            <a:ext uri="{FF2B5EF4-FFF2-40B4-BE49-F238E27FC236}">
+              <a16:creationId xmlns:a16="http://schemas.microsoft.com/office/drawing/2014/main" id="{58612305-98EE-7902-1D4D-2BD94E01C9A2}"/>
+            </a:ext>
+          </a:extLst>
+        </p:cNvPr>
+        <p:cNvGrpSpPr/>
+        <p:nvPr/>
+      </p:nvGrpSpPr>
+      <p:grpSpPr>
+        <a:xfrm>
+          <a:off x="0" y="0"/>
+          <a:ext cx="0" cy="0"/>
+          <a:chOff x="0" y="0"/>
+          <a:chExt cx="0" cy="0"/>
+        </a:xfrm>
+      </p:grpSpPr>
+      <p:cxnSp>
+        <p:nvCxnSpPr>
+          <p:cNvPr id="2" name="Connecteur droit avec flèche 1">
+            <a:extLst>
+              <a:ext uri="{FF2B5EF4-FFF2-40B4-BE49-F238E27FC236}">
+                <a16:creationId xmlns:a16="http://schemas.microsoft.com/office/drawing/2014/main" id="{ADECD323-ECE1-DE86-B2C8-9E26629E878D}"/>
+              </a:ext>
+            </a:extLst>
+          </p:cNvPr>
+          <p:cNvCxnSpPr>
+            <a:cxnSpLocks/>
+            <a:stCxn id="3" idx="7"/>
+          </p:cNvCxnSpPr>
+          <p:nvPr/>
+        </p:nvCxnSpPr>
+        <p:spPr>
+          <a:xfrm flipV="1">
+            <a:off x="2094998" y="3117991"/>
+            <a:ext cx="1933961" cy="1745967"/>
+          </a:xfrm>
+          <a:prstGeom prst="straightConnector1">
+            <a:avLst/>
+          </a:prstGeom>
+          <a:ln w="50800">
+            <a:solidFill>
+              <a:srgbClr val="FF0000"/>
+            </a:solidFill>
+            <a:tailEnd type="triangle"/>
+          </a:ln>
+        </p:spPr>
+        <p:style>
+          <a:lnRef idx="2">
+            <a:schemeClr val="accent1"/>
+          </a:lnRef>
+          <a:fillRef idx="0">
+            <a:schemeClr val="accent1"/>
+          </a:fillRef>
+          <a:effectRef idx="1">
+            <a:schemeClr val="accent1"/>
+          </a:effectRef>
+          <a:fontRef idx="minor">
+            <a:schemeClr val="tx1"/>
+          </a:fontRef>
+        </p:style>
+      </p:cxnSp>
+      <p:sp>
+        <p:nvSpPr>
+          <p:cNvPr id="3" name="Ellipse 2">
+            <a:extLst>
+              <a:ext uri="{FF2B5EF4-FFF2-40B4-BE49-F238E27FC236}">
+                <a16:creationId xmlns:a16="http://schemas.microsoft.com/office/drawing/2014/main" id="{BA312391-011F-9AE3-D8E8-A875ED5B1D9B}"/>
+              </a:ext>
+            </a:extLst>
+          </p:cNvPr>
+          <p:cNvSpPr/>
+          <p:nvPr/>
+        </p:nvSpPr>
+        <p:spPr>
+          <a:xfrm>
+            <a:off x="1923290" y="4837176"/>
+            <a:ext cx="201168" cy="182880"/>
+          </a:xfrm>
+          <a:prstGeom prst="ellipse">
+            <a:avLst/>
+          </a:prstGeom>
+        </p:spPr>
+        <p:style>
+          <a:lnRef idx="2">
+            <a:schemeClr val="accent1">
+              <a:shade val="15000"/>
+            </a:schemeClr>
+          </a:lnRef>
+          <a:fillRef idx="1">
+            <a:schemeClr val="accent1"/>
+          </a:fillRef>
+          <a:effectRef idx="0">
+            <a:schemeClr val="accent1"/>
+          </a:effectRef>
+          <a:fontRef idx="minor">
+            <a:schemeClr val="lt1"/>
+          </a:fontRef>
+        </p:style>
+        <p:txBody>
+          <a:bodyPr rtlCol="0" anchor="ctr"/>
+          <a:lstStyle/>
+          <a:p>
+            <a:pPr algn="ctr"/>
+            <a:endParaRPr lang="fr-FR"/>
+          </a:p>
+        </p:txBody>
+      </p:sp>
+      <p:sp>
+        <p:nvSpPr>
+          <p:cNvPr id="4" name="Ellipse 3">
+            <a:extLst>
+              <a:ext uri="{FF2B5EF4-FFF2-40B4-BE49-F238E27FC236}">
+                <a16:creationId xmlns:a16="http://schemas.microsoft.com/office/drawing/2014/main" id="{BCB8F48D-6D45-1D53-A3E4-D0BA503ACFB1}"/>
+              </a:ext>
+            </a:extLst>
+          </p:cNvPr>
+          <p:cNvSpPr/>
+          <p:nvPr/>
+        </p:nvSpPr>
+        <p:spPr>
+          <a:xfrm>
+            <a:off x="2385062" y="676656"/>
+            <a:ext cx="2569464" cy="2450592"/>
+          </a:xfrm>
+          <a:prstGeom prst="ellipse">
+            <a:avLst/>
+          </a:prstGeom>
+        </p:spPr>
+        <p:style>
+          <a:lnRef idx="2">
+            <a:schemeClr val="accent1">
+              <a:shade val="15000"/>
+            </a:schemeClr>
+          </a:lnRef>
+          <a:fillRef idx="1">
+            <a:schemeClr val="accent1"/>
+          </a:fillRef>
+          <a:effectRef idx="0">
+            <a:schemeClr val="accent1"/>
+          </a:effectRef>
+          <a:fontRef idx="minor">
+            <a:schemeClr val="lt1"/>
+          </a:fontRef>
+        </p:style>
+        <p:txBody>
+          <a:bodyPr rtlCol="0" anchor="ctr"/>
+          <a:lstStyle/>
+          <a:p>
+            <a:pPr algn="ctr"/>
+            <a:endParaRPr lang="fr-FR"/>
+          </a:p>
+        </p:txBody>
+      </p:sp>
+      <p:sp>
+        <p:nvSpPr>
+          <p:cNvPr id="5" name="Ellipse 4">
+            <a:extLst>
+              <a:ext uri="{FF2B5EF4-FFF2-40B4-BE49-F238E27FC236}">
+                <a16:creationId xmlns:a16="http://schemas.microsoft.com/office/drawing/2014/main" id="{7B0E1AB2-8570-DD6F-4DC3-C1BA2A37340F}"/>
+              </a:ext>
+            </a:extLst>
+          </p:cNvPr>
+          <p:cNvSpPr/>
+          <p:nvPr/>
+        </p:nvSpPr>
+        <p:spPr>
+          <a:xfrm>
+            <a:off x="3532634" y="1769364"/>
+            <a:ext cx="274320" cy="265176"/>
+          </a:xfrm>
+          <a:prstGeom prst="ellipse">
+            <a:avLst/>
+          </a:prstGeom>
+          <a:solidFill>
+            <a:schemeClr val="tx1"/>
+          </a:solidFill>
+        </p:spPr>
+        <p:style>
+          <a:lnRef idx="2">
+            <a:schemeClr val="accent1">
+              <a:shade val="15000"/>
+            </a:schemeClr>
+          </a:lnRef>
+          <a:fillRef idx="1">
+            <a:schemeClr val="accent1"/>
+          </a:fillRef>
+          <a:effectRef idx="0">
+            <a:schemeClr val="accent1"/>
+          </a:effectRef>
+          <a:fontRef idx="minor">
+            <a:schemeClr val="lt1"/>
+          </a:fontRef>
+        </p:style>
+        <p:txBody>
+          <a:bodyPr rtlCol="0" anchor="ctr"/>
+          <a:lstStyle/>
+          <a:p>
+            <a:pPr algn="ctr"/>
+            <a:endParaRPr lang="fr-FR"/>
+          </a:p>
+        </p:txBody>
+      </p:sp>
+      <p:sp>
+        <p:nvSpPr>
+          <p:cNvPr id="6" name="ZoneTexte 5">
+            <a:extLst>
+              <a:ext uri="{FF2B5EF4-FFF2-40B4-BE49-F238E27FC236}">
+                <a16:creationId xmlns:a16="http://schemas.microsoft.com/office/drawing/2014/main" id="{2829D959-1281-1BBB-1B09-2D00F2629EB9}"/>
+              </a:ext>
+            </a:extLst>
+          </p:cNvPr>
+          <p:cNvSpPr txBox="1"/>
+          <p:nvPr/>
+        </p:nvSpPr>
+        <p:spPr>
+          <a:xfrm>
+            <a:off x="2912114" y="1138423"/>
+            <a:ext cx="253596" cy="338554"/>
+          </a:xfrm>
+          <a:prstGeom prst="rect">
+            <a:avLst/>
+          </a:prstGeom>
+          <a:noFill/>
+        </p:spPr>
+        <p:txBody>
+          <a:bodyPr wrap="none" rtlCol="0">
+            <a:spAutoFit/>
+          </a:bodyPr>
+          <a:lstStyle/>
+          <a:p>
+            <a:r>
+              <a:rPr lang="fr-FR" sz="1600" dirty="0"/>
+              <a:t>r</a:t>
+            </a:r>
+          </a:p>
+        </p:txBody>
+      </p:sp>
+      <p:cxnSp>
+        <p:nvCxnSpPr>
+          <p:cNvPr id="7" name="Connecteur droit avec flèche 6">
+            <a:extLst>
+              <a:ext uri="{FF2B5EF4-FFF2-40B4-BE49-F238E27FC236}">
+                <a16:creationId xmlns:a16="http://schemas.microsoft.com/office/drawing/2014/main" id="{461D279C-92C8-C670-29A4-B504CBE5A17B}"/>
+              </a:ext>
+            </a:extLst>
+          </p:cNvPr>
+          <p:cNvCxnSpPr>
+            <a:cxnSpLocks/>
+          </p:cNvCxnSpPr>
+          <p:nvPr/>
+        </p:nvCxnSpPr>
+        <p:spPr>
+          <a:xfrm flipH="1" flipV="1">
+            <a:off x="2700530" y="1184589"/>
+            <a:ext cx="969264" cy="717363"/>
+          </a:xfrm>
+          <a:prstGeom prst="straightConnector1">
+            <a:avLst/>
+          </a:prstGeom>
+          <a:ln w="50800">
+            <a:solidFill>
+              <a:schemeClr val="accent4">
+                <a:lumMod val="40000"/>
+                <a:lumOff val="60000"/>
+              </a:schemeClr>
+            </a:solidFill>
+            <a:tailEnd type="triangle"/>
+          </a:ln>
+        </p:spPr>
+        <p:style>
+          <a:lnRef idx="2">
+            <a:schemeClr val="accent1"/>
+          </a:lnRef>
+          <a:fillRef idx="0">
+            <a:schemeClr val="accent1"/>
+          </a:fillRef>
+          <a:effectRef idx="1">
+            <a:schemeClr val="accent1"/>
+          </a:effectRef>
+          <a:fontRef idx="minor">
+            <a:schemeClr val="tx1"/>
+          </a:fontRef>
+        </p:style>
+      </p:cxnSp>
+      <p:sp>
+        <p:nvSpPr>
+          <p:cNvPr id="8" name="ZoneTexte 7">
+            <a:extLst>
+              <a:ext uri="{FF2B5EF4-FFF2-40B4-BE49-F238E27FC236}">
+                <a16:creationId xmlns:a16="http://schemas.microsoft.com/office/drawing/2014/main" id="{8AE08E38-384C-2D79-D68D-F1450940B3C0}"/>
+              </a:ext>
+            </a:extLst>
+          </p:cNvPr>
+          <p:cNvSpPr txBox="1"/>
+          <p:nvPr/>
+        </p:nvSpPr>
+        <p:spPr>
+          <a:xfrm>
+            <a:off x="3822194" y="1682395"/>
+            <a:ext cx="684290" cy="338554"/>
+          </a:xfrm>
+          <a:prstGeom prst="rect">
+            <a:avLst/>
+          </a:prstGeom>
+          <a:noFill/>
+        </p:spPr>
+        <p:txBody>
+          <a:bodyPr wrap="none" rtlCol="0">
+            <a:spAutoFit/>
+          </a:bodyPr>
+          <a:lstStyle/>
+          <a:p>
+            <a:r>
+              <a:rPr lang="fr-FR" sz="1600" dirty="0"/>
+              <a:t>c (</a:t>
+            </a:r>
+            <a:r>
+              <a:rPr lang="fr-FR" sz="1600" dirty="0" err="1"/>
+              <a:t>x,y</a:t>
+            </a:r>
+            <a:r>
+              <a:rPr lang="fr-FR" sz="1600" dirty="0"/>
+              <a:t>)</a:t>
+            </a:r>
+          </a:p>
+        </p:txBody>
+      </p:sp>
+      <p:sp>
+        <p:nvSpPr>
+          <p:cNvPr id="14" name="ZoneTexte 13">
+            <a:extLst>
+              <a:ext uri="{FF2B5EF4-FFF2-40B4-BE49-F238E27FC236}">
+                <a16:creationId xmlns:a16="http://schemas.microsoft.com/office/drawing/2014/main" id="{B38A91C1-9A4B-89EC-956F-AE64285BA3E3}"/>
+              </a:ext>
+            </a:extLst>
+          </p:cNvPr>
+          <p:cNvSpPr txBox="1"/>
+          <p:nvPr/>
+        </p:nvSpPr>
+        <p:spPr>
+          <a:xfrm>
+            <a:off x="1769086" y="5020056"/>
+            <a:ext cx="298480" cy="338554"/>
+          </a:xfrm>
+          <a:prstGeom prst="rect">
+            <a:avLst/>
+          </a:prstGeom>
+          <a:noFill/>
+        </p:spPr>
+        <p:txBody>
+          <a:bodyPr wrap="none" rtlCol="0">
+            <a:spAutoFit/>
+          </a:bodyPr>
+          <a:lstStyle/>
+          <a:p>
+            <a:r>
+              <a:rPr lang="fr-FR" sz="1600" dirty="0"/>
+              <a:t>o</a:t>
+            </a:r>
+          </a:p>
+        </p:txBody>
+      </p:sp>
+      <p:sp>
+        <p:nvSpPr>
+          <p:cNvPr id="16" name="ZoneTexte 15">
+            <a:extLst>
+              <a:ext uri="{FF2B5EF4-FFF2-40B4-BE49-F238E27FC236}">
+                <a16:creationId xmlns:a16="http://schemas.microsoft.com/office/drawing/2014/main" id="{7530158F-8F52-FE60-60F3-A7A305B9DFAE}"/>
+              </a:ext>
+            </a:extLst>
+          </p:cNvPr>
+          <p:cNvSpPr txBox="1"/>
+          <p:nvPr/>
+        </p:nvSpPr>
+        <p:spPr>
+          <a:xfrm>
+            <a:off x="2640035" y="4520724"/>
+            <a:ext cx="300082" cy="338554"/>
+          </a:xfrm>
+          <a:prstGeom prst="rect">
+            <a:avLst/>
+          </a:prstGeom>
+          <a:noFill/>
+        </p:spPr>
+        <p:txBody>
+          <a:bodyPr wrap="none" rtlCol="0">
+            <a:spAutoFit/>
+          </a:bodyPr>
+          <a:lstStyle/>
+          <a:p>
+            <a:r>
+              <a:rPr lang="fr-FR" sz="1600" dirty="0"/>
+              <a:t>d</a:t>
+            </a:r>
+          </a:p>
+        </p:txBody>
+      </p:sp>
+      <p:sp>
+        <p:nvSpPr>
+          <p:cNvPr id="17" name="ZoneTexte 16">
+            <a:extLst>
+              <a:ext uri="{FF2B5EF4-FFF2-40B4-BE49-F238E27FC236}">
+                <a16:creationId xmlns:a16="http://schemas.microsoft.com/office/drawing/2014/main" id="{3798F14D-8214-6079-F24B-87967B2409EA}"/>
+              </a:ext>
+            </a:extLst>
+          </p:cNvPr>
+          <p:cNvSpPr txBox="1"/>
+          <p:nvPr/>
+        </p:nvSpPr>
+        <p:spPr>
+          <a:xfrm>
+            <a:off x="4111985" y="2990006"/>
+            <a:ext cx="303288" cy="338554"/>
+          </a:xfrm>
+          <a:prstGeom prst="rect">
+            <a:avLst/>
+          </a:prstGeom>
+          <a:noFill/>
+        </p:spPr>
+        <p:txBody>
+          <a:bodyPr wrap="none" rtlCol="0">
+            <a:spAutoFit/>
+          </a:bodyPr>
+          <a:lstStyle/>
+          <a:p>
+            <a:r>
+              <a:rPr lang="fr-FR" sz="1600" dirty="0"/>
+              <a:t>P</a:t>
+            </a:r>
+          </a:p>
+        </p:txBody>
+      </p:sp>
+      <p:cxnSp>
+        <p:nvCxnSpPr>
+          <p:cNvPr id="18" name="Connecteur droit avec flèche 17">
+            <a:extLst>
+              <a:ext uri="{FF2B5EF4-FFF2-40B4-BE49-F238E27FC236}">
+                <a16:creationId xmlns:a16="http://schemas.microsoft.com/office/drawing/2014/main" id="{4C8FD27B-27AA-3260-A461-7144F2D1940E}"/>
+              </a:ext>
+            </a:extLst>
+          </p:cNvPr>
+          <p:cNvCxnSpPr>
+            <a:cxnSpLocks/>
+          </p:cNvCxnSpPr>
+          <p:nvPr/>
+        </p:nvCxnSpPr>
+        <p:spPr>
+          <a:xfrm>
+            <a:off x="3766781" y="2020949"/>
+            <a:ext cx="262178" cy="1023452"/>
+          </a:xfrm>
+          <a:prstGeom prst="straightConnector1">
+            <a:avLst/>
+          </a:prstGeom>
+          <a:ln w="50800">
+            <a:solidFill>
+              <a:schemeClr val="accent5">
+                <a:lumMod val="60000"/>
+                <a:lumOff val="40000"/>
+              </a:schemeClr>
+            </a:solidFill>
+            <a:prstDash val="sysDot"/>
+            <a:tailEnd type="triangle"/>
+          </a:ln>
+        </p:spPr>
+        <p:style>
+          <a:lnRef idx="2">
+            <a:schemeClr val="accent1"/>
+          </a:lnRef>
+          <a:fillRef idx="0">
+            <a:schemeClr val="accent1"/>
+          </a:fillRef>
+          <a:effectRef idx="1">
+            <a:schemeClr val="accent1"/>
+          </a:effectRef>
+          <a:fontRef idx="minor">
+            <a:schemeClr val="tx1"/>
+          </a:fontRef>
+        </p:style>
+      </p:cxnSp>
+      <p:sp>
+        <p:nvSpPr>
+          <p:cNvPr id="20" name="ZoneTexte 19">
+            <a:extLst>
+              <a:ext uri="{FF2B5EF4-FFF2-40B4-BE49-F238E27FC236}">
+                <a16:creationId xmlns:a16="http://schemas.microsoft.com/office/drawing/2014/main" id="{950D5B0B-6D7E-7C19-BD05-4E0F2B569331}"/>
+              </a:ext>
+            </a:extLst>
+          </p:cNvPr>
+          <p:cNvSpPr txBox="1"/>
+          <p:nvPr/>
+        </p:nvSpPr>
+        <p:spPr>
+          <a:xfrm>
+            <a:off x="3568598" y="2423574"/>
+            <a:ext cx="253596" cy="338554"/>
+          </a:xfrm>
+          <a:prstGeom prst="rect">
+            <a:avLst/>
+          </a:prstGeom>
+          <a:noFill/>
+        </p:spPr>
+        <p:txBody>
+          <a:bodyPr wrap="none" rtlCol="0">
+            <a:spAutoFit/>
+          </a:bodyPr>
+          <a:lstStyle/>
+          <a:p>
+            <a:r>
+              <a:rPr lang="fr-FR" sz="1600" dirty="0"/>
+              <a:t>r</a:t>
+            </a:r>
+          </a:p>
+        </p:txBody>
+      </p:sp>
+      <p:cxnSp>
+        <p:nvCxnSpPr>
+          <p:cNvPr id="22" name="Connecteur droit avec flèche 21">
+            <a:extLst>
+              <a:ext uri="{FF2B5EF4-FFF2-40B4-BE49-F238E27FC236}">
+                <a16:creationId xmlns:a16="http://schemas.microsoft.com/office/drawing/2014/main" id="{52BA2F8E-90A7-7A75-BB9A-A303C89E9D18}"/>
+              </a:ext>
+            </a:extLst>
+          </p:cNvPr>
+          <p:cNvCxnSpPr>
+            <a:cxnSpLocks/>
+          </p:cNvCxnSpPr>
+          <p:nvPr/>
+        </p:nvCxnSpPr>
+        <p:spPr>
+          <a:xfrm>
+            <a:off x="4028959" y="3113657"/>
+            <a:ext cx="290064" cy="1146783"/>
+          </a:xfrm>
+          <a:prstGeom prst="straightConnector1">
+            <a:avLst/>
+          </a:prstGeom>
+          <a:ln w="50800">
+            <a:solidFill>
+              <a:schemeClr val="accent4">
+                <a:lumMod val="40000"/>
+                <a:lumOff val="60000"/>
+              </a:schemeClr>
+            </a:solidFill>
+            <a:tailEnd type="triangle"/>
+          </a:ln>
+        </p:spPr>
+        <p:style>
+          <a:lnRef idx="2">
+            <a:schemeClr val="accent1"/>
+          </a:lnRef>
+          <a:fillRef idx="0">
+            <a:schemeClr val="accent1"/>
+          </a:fillRef>
+          <a:effectRef idx="1">
+            <a:schemeClr val="accent1"/>
+          </a:effectRef>
+          <a:fontRef idx="minor">
+            <a:schemeClr val="tx1"/>
+          </a:fontRef>
+        </p:style>
+      </p:cxnSp>
+      <p:cxnSp>
+        <p:nvCxnSpPr>
+          <p:cNvPr id="9" name="Connecteur droit avec flèche 8">
+            <a:extLst>
+              <a:ext uri="{FF2B5EF4-FFF2-40B4-BE49-F238E27FC236}">
+                <a16:creationId xmlns:a16="http://schemas.microsoft.com/office/drawing/2014/main" id="{59C3C6EC-CCCC-3F29-0DB1-88C7615847E1}"/>
+              </a:ext>
+            </a:extLst>
+          </p:cNvPr>
+          <p:cNvCxnSpPr>
+            <a:cxnSpLocks/>
+            <a:stCxn id="17" idx="1"/>
+          </p:cNvCxnSpPr>
+          <p:nvPr/>
+        </p:nvCxnSpPr>
+        <p:spPr>
+          <a:xfrm>
+            <a:off x="4111985" y="3159283"/>
+            <a:ext cx="2970603" cy="681197"/>
+          </a:xfrm>
+          <a:prstGeom prst="straightConnector1">
+            <a:avLst/>
+          </a:prstGeom>
+          <a:ln w="50800">
+            <a:solidFill>
+              <a:srgbClr val="FF0000"/>
+            </a:solidFill>
+            <a:tailEnd type="triangle"/>
+          </a:ln>
+        </p:spPr>
+        <p:style>
+          <a:lnRef idx="2">
+            <a:schemeClr val="accent1"/>
+          </a:lnRef>
+          <a:fillRef idx="0">
+            <a:schemeClr val="accent1"/>
+          </a:fillRef>
+          <a:effectRef idx="1">
+            <a:schemeClr val="accent1"/>
+          </a:effectRef>
+          <a:fontRef idx="minor">
+            <a:schemeClr val="tx1"/>
+          </a:fontRef>
+        </p:style>
+      </p:cxnSp>
+      <p:cxnSp>
+        <p:nvCxnSpPr>
+          <p:cNvPr id="10" name="Connecteur droit avec flèche 9">
+            <a:extLst>
+              <a:ext uri="{FF2B5EF4-FFF2-40B4-BE49-F238E27FC236}">
+                <a16:creationId xmlns:a16="http://schemas.microsoft.com/office/drawing/2014/main" id="{E80F7994-CAD8-7882-D3A3-22FA39E60124}"/>
+              </a:ext>
+            </a:extLst>
+          </p:cNvPr>
+          <p:cNvCxnSpPr>
+            <a:cxnSpLocks/>
+          </p:cNvCxnSpPr>
+          <p:nvPr/>
+        </p:nvCxnSpPr>
+        <p:spPr>
+          <a:xfrm>
+            <a:off x="4005868" y="3127248"/>
+            <a:ext cx="409405" cy="1489055"/>
+          </a:xfrm>
+          <a:prstGeom prst="straightConnector1">
+            <a:avLst/>
+          </a:prstGeom>
+          <a:ln w="50800">
+            <a:solidFill>
+              <a:schemeClr val="accent6">
+                <a:lumMod val="75000"/>
+              </a:schemeClr>
+            </a:solidFill>
+            <a:prstDash val="sysDot"/>
+            <a:tailEnd type="triangle"/>
+          </a:ln>
+        </p:spPr>
+        <p:style>
+          <a:lnRef idx="2">
+            <a:schemeClr val="accent1"/>
+          </a:lnRef>
+          <a:fillRef idx="0">
+            <a:schemeClr val="accent1"/>
+          </a:fillRef>
+          <a:effectRef idx="1">
+            <a:schemeClr val="accent1"/>
+          </a:effectRef>
+          <a:fontRef idx="minor">
+            <a:schemeClr val="tx1"/>
+          </a:fontRef>
+        </p:style>
+      </p:cxnSp>
+      <p:sp>
+        <p:nvSpPr>
+          <p:cNvPr id="23" name="ZoneTexte 22">
+            <a:extLst>
+              <a:ext uri="{FF2B5EF4-FFF2-40B4-BE49-F238E27FC236}">
+                <a16:creationId xmlns:a16="http://schemas.microsoft.com/office/drawing/2014/main" id="{1C3E0B41-1673-43C1-57FC-A206DAFD4FBF}"/>
+              </a:ext>
+            </a:extLst>
+          </p:cNvPr>
+          <p:cNvSpPr txBox="1"/>
+          <p:nvPr/>
+        </p:nvSpPr>
+        <p:spPr>
+          <a:xfrm>
+            <a:off x="6096000" y="4928615"/>
+            <a:ext cx="2534412" cy="584775"/>
+          </a:xfrm>
+          <a:prstGeom prst="rect">
+            <a:avLst/>
+          </a:prstGeom>
+          <a:noFill/>
+        </p:spPr>
+        <p:txBody>
+          <a:bodyPr wrap="none" rtlCol="0">
+            <a:spAutoFit/>
+          </a:bodyPr>
+          <a:lstStyle/>
+          <a:p>
+            <a:r>
+              <a:rPr lang="fr-FR" sz="1600" dirty="0"/>
+              <a:t>The direction </a:t>
+            </a:r>
+            <a:r>
+              <a:rPr lang="fr-FR" sz="1600" dirty="0" err="1"/>
+              <a:t>from</a:t>
+            </a:r>
+            <a:r>
+              <a:rPr lang="fr-FR" sz="1600" dirty="0"/>
+              <a:t> P to r </a:t>
+            </a:r>
+            <a:r>
+              <a:rPr lang="fr-FR" sz="1600" dirty="0" err="1"/>
+              <a:t>is</a:t>
+            </a:r>
+            <a:r>
+              <a:rPr lang="fr-FR" sz="1600" dirty="0"/>
+              <a:t>:</a:t>
+            </a:r>
+          </a:p>
+          <a:p>
+            <a:r>
+              <a:rPr lang="fr-FR" sz="1600" dirty="0"/>
+              <a:t>-2 * PROJ + OP</a:t>
+            </a:r>
+          </a:p>
+        </p:txBody>
+      </p:sp>
+      <p:cxnSp>
+        <p:nvCxnSpPr>
+          <p:cNvPr id="15" name="Connecteur droit avec flèche 14">
+            <a:extLst>
+              <a:ext uri="{FF2B5EF4-FFF2-40B4-BE49-F238E27FC236}">
+                <a16:creationId xmlns:a16="http://schemas.microsoft.com/office/drawing/2014/main" id="{8969F66D-7D3B-EE03-F245-3E8A1D37963F}"/>
+              </a:ext>
+            </a:extLst>
+          </p:cNvPr>
+          <p:cNvCxnSpPr>
+            <a:cxnSpLocks/>
+          </p:cNvCxnSpPr>
+          <p:nvPr/>
+        </p:nvCxnSpPr>
+        <p:spPr>
+          <a:xfrm>
+            <a:off x="4382960" y="4353365"/>
+            <a:ext cx="409405" cy="1489055"/>
+          </a:xfrm>
+          <a:prstGeom prst="straightConnector1">
+            <a:avLst/>
+          </a:prstGeom>
+          <a:ln w="50800">
+            <a:solidFill>
+              <a:schemeClr val="accent6">
+                <a:lumMod val="75000"/>
+              </a:schemeClr>
+            </a:solidFill>
+            <a:prstDash val="sysDot"/>
+            <a:tailEnd type="triangle"/>
+          </a:ln>
+        </p:spPr>
+        <p:style>
+          <a:lnRef idx="2">
+            <a:schemeClr val="accent1"/>
+          </a:lnRef>
+          <a:fillRef idx="0">
+            <a:schemeClr val="accent1"/>
+          </a:fillRef>
+          <a:effectRef idx="1">
+            <a:schemeClr val="accent1"/>
+          </a:effectRef>
+          <a:fontRef idx="minor">
+            <a:schemeClr val="tx1"/>
+          </a:fontRef>
+        </p:style>
+      </p:cxnSp>
+      <p:cxnSp>
+        <p:nvCxnSpPr>
+          <p:cNvPr id="12" name="Connecteur droit avec flèche 11">
+            <a:extLst>
+              <a:ext uri="{FF2B5EF4-FFF2-40B4-BE49-F238E27FC236}">
+                <a16:creationId xmlns:a16="http://schemas.microsoft.com/office/drawing/2014/main" id="{DC55C0E9-E33F-51E1-D3E9-EB20A930462C}"/>
+              </a:ext>
+            </a:extLst>
+          </p:cNvPr>
+          <p:cNvCxnSpPr>
+            <a:cxnSpLocks/>
+          </p:cNvCxnSpPr>
+          <p:nvPr/>
+        </p:nvCxnSpPr>
+        <p:spPr>
+          <a:xfrm flipV="1">
+            <a:off x="4891135" y="3964192"/>
+            <a:ext cx="1933961" cy="1745967"/>
+          </a:xfrm>
+          <a:prstGeom prst="straightConnector1">
+            <a:avLst/>
+          </a:prstGeom>
+          <a:ln w="50800">
+            <a:solidFill>
+              <a:srgbClr val="FF0000"/>
+            </a:solidFill>
+            <a:tailEnd type="triangle"/>
+          </a:ln>
+        </p:spPr>
+        <p:style>
+          <a:lnRef idx="2">
+            <a:schemeClr val="accent1"/>
+          </a:lnRef>
+          <a:fillRef idx="0">
+            <a:schemeClr val="accent1"/>
+          </a:fillRef>
+          <a:effectRef idx="1">
+            <a:schemeClr val="accent1"/>
+          </a:effectRef>
+          <a:fontRef idx="minor">
+            <a:schemeClr val="tx1"/>
+          </a:fontRef>
+        </p:style>
+      </p:cxnSp>
+      <p:sp>
+        <p:nvSpPr>
+          <p:cNvPr id="13" name="ZoneTexte 12">
+            <a:extLst>
+              <a:ext uri="{FF2B5EF4-FFF2-40B4-BE49-F238E27FC236}">
+                <a16:creationId xmlns:a16="http://schemas.microsoft.com/office/drawing/2014/main" id="{129188AC-0D37-98C4-EDA1-A2BAE94151DE}"/>
+              </a:ext>
+            </a:extLst>
+          </p:cNvPr>
+          <p:cNvSpPr txBox="1"/>
+          <p:nvPr/>
+        </p:nvSpPr>
+        <p:spPr>
+          <a:xfrm>
+            <a:off x="7058206" y="3821697"/>
+            <a:ext cx="253596" cy="338554"/>
+          </a:xfrm>
+          <a:prstGeom prst="rect">
+            <a:avLst/>
+          </a:prstGeom>
+          <a:noFill/>
+        </p:spPr>
+        <p:txBody>
+          <a:bodyPr wrap="none" rtlCol="0">
+            <a:spAutoFit/>
+          </a:bodyPr>
+          <a:lstStyle/>
+          <a:p>
+            <a:r>
+              <a:rPr lang="fr-FR" sz="1600" dirty="0"/>
+              <a:t>r</a:t>
+            </a:r>
+          </a:p>
+        </p:txBody>
+      </p:sp>
+      <p:sp>
+        <p:nvSpPr>
+          <p:cNvPr id="19" name="Ellipse 18">
+            <a:extLst>
+              <a:ext uri="{FF2B5EF4-FFF2-40B4-BE49-F238E27FC236}">
+                <a16:creationId xmlns:a16="http://schemas.microsoft.com/office/drawing/2014/main" id="{21135B89-C73E-10B1-C293-E1755F8BBB69}"/>
+              </a:ext>
+            </a:extLst>
+          </p:cNvPr>
+          <p:cNvSpPr/>
+          <p:nvPr/>
+        </p:nvSpPr>
+        <p:spPr>
+          <a:xfrm>
+            <a:off x="7110412" y="3730257"/>
+            <a:ext cx="201168" cy="182880"/>
+          </a:xfrm>
+          <a:prstGeom prst="ellipse">
+            <a:avLst/>
+          </a:prstGeom>
+        </p:spPr>
+        <p:style>
+          <a:lnRef idx="2">
+            <a:schemeClr val="accent1">
+              <a:shade val="15000"/>
+            </a:schemeClr>
+          </a:lnRef>
+          <a:fillRef idx="1">
+            <a:schemeClr val="accent1"/>
+          </a:fillRef>
+          <a:effectRef idx="0">
+            <a:schemeClr val="accent1"/>
+          </a:effectRef>
+          <a:fontRef idx="minor">
+            <a:schemeClr val="lt1"/>
+          </a:fontRef>
+        </p:style>
+        <p:txBody>
+          <a:bodyPr rtlCol="0" anchor="ctr"/>
+          <a:lstStyle/>
+          <a:p>
+            <a:pPr algn="ctr"/>
+            <a:endParaRPr lang="fr-FR"/>
+          </a:p>
+        </p:txBody>
+      </p:sp>
+    </p:spTree>
+    <p:extLst>
+      <p:ext uri="{BB962C8B-B14F-4D97-AF65-F5344CB8AC3E}">
+        <p14:creationId xmlns:p14="http://schemas.microsoft.com/office/powerpoint/2010/main" val="2838325084"/>
+      </p:ext>
+    </p:extLst>
+  </p:cSld>
+  <p:clrMapOvr>
+    <a:masterClrMapping/>
+  </p:clrMapOvr>
+</p:sld>
+</file>
+
+<file path=ppt/slides/slide17.xml><?xml version="1.0" encoding="utf-8"?>
+<p:sld xmlns:a="http://schemas.openxmlformats.org/drawingml/2006/main" xmlns:r="http://schemas.openxmlformats.org/officeDocument/2006/relationships" xmlns:p="http://schemas.openxmlformats.org/presentationml/2006/main">
+  <p:cSld>
+    <p:spTree>
+      <p:nvGrpSpPr>
+        <p:cNvPr id="1" name=""/>
+        <p:cNvGrpSpPr/>
+        <p:nvPr/>
+      </p:nvGrpSpPr>
+      <p:grpSpPr>
+        <a:xfrm>
+          <a:off x="0" y="0"/>
+          <a:ext cx="0" cy="0"/>
+          <a:chOff x="0" y="0"/>
+          <a:chExt cx="0" cy="0"/>
+        </a:xfrm>
+      </p:grpSpPr>
+      <p:sp>
+        <p:nvSpPr>
+          <p:cNvPr id="3" name="Parallélogramme 2">
+            <a:extLst>
+              <a:ext uri="{FF2B5EF4-FFF2-40B4-BE49-F238E27FC236}">
+                <a16:creationId xmlns:a16="http://schemas.microsoft.com/office/drawing/2014/main" id="{8F13F2FC-65C5-5A96-B5D2-4838E06980D3}"/>
+              </a:ext>
+            </a:extLst>
+          </p:cNvPr>
+          <p:cNvSpPr/>
+          <p:nvPr/>
+        </p:nvSpPr>
+        <p:spPr>
+          <a:xfrm>
+            <a:off x="4517136" y="1289304"/>
+            <a:ext cx="5166360" cy="2697480"/>
+          </a:xfrm>
+          <a:prstGeom prst="parallelogram">
+            <a:avLst/>
+          </a:prstGeom>
+        </p:spPr>
+        <p:style>
+          <a:lnRef idx="2">
+            <a:schemeClr val="accent1">
+              <a:shade val="15000"/>
+            </a:schemeClr>
+          </a:lnRef>
+          <a:fillRef idx="1">
+            <a:schemeClr val="accent1"/>
+          </a:fillRef>
+          <a:effectRef idx="0">
+            <a:schemeClr val="accent1"/>
+          </a:effectRef>
+          <a:fontRef idx="minor">
+            <a:schemeClr val="lt1"/>
+          </a:fontRef>
+        </p:style>
+        <p:txBody>
+          <a:bodyPr rtlCol="0" anchor="ctr"/>
+          <a:lstStyle/>
+          <a:p>
+            <a:pPr algn="ctr"/>
+            <a:endParaRPr lang="fr-FR"/>
+          </a:p>
+        </p:txBody>
+      </p:sp>
+      <p:cxnSp>
+        <p:nvCxnSpPr>
+          <p:cNvPr id="4" name="Connecteur droit avec flèche 3">
+            <a:extLst>
+              <a:ext uri="{FF2B5EF4-FFF2-40B4-BE49-F238E27FC236}">
+                <a16:creationId xmlns:a16="http://schemas.microsoft.com/office/drawing/2014/main" id="{0530A12C-10DE-49D0-C792-44048450C551}"/>
+              </a:ext>
+            </a:extLst>
+          </p:cNvPr>
+          <p:cNvCxnSpPr>
+            <a:cxnSpLocks/>
+            <a:stCxn id="5" idx="7"/>
+          </p:cNvCxnSpPr>
+          <p:nvPr/>
+        </p:nvCxnSpPr>
+        <p:spPr>
+          <a:xfrm flipV="1">
+            <a:off x="3527556" y="3355848"/>
+            <a:ext cx="1574796" cy="1416670"/>
+          </a:xfrm>
+          <a:prstGeom prst="straightConnector1">
+            <a:avLst/>
+          </a:prstGeom>
+          <a:ln w="50800">
+            <a:solidFill>
+              <a:srgbClr val="FF0000"/>
+            </a:solidFill>
+            <a:tailEnd type="triangle"/>
+          </a:ln>
+        </p:spPr>
+        <p:style>
+          <a:lnRef idx="2">
+            <a:schemeClr val="accent1"/>
+          </a:lnRef>
+          <a:fillRef idx="0">
+            <a:schemeClr val="accent1"/>
+          </a:fillRef>
+          <a:effectRef idx="1">
+            <a:schemeClr val="accent1"/>
+          </a:effectRef>
+          <a:fontRef idx="minor">
+            <a:schemeClr val="tx1"/>
+          </a:fontRef>
+        </p:style>
+      </p:cxnSp>
+      <p:sp>
+        <p:nvSpPr>
+          <p:cNvPr id="5" name="Ellipse 4">
+            <a:extLst>
+              <a:ext uri="{FF2B5EF4-FFF2-40B4-BE49-F238E27FC236}">
+                <a16:creationId xmlns:a16="http://schemas.microsoft.com/office/drawing/2014/main" id="{46D69EBF-E697-0C32-224E-0E9F529AF0D6}"/>
+              </a:ext>
+            </a:extLst>
+          </p:cNvPr>
+          <p:cNvSpPr/>
+          <p:nvPr/>
+        </p:nvSpPr>
+        <p:spPr>
+          <a:xfrm>
+            <a:off x="3355848" y="4745736"/>
+            <a:ext cx="201168" cy="182880"/>
+          </a:xfrm>
+          <a:prstGeom prst="ellipse">
+            <a:avLst/>
+          </a:prstGeom>
+        </p:spPr>
+        <p:style>
+          <a:lnRef idx="2">
+            <a:schemeClr val="accent1">
+              <a:shade val="15000"/>
+            </a:schemeClr>
+          </a:lnRef>
+          <a:fillRef idx="1">
+            <a:schemeClr val="accent1"/>
+          </a:fillRef>
+          <a:effectRef idx="0">
+            <a:schemeClr val="accent1"/>
+          </a:effectRef>
+          <a:fontRef idx="minor">
+            <a:schemeClr val="lt1"/>
+          </a:fontRef>
+        </p:style>
+        <p:txBody>
+          <a:bodyPr rtlCol="0" anchor="ctr"/>
+          <a:lstStyle/>
+          <a:p>
+            <a:pPr algn="ctr"/>
+            <a:endParaRPr lang="fr-FR"/>
+          </a:p>
+        </p:txBody>
+      </p:sp>
+      <p:sp>
+        <p:nvSpPr>
+          <p:cNvPr id="6" name="ZoneTexte 5">
+            <a:extLst>
+              <a:ext uri="{FF2B5EF4-FFF2-40B4-BE49-F238E27FC236}">
+                <a16:creationId xmlns:a16="http://schemas.microsoft.com/office/drawing/2014/main" id="{9993909E-4369-523A-8933-5150C59493E7}"/>
+              </a:ext>
+            </a:extLst>
+          </p:cNvPr>
+          <p:cNvSpPr txBox="1"/>
+          <p:nvPr/>
+        </p:nvSpPr>
+        <p:spPr>
+          <a:xfrm>
+            <a:off x="3114287" y="4850904"/>
+            <a:ext cx="298480" cy="338554"/>
+          </a:xfrm>
+          <a:prstGeom prst="rect">
+            <a:avLst/>
+          </a:prstGeom>
+          <a:noFill/>
+        </p:spPr>
+        <p:txBody>
+          <a:bodyPr wrap="none" rtlCol="0">
+            <a:spAutoFit/>
+          </a:bodyPr>
+          <a:lstStyle/>
+          <a:p>
+            <a:r>
+              <a:rPr lang="fr-FR" sz="1600" dirty="0"/>
+              <a:t>o</a:t>
+            </a:r>
+          </a:p>
+        </p:txBody>
+      </p:sp>
+      <p:sp>
+        <p:nvSpPr>
+          <p:cNvPr id="7" name="ZoneTexte 6">
+            <a:extLst>
+              <a:ext uri="{FF2B5EF4-FFF2-40B4-BE49-F238E27FC236}">
+                <a16:creationId xmlns:a16="http://schemas.microsoft.com/office/drawing/2014/main" id="{6AD8E27A-2F23-E57D-46F7-1A624DC5C902}"/>
+              </a:ext>
+            </a:extLst>
+          </p:cNvPr>
+          <p:cNvSpPr txBox="1"/>
+          <p:nvPr/>
+        </p:nvSpPr>
+        <p:spPr>
+          <a:xfrm>
+            <a:off x="4172990" y="4216920"/>
+            <a:ext cx="1468672" cy="338554"/>
+          </a:xfrm>
+          <a:prstGeom prst="rect">
+            <a:avLst/>
+          </a:prstGeom>
+          <a:noFill/>
+        </p:spPr>
+        <p:txBody>
+          <a:bodyPr wrap="none" rtlCol="0">
+            <a:spAutoFit/>
+          </a:bodyPr>
+          <a:lstStyle/>
+          <a:p>
+            <a:r>
+              <a:rPr lang="fr-FR" sz="1600" dirty="0"/>
+              <a:t>d (</a:t>
+            </a:r>
+            <a:r>
+              <a:rPr lang="fr-FR" sz="1600" dirty="0" err="1"/>
+              <a:t>normalised</a:t>
+            </a:r>
+            <a:r>
+              <a:rPr lang="fr-FR" sz="1600" dirty="0"/>
+              <a:t>)</a:t>
+            </a:r>
+          </a:p>
+        </p:txBody>
+      </p:sp>
+      <p:cxnSp>
+        <p:nvCxnSpPr>
+          <p:cNvPr id="8" name="Connecteur droit avec flèche 7">
+            <a:extLst>
+              <a:ext uri="{FF2B5EF4-FFF2-40B4-BE49-F238E27FC236}">
+                <a16:creationId xmlns:a16="http://schemas.microsoft.com/office/drawing/2014/main" id="{81B98017-F0ED-3A1C-8E7A-24B4C4BDB997}"/>
+              </a:ext>
+            </a:extLst>
+          </p:cNvPr>
+          <p:cNvCxnSpPr>
+            <a:cxnSpLocks/>
+          </p:cNvCxnSpPr>
+          <p:nvPr/>
+        </p:nvCxnSpPr>
+        <p:spPr>
+          <a:xfrm flipV="1">
+            <a:off x="3456757" y="1938528"/>
+            <a:ext cx="3273227" cy="2898648"/>
+          </a:xfrm>
+          <a:prstGeom prst="straightConnector1">
+            <a:avLst/>
+          </a:prstGeom>
+          <a:ln w="50800">
+            <a:solidFill>
+              <a:srgbClr val="FF0000"/>
+            </a:solidFill>
+            <a:prstDash val="sysDot"/>
+            <a:tailEnd type="triangle"/>
+          </a:ln>
+        </p:spPr>
+        <p:style>
+          <a:lnRef idx="2">
+            <a:schemeClr val="accent1"/>
+          </a:lnRef>
+          <a:fillRef idx="0">
+            <a:schemeClr val="accent1"/>
+          </a:fillRef>
+          <a:effectRef idx="1">
+            <a:schemeClr val="accent1"/>
+          </a:effectRef>
+          <a:fontRef idx="minor">
+            <a:schemeClr val="tx1"/>
+          </a:fontRef>
+        </p:style>
+      </p:cxnSp>
+      <p:cxnSp>
+        <p:nvCxnSpPr>
+          <p:cNvPr id="10" name="Connecteur droit avec flèche 9">
+            <a:extLst>
+              <a:ext uri="{FF2B5EF4-FFF2-40B4-BE49-F238E27FC236}">
+                <a16:creationId xmlns:a16="http://schemas.microsoft.com/office/drawing/2014/main" id="{891B84EB-0176-C342-F8D1-12769E5098EC}"/>
+              </a:ext>
+            </a:extLst>
+          </p:cNvPr>
+          <p:cNvCxnSpPr>
+            <a:cxnSpLocks/>
+          </p:cNvCxnSpPr>
+          <p:nvPr/>
+        </p:nvCxnSpPr>
+        <p:spPr>
+          <a:xfrm flipV="1">
+            <a:off x="7856724" y="1814971"/>
+            <a:ext cx="0" cy="1106424"/>
+          </a:xfrm>
+          <a:prstGeom prst="straightConnector1">
+            <a:avLst/>
+          </a:prstGeom>
+          <a:ln w="50800">
+            <a:solidFill>
+              <a:schemeClr val="tx2">
+                <a:lumMod val="50000"/>
+                <a:lumOff val="50000"/>
+              </a:schemeClr>
+            </a:solidFill>
+            <a:tailEnd type="triangle"/>
+          </a:ln>
+        </p:spPr>
+        <p:style>
+          <a:lnRef idx="2">
+            <a:schemeClr val="accent1"/>
+          </a:lnRef>
+          <a:fillRef idx="0">
+            <a:schemeClr val="accent1"/>
+          </a:fillRef>
+          <a:effectRef idx="1">
+            <a:schemeClr val="accent1"/>
+          </a:effectRef>
+          <a:fontRef idx="minor">
+            <a:schemeClr val="tx1"/>
+          </a:fontRef>
+        </p:style>
+      </p:cxnSp>
+      <p:sp>
+        <p:nvSpPr>
+          <p:cNvPr id="12" name="ZoneTexte 11">
+            <a:extLst>
+              <a:ext uri="{FF2B5EF4-FFF2-40B4-BE49-F238E27FC236}">
+                <a16:creationId xmlns:a16="http://schemas.microsoft.com/office/drawing/2014/main" id="{05A548F5-0411-EC7D-143E-C1C0D67A8A61}"/>
+              </a:ext>
+            </a:extLst>
+          </p:cNvPr>
+          <p:cNvSpPr txBox="1"/>
+          <p:nvPr/>
+        </p:nvSpPr>
+        <p:spPr>
+          <a:xfrm>
+            <a:off x="7906658" y="3017294"/>
+            <a:ext cx="292068" cy="338554"/>
+          </a:xfrm>
+          <a:prstGeom prst="rect">
+            <a:avLst/>
+          </a:prstGeom>
+          <a:noFill/>
+        </p:spPr>
+        <p:txBody>
+          <a:bodyPr wrap="none" rtlCol="0">
+            <a:spAutoFit/>
+          </a:bodyPr>
+          <a:lstStyle/>
+          <a:p>
+            <a:r>
+              <a:rPr lang="fr-FR" sz="1600" dirty="0"/>
+              <a:t>c</a:t>
+            </a:r>
+          </a:p>
+        </p:txBody>
+      </p:sp>
+      <p:sp>
+        <p:nvSpPr>
+          <p:cNvPr id="13" name="Ellipse 12">
+            <a:extLst>
+              <a:ext uri="{FF2B5EF4-FFF2-40B4-BE49-F238E27FC236}">
+                <a16:creationId xmlns:a16="http://schemas.microsoft.com/office/drawing/2014/main" id="{947B7AD8-1A18-0BDE-02A5-28C323A247B8}"/>
+              </a:ext>
+            </a:extLst>
+          </p:cNvPr>
+          <p:cNvSpPr/>
+          <p:nvPr/>
+        </p:nvSpPr>
+        <p:spPr>
+          <a:xfrm>
+            <a:off x="7719564" y="2921395"/>
+            <a:ext cx="274320" cy="265176"/>
+          </a:xfrm>
+          <a:prstGeom prst="ellipse">
+            <a:avLst/>
+          </a:prstGeom>
+          <a:solidFill>
+            <a:schemeClr val="tx1"/>
+          </a:solidFill>
+        </p:spPr>
+        <p:style>
+          <a:lnRef idx="2">
+            <a:schemeClr val="accent1">
+              <a:shade val="15000"/>
+            </a:schemeClr>
+          </a:lnRef>
+          <a:fillRef idx="1">
+            <a:schemeClr val="accent1"/>
+          </a:fillRef>
+          <a:effectRef idx="0">
+            <a:schemeClr val="accent1"/>
+          </a:effectRef>
+          <a:fontRef idx="minor">
+            <a:schemeClr val="lt1"/>
+          </a:fontRef>
+        </p:style>
+        <p:txBody>
+          <a:bodyPr rtlCol="0" anchor="ctr"/>
+          <a:lstStyle/>
+          <a:p>
+            <a:pPr algn="ctr"/>
+            <a:endParaRPr lang="fr-FR"/>
+          </a:p>
+        </p:txBody>
+      </p:sp>
+      <p:sp>
+        <p:nvSpPr>
+          <p:cNvPr id="14" name="ZoneTexte 13">
+            <a:extLst>
+              <a:ext uri="{FF2B5EF4-FFF2-40B4-BE49-F238E27FC236}">
+                <a16:creationId xmlns:a16="http://schemas.microsoft.com/office/drawing/2014/main" id="{F2D02973-150B-6E83-CA16-117A0530E383}"/>
+              </a:ext>
+            </a:extLst>
+          </p:cNvPr>
+          <p:cNvSpPr txBox="1"/>
+          <p:nvPr/>
+        </p:nvSpPr>
+        <p:spPr>
+          <a:xfrm>
+            <a:off x="6649358" y="1508534"/>
+            <a:ext cx="303288" cy="338554"/>
+          </a:xfrm>
+          <a:prstGeom prst="rect">
+            <a:avLst/>
+          </a:prstGeom>
+          <a:noFill/>
+        </p:spPr>
+        <p:txBody>
+          <a:bodyPr wrap="none" rtlCol="0">
+            <a:spAutoFit/>
+          </a:bodyPr>
+          <a:lstStyle/>
+          <a:p>
+            <a:r>
+              <a:rPr lang="fr-FR" sz="1600" dirty="0"/>
+              <a:t>P</a:t>
+            </a:r>
+          </a:p>
+        </p:txBody>
+      </p:sp>
+      <p:cxnSp>
+        <p:nvCxnSpPr>
+          <p:cNvPr id="15" name="Connecteur droit avec flèche 14">
+            <a:extLst>
+              <a:ext uri="{FF2B5EF4-FFF2-40B4-BE49-F238E27FC236}">
+                <a16:creationId xmlns:a16="http://schemas.microsoft.com/office/drawing/2014/main" id="{9F2337D3-B93F-54EB-F1DF-1497C669CF70}"/>
+              </a:ext>
+            </a:extLst>
+          </p:cNvPr>
+          <p:cNvCxnSpPr>
+            <a:cxnSpLocks/>
+            <a:endCxn id="13" idx="0"/>
+          </p:cNvCxnSpPr>
+          <p:nvPr/>
+        </p:nvCxnSpPr>
+        <p:spPr>
+          <a:xfrm>
+            <a:off x="6737960" y="1965960"/>
+            <a:ext cx="1118764" cy="955435"/>
+          </a:xfrm>
+          <a:prstGeom prst="straightConnector1">
+            <a:avLst/>
+          </a:prstGeom>
+          <a:ln w="50800">
+            <a:solidFill>
+              <a:schemeClr val="accent5">
+                <a:lumMod val="60000"/>
+                <a:lumOff val="40000"/>
+              </a:schemeClr>
+            </a:solidFill>
+            <a:prstDash val="sysDot"/>
+            <a:tailEnd type="triangle"/>
+          </a:ln>
+        </p:spPr>
+        <p:style>
+          <a:lnRef idx="2">
+            <a:schemeClr val="accent1"/>
+          </a:lnRef>
+          <a:fillRef idx="0">
+            <a:schemeClr val="accent1"/>
+          </a:fillRef>
+          <a:effectRef idx="1">
+            <a:schemeClr val="accent1"/>
+          </a:effectRef>
+          <a:fontRef idx="minor">
+            <a:schemeClr val="tx1"/>
+          </a:fontRef>
+        </p:style>
+      </p:cxnSp>
+      <p:sp>
+        <p:nvSpPr>
+          <p:cNvPr id="17" name="ZoneTexte 16">
+            <a:extLst>
+              <a:ext uri="{FF2B5EF4-FFF2-40B4-BE49-F238E27FC236}">
+                <a16:creationId xmlns:a16="http://schemas.microsoft.com/office/drawing/2014/main" id="{A4B9D68C-1093-0DA2-24F6-9250D519E640}"/>
+              </a:ext>
+            </a:extLst>
+          </p:cNvPr>
+          <p:cNvSpPr txBox="1"/>
+          <p:nvPr/>
+        </p:nvSpPr>
+        <p:spPr>
+          <a:xfrm>
+            <a:off x="7914672" y="2217081"/>
+            <a:ext cx="1202573" cy="338554"/>
+          </a:xfrm>
+          <a:prstGeom prst="rect">
+            <a:avLst/>
+          </a:prstGeom>
+          <a:noFill/>
+        </p:spPr>
+        <p:txBody>
+          <a:bodyPr wrap="none" rtlCol="0">
+            <a:spAutoFit/>
+          </a:bodyPr>
+          <a:lstStyle/>
+          <a:p>
+            <a:r>
+              <a:rPr lang="fr-FR" sz="1600" dirty="0"/>
+              <a:t>n (normale)</a:t>
+            </a:r>
+          </a:p>
+        </p:txBody>
+      </p:sp>
+    </p:spTree>
+    <p:extLst>
+      <p:ext uri="{BB962C8B-B14F-4D97-AF65-F5344CB8AC3E}">
+        <p14:creationId xmlns:p14="http://schemas.microsoft.com/office/powerpoint/2010/main" val="4148496746"/>
       </p:ext>
     </p:extLst>
   </p:cSld>
